--- a/assets/lectures/cshl/2020/mini/RNASeq_MiniLecture_02_01_Alignment.pptx
+++ b/assets/lectures/cshl/2020/mini/RNASeq_MiniLecture_02_01_Alignment.pptx
@@ -2067,14 +2067,14 @@
           </a:ln>
           <a:extLst>
             <a:ext uri="{909E8E84-426E-40dd-AFC4-6F175D3DCCD1}">
-              <a14:hiddenFill xmlns="" xmlns:a14="http://schemas.microsoft.com/office/drawing/2010/main">
+              <a14:hiddenFill xmlns:a14="http://schemas.microsoft.com/office/drawing/2010/main" xmlns="">
                 <a:solidFill>
                   <a:srgbClr val="FFFFFF"/>
                 </a:solidFill>
               </a14:hiddenFill>
             </a:ext>
             <a:ext uri="{91240B29-F687-4f45-9708-019B960494DF}">
-              <a14:hiddenLine xmlns="" xmlns:a14="http://schemas.microsoft.com/office/drawing/2010/main" w="9525">
+              <a14:hiddenLine xmlns:a14="http://schemas.microsoft.com/office/drawing/2010/main" xmlns="" w="9525">
                 <a:solidFill>
                   <a:srgbClr val="000000"/>
                 </a:solidFill>
@@ -2569,14 +2569,14 @@
           </a:ln>
           <a:extLst>
             <a:ext uri="{909E8E84-426E-40dd-AFC4-6F175D3DCCD1}">
-              <a14:hiddenFill xmlns="" xmlns:a14="http://schemas.microsoft.com/office/drawing/2010/main">
+              <a14:hiddenFill xmlns:a14="http://schemas.microsoft.com/office/drawing/2010/main" xmlns="">
                 <a:solidFill>
                   <a:srgbClr val="FFFFFF"/>
                 </a:solidFill>
               </a14:hiddenFill>
             </a:ext>
             <a:ext uri="{91240B29-F687-4f45-9708-019B960494DF}">
-              <a14:hiddenLine xmlns="" xmlns:a14="http://schemas.microsoft.com/office/drawing/2010/main" w="9525">
+              <a14:hiddenLine xmlns:a14="http://schemas.microsoft.com/office/drawing/2010/main" xmlns="" w="9525">
                 <a:solidFill>
                   <a:srgbClr val="000000"/>
                 </a:solidFill>
@@ -4649,14 +4649,14 @@
           </a:ln>
           <a:extLst>
             <a:ext uri="{909E8E84-426E-40dd-AFC4-6F175D3DCCD1}">
-              <a14:hiddenFill xmlns="" xmlns:a14="http://schemas.microsoft.com/office/drawing/2010/main">
+              <a14:hiddenFill xmlns:a14="http://schemas.microsoft.com/office/drawing/2010/main" xmlns="">
                 <a:solidFill>
                   <a:srgbClr val="FFFFFF"/>
                 </a:solidFill>
               </a14:hiddenFill>
             </a:ext>
             <a:ext uri="{91240B29-F687-4f45-9708-019B960494DF}">
-              <a14:hiddenLine xmlns="" xmlns:a14="http://schemas.microsoft.com/office/drawing/2010/main" w="9525">
+              <a14:hiddenLine xmlns:a14="http://schemas.microsoft.com/office/drawing/2010/main" xmlns="" w="9525">
                 <a:solidFill>
                   <a:srgbClr val="000000"/>
                 </a:solidFill>
@@ -5412,124 +5412,6 @@
       </p:sp>
       <p:sp>
         <p:nvSpPr>
-          <p:cNvPr id="10" name="Title 1">
-            <a:extLst>
-              <a:ext uri="{FF2B5EF4-FFF2-40B4-BE49-F238E27FC236}">
-                <a16:creationId xmlns:a16="http://schemas.microsoft.com/office/drawing/2014/main" id="{B442CB85-E2BD-AB4C-AECA-E0053D00A334}"/>
-              </a:ext>
-            </a:extLst>
-          </p:cNvPr>
-          <p:cNvSpPr txBox="1">
-            <a:spLocks/>
-          </p:cNvSpPr>
-          <p:nvPr/>
-        </p:nvSpPr>
-        <p:spPr>
-          <a:xfrm>
-            <a:off x="5879976" y="1219199"/>
-            <a:ext cx="6235824" cy="1161346"/>
-          </a:xfrm>
-          <a:prstGeom prst="rect">
-            <a:avLst/>
-          </a:prstGeom>
-        </p:spPr>
-        <p:txBody>
-          <a:bodyPr anchor="ctr"/>
-          <a:lstStyle>
-            <a:lvl1pPr algn="r">
-              <a:defRPr sz="3200" baseline="0">
-                <a:solidFill>
-                  <a:schemeClr val="bg1"/>
-                </a:solidFill>
-                <a:latin typeface="Adobe Jenson Pro" pitchFamily="18" charset="0"/>
-              </a:defRPr>
-            </a:lvl1pPr>
-          </a:lstStyle>
-          <a:p>
-            <a:pPr>
-              <a:defRPr/>
-            </a:pPr>
-            <a:r>
-              <a:rPr lang="en-US" sz="1800" dirty="0">
-                <a:latin typeface="Calibri"/>
-                <a:cs typeface="Calibri"/>
-              </a:rPr>
-              <a:t>Kelsy Cotto, Felicia Gomez, Obi Griffith, Malachi Griffith, </a:t>
-            </a:r>
-          </a:p>
-          <a:p>
-            <a:pPr>
-              <a:defRPr/>
-            </a:pPr>
-            <a:r>
-              <a:rPr lang="en-US" sz="1800" dirty="0">
-                <a:solidFill>
-                  <a:schemeClr val="lt1"/>
-                </a:solidFill>
-                <a:latin typeface="Calibri" panose="020F0502020204030204" pitchFamily="34" charset="0"/>
-                <a:cs typeface="Calibri" panose="020F0502020204030204" pitchFamily="34" charset="0"/>
-              </a:rPr>
-              <a:t>Allegra Petti, </a:t>
-            </a:r>
-            <a:r>
-              <a:rPr lang="en-US" sz="1800" dirty="0">
-                <a:latin typeface="Calibri"/>
-                <a:cs typeface="Calibri"/>
-              </a:rPr>
-              <a:t>Megan </a:t>
-            </a:r>
-            <a:r>
-              <a:rPr lang="en-US" sz="1800" dirty="0" err="1">
-                <a:latin typeface="Calibri"/>
-                <a:cs typeface="Calibri"/>
-              </a:rPr>
-              <a:t>Richters</a:t>
-            </a:r>
-            <a:r>
-              <a:rPr lang="en-US" sz="1800" dirty="0">
-                <a:latin typeface="Calibri"/>
-                <a:cs typeface="Calibri"/>
-              </a:rPr>
-              <a:t>, Huiming Xia</a:t>
-            </a:r>
-          </a:p>
-          <a:p>
-            <a:pPr>
-              <a:defRPr/>
-            </a:pPr>
-            <a:r>
-              <a:rPr lang="en-US" sz="1800" dirty="0">
-                <a:ln w="1270">
-                  <a:solidFill>
-                    <a:schemeClr val="tx1">
-                      <a:alpha val="38000"/>
-                    </a:schemeClr>
-                  </a:solidFill>
-                </a:ln>
-                <a:latin typeface="Calibri"/>
-                <a:cs typeface="Calibri"/>
-              </a:rPr>
-              <a:t>Advanced Sequencing Technologies &amp; Bioinformatics Analysis </a:t>
-            </a:r>
-            <a:r>
-              <a:rPr lang="en-US" sz="1600" dirty="0">
-                <a:ln w="1270">
-                  <a:solidFill>
-                    <a:schemeClr val="tx1">
-                      <a:alpha val="38000"/>
-                    </a:schemeClr>
-                  </a:solidFill>
-                </a:ln>
-                <a:latin typeface="Calibri"/>
-                <a:cs typeface="Calibri"/>
-              </a:rPr>
-              <a:t>November 16-20, 2020</a:t>
-            </a:r>
-          </a:p>
-        </p:txBody>
-      </p:sp>
-      <p:sp>
-        <p:nvSpPr>
           <p:cNvPr id="16" name="Rectangle 15">
             <a:extLst>
               <a:ext uri="{FF2B5EF4-FFF2-40B4-BE49-F238E27FC236}">
@@ -5660,14 +5542,14 @@
           </a:ln>
           <a:extLst>
             <a:ext uri="{909E8E84-426E-40dd-AFC4-6F175D3DCCD1}">
-              <a14:hiddenFill xmlns:a14="http://schemas.microsoft.com/office/drawing/2010/main" xmlns="">
+              <a14:hiddenFill xmlns="" xmlns:a14="http://schemas.microsoft.com/office/drawing/2010/main">
                 <a:solidFill>
                   <a:srgbClr val="FFFFFF"/>
                 </a:solidFill>
               </a14:hiddenFill>
             </a:ext>
             <a:ext uri="{91240B29-F687-4f45-9708-019B960494DF}">
-              <a14:hiddenLine xmlns:a14="http://schemas.microsoft.com/office/drawing/2010/main" xmlns="" w="9525">
+              <a14:hiddenLine xmlns="" xmlns:a14="http://schemas.microsoft.com/office/drawing/2010/main" w="9525">
                 <a:solidFill>
                   <a:srgbClr val="000000"/>
                 </a:solidFill>
@@ -5715,6 +5597,128 @@
           </a:prstGeom>
         </p:spPr>
       </p:pic>
+      <p:sp>
+        <p:nvSpPr>
+          <p:cNvPr id="8" name="Title 1">
+            <a:extLst>
+              <a:ext uri="{FF2B5EF4-FFF2-40B4-BE49-F238E27FC236}">
+                <a16:creationId xmlns:a16="http://schemas.microsoft.com/office/drawing/2014/main" id="{FD09D7FF-CC5D-FD4C-90B9-DB315D512093}"/>
+              </a:ext>
+            </a:extLst>
+          </p:cNvPr>
+          <p:cNvSpPr txBox="1">
+            <a:spLocks/>
+          </p:cNvSpPr>
+          <p:nvPr/>
+        </p:nvSpPr>
+        <p:spPr>
+          <a:xfrm>
+            <a:off x="3647728" y="1219199"/>
+            <a:ext cx="8468072" cy="1161346"/>
+          </a:xfrm>
+          <a:prstGeom prst="rect">
+            <a:avLst/>
+          </a:prstGeom>
+        </p:spPr>
+        <p:txBody>
+          <a:bodyPr anchor="ctr"/>
+          <a:lstStyle>
+            <a:lvl1pPr algn="r">
+              <a:defRPr sz="3200" baseline="0">
+                <a:solidFill>
+                  <a:schemeClr val="bg1"/>
+                </a:solidFill>
+                <a:latin typeface="Adobe Jenson Pro" pitchFamily="18" charset="0"/>
+              </a:defRPr>
+            </a:lvl1pPr>
+          </a:lstStyle>
+          <a:p>
+            <a:pPr>
+              <a:defRPr/>
+            </a:pPr>
+            <a:r>
+              <a:rPr lang="en-US" sz="1800" dirty="0">
+                <a:latin typeface="Calibri"/>
+                <a:cs typeface="Calibri"/>
+              </a:rPr>
+              <a:t>John Chamberlin, </a:t>
+            </a:r>
+            <a:r>
+              <a:rPr lang="en-US" sz="1800" dirty="0" err="1">
+                <a:latin typeface="Calibri"/>
+                <a:cs typeface="Calibri"/>
+              </a:rPr>
+              <a:t>Kelsy</a:t>
+            </a:r>
+            <a:r>
+              <a:rPr lang="en-US" sz="1800" dirty="0">
+                <a:latin typeface="Calibri"/>
+                <a:cs typeface="Calibri"/>
+              </a:rPr>
+              <a:t> Cotto, Felicia Gomez, Obi Griffith, Malachi Griffith, </a:t>
+            </a:r>
+          </a:p>
+          <a:p>
+            <a:pPr>
+              <a:defRPr/>
+            </a:pPr>
+            <a:r>
+              <a:rPr lang="en-US" sz="1800" dirty="0">
+                <a:latin typeface="Calibri"/>
+                <a:cs typeface="Calibri"/>
+              </a:rPr>
+              <a:t>Simone Longo, Allegra Petti, Aaron Quinlan, Megan </a:t>
+            </a:r>
+            <a:r>
+              <a:rPr lang="en-US" sz="1800" dirty="0" err="1">
+                <a:latin typeface="Calibri"/>
+                <a:cs typeface="Calibri"/>
+              </a:rPr>
+              <a:t>Richters</a:t>
+            </a:r>
+            <a:r>
+              <a:rPr lang="en-US" sz="1800" dirty="0">
+                <a:latin typeface="Calibri"/>
+                <a:cs typeface="Calibri"/>
+              </a:rPr>
+              <a:t>, Huiming Xia</a:t>
+            </a:r>
+          </a:p>
+          <a:p>
+            <a:pPr>
+              <a:defRPr/>
+            </a:pPr>
+            <a:r>
+              <a:rPr lang="en-US" sz="1800" dirty="0">
+                <a:ln w="1270">
+                  <a:solidFill>
+                    <a:schemeClr val="tx1">
+                      <a:alpha val="38000"/>
+                    </a:schemeClr>
+                  </a:solidFill>
+                </a:ln>
+                <a:latin typeface="Calibri"/>
+                <a:cs typeface="Calibri"/>
+              </a:rPr>
+              <a:t>Advanced Sequencing Technologies &amp; Bioinformatics Analysis </a:t>
+            </a:r>
+            <a:r>
+              <a:rPr lang="en-US" sz="1600" dirty="0">
+                <a:ln w="1270">
+                  <a:solidFill>
+                    <a:schemeClr val="tx1">
+                      <a:alpha val="38000"/>
+                    </a:schemeClr>
+                  </a:solidFill>
+                </a:ln>
+                <a:latin typeface="Calibri"/>
+                <a:cs typeface="Calibri"/>
+              </a:rPr>
+              <a:t>November 16-20, 2020</a:t>
+            </a:r>
+          </a:p>
+        </p:txBody>
+      </p:sp>
     </p:spTree>
     <p:extLst>
       <p:ext uri="{BB962C8B-B14F-4D97-AF65-F5344CB8AC3E}">
@@ -5995,14 +5999,14 @@
           </a:ln>
           <a:extLst>
             <a:ext uri="{909E8E84-426E-40dd-AFC4-6F175D3DCCD1}">
-              <a14:hiddenFill xmlns="" xmlns:a14="http://schemas.microsoft.com/office/drawing/2010/main">
+              <a14:hiddenFill xmlns:a14="http://schemas.microsoft.com/office/drawing/2010/main" xmlns="">
                 <a:solidFill>
                   <a:srgbClr val="FFFFFF"/>
                 </a:solidFill>
               </a14:hiddenFill>
             </a:ext>
             <a:ext uri="{91240B29-F687-4f45-9708-019B960494DF}">
-              <a14:hiddenLine xmlns="" xmlns:a14="http://schemas.microsoft.com/office/drawing/2010/main" w="9525">
+              <a14:hiddenLine xmlns:a14="http://schemas.microsoft.com/office/drawing/2010/main" xmlns="" w="9525">
                 <a:solidFill>
                   <a:srgbClr val="000000"/>
                 </a:solidFill>
@@ -6414,14 +6418,14 @@
           </a:ln>
           <a:extLst>
             <a:ext uri="{909E8E84-426E-40dd-AFC4-6F175D3DCCD1}">
-              <a14:hiddenFill xmlns="" xmlns:a14="http://schemas.microsoft.com/office/drawing/2010/main">
+              <a14:hiddenFill xmlns:a14="http://schemas.microsoft.com/office/drawing/2010/main" xmlns="">
                 <a:solidFill>
                   <a:srgbClr val="FFFFFF"/>
                 </a:solidFill>
               </a14:hiddenFill>
             </a:ext>
             <a:ext uri="{91240B29-F687-4f45-9708-019B960494DF}">
-              <a14:hiddenLine xmlns="" xmlns:a14="http://schemas.microsoft.com/office/drawing/2010/main" w="9525">
+              <a14:hiddenLine xmlns:a14="http://schemas.microsoft.com/office/drawing/2010/main" xmlns="" w="9525">
                 <a:solidFill>
                   <a:srgbClr val="000000"/>
                 </a:solidFill>
@@ -6893,14 +6897,14 @@
           </a:ln>
           <a:extLst>
             <a:ext uri="{909E8E84-426E-40dd-AFC4-6F175D3DCCD1}">
-              <a14:hiddenFill xmlns="" xmlns:a14="http://schemas.microsoft.com/office/drawing/2010/main">
+              <a14:hiddenFill xmlns:a14="http://schemas.microsoft.com/office/drawing/2010/main" xmlns="">
                 <a:solidFill>
                   <a:srgbClr val="FFFFFF"/>
                 </a:solidFill>
               </a14:hiddenFill>
             </a:ext>
             <a:ext uri="{91240B29-F687-4f45-9708-019B960494DF}">
-              <a14:hiddenLine xmlns="" xmlns:a14="http://schemas.microsoft.com/office/drawing/2010/main" w="9525">
+              <a14:hiddenLine xmlns:a14="http://schemas.microsoft.com/office/drawing/2010/main" xmlns="" w="9525">
                 <a:solidFill>
                   <a:srgbClr val="000000"/>
                 </a:solidFill>
@@ -7362,14 +7366,14 @@
           </a:ln>
           <a:extLst>
             <a:ext uri="{909E8E84-426E-40dd-AFC4-6F175D3DCCD1}">
-              <a14:hiddenFill xmlns="" xmlns:a14="http://schemas.microsoft.com/office/drawing/2010/main">
+              <a14:hiddenFill xmlns:a14="http://schemas.microsoft.com/office/drawing/2010/main" xmlns="">
                 <a:solidFill>
                   <a:srgbClr val="FFFFFF"/>
                 </a:solidFill>
               </a14:hiddenFill>
             </a:ext>
             <a:ext uri="{91240B29-F687-4f45-9708-019B960494DF}">
-              <a14:hiddenLine xmlns="" xmlns:a14="http://schemas.microsoft.com/office/drawing/2010/main" w="9525">
+              <a14:hiddenLine xmlns:a14="http://schemas.microsoft.com/office/drawing/2010/main" xmlns="" w="9525">
                 <a:solidFill>
                   <a:srgbClr val="000000"/>
                 </a:solidFill>
@@ -8805,14 +8809,14 @@
           </a:ln>
           <a:extLst>
             <a:ext uri="{909E8E84-426E-40dd-AFC4-6F175D3DCCD1}">
-              <a14:hiddenFill xmlns="" xmlns:a14="http://schemas.microsoft.com/office/drawing/2010/main">
+              <a14:hiddenFill xmlns:a14="http://schemas.microsoft.com/office/drawing/2010/main" xmlns="">
                 <a:solidFill>
                   <a:srgbClr val="FFFFFF"/>
                 </a:solidFill>
               </a14:hiddenFill>
             </a:ext>
             <a:ext uri="{91240B29-F687-4f45-9708-019B960494DF}">
-              <a14:hiddenLine xmlns="" xmlns:a14="http://schemas.microsoft.com/office/drawing/2010/main" w="9525">
+              <a14:hiddenLine xmlns:a14="http://schemas.microsoft.com/office/drawing/2010/main" xmlns="" w="9525">
                 <a:solidFill>
                   <a:srgbClr val="000000"/>
                 </a:solidFill>
@@ -8822,7 +8826,7 @@
               </a14:hiddenLine>
             </a:ext>
             <a:ext uri="{FAA26D3D-D897-4be2-8F04-BA451C77F1D7}">
-              <ma14:placeholderFlag xmlns="" xmlns:ma14="http://schemas.microsoft.com/office/mac/drawingml/2011/main" val="1"/>
+              <ma14:placeholderFlag xmlns:ma14="http://schemas.microsoft.com/office/mac/drawingml/2011/main" xmlns="" val="1"/>
             </a:ext>
           </a:extLst>
         </p:spPr>
@@ -8862,14 +8866,14 @@
           </a:ln>
           <a:extLst>
             <a:ext uri="{909E8E84-426E-40dd-AFC4-6F175D3DCCD1}">
-              <a14:hiddenFill xmlns="" xmlns:a14="http://schemas.microsoft.com/office/drawing/2010/main">
+              <a14:hiddenFill xmlns:a14="http://schemas.microsoft.com/office/drawing/2010/main" xmlns="">
                 <a:solidFill>
                   <a:srgbClr val="FFFFFF"/>
                 </a:solidFill>
               </a14:hiddenFill>
             </a:ext>
             <a:ext uri="{91240B29-F687-4f45-9708-019B960494DF}">
-              <a14:hiddenLine xmlns="" xmlns:a14="http://schemas.microsoft.com/office/drawing/2010/main" w="9525">
+              <a14:hiddenLine xmlns:a14="http://schemas.microsoft.com/office/drawing/2010/main" xmlns="" w="9525">
                 <a:solidFill>
                   <a:srgbClr val="000000"/>
                 </a:solidFill>
@@ -8879,7 +8883,7 @@
               </a14:hiddenLine>
             </a:ext>
             <a:ext uri="{FAA26D3D-D897-4be2-8F04-BA451C77F1D7}">
-              <ma14:placeholderFlag xmlns="" xmlns:ma14="http://schemas.microsoft.com/office/mac/drawingml/2011/main" val="1"/>
+              <ma14:placeholderFlag xmlns:ma14="http://schemas.microsoft.com/office/mac/drawingml/2011/main" xmlns="" val="1"/>
             </a:ext>
           </a:extLst>
         </p:spPr>
@@ -8906,14 +8910,14 @@
           </a:ln>
           <a:extLst>
             <a:ext uri="{909E8E84-426E-40dd-AFC4-6F175D3DCCD1}">
-              <a14:hiddenFill xmlns="" xmlns:a14="http://schemas.microsoft.com/office/drawing/2010/main">
+              <a14:hiddenFill xmlns:a14="http://schemas.microsoft.com/office/drawing/2010/main" xmlns="">
                 <a:solidFill>
                   <a:srgbClr val="FFFFFF"/>
                 </a:solidFill>
               </a14:hiddenFill>
             </a:ext>
             <a:ext uri="{91240B29-F687-4f45-9708-019B960494DF}">
-              <a14:hiddenLine xmlns="" xmlns:a14="http://schemas.microsoft.com/office/drawing/2010/main" w="9525">
+              <a14:hiddenLine xmlns:a14="http://schemas.microsoft.com/office/drawing/2010/main" xmlns="" w="9525">
                 <a:solidFill>
                   <a:srgbClr val="000000"/>
                 </a:solidFill>
@@ -9095,14 +9099,14 @@
           </a:ln>
           <a:extLst>
             <a:ext uri="{909E8E84-426E-40dd-AFC4-6F175D3DCCD1}">
-              <a14:hiddenFill xmlns="" xmlns:a14="http://schemas.microsoft.com/office/drawing/2010/main">
+              <a14:hiddenFill xmlns:a14="http://schemas.microsoft.com/office/drawing/2010/main" xmlns="">
                 <a:solidFill>
                   <a:srgbClr val="FFFFFF"/>
                 </a:solidFill>
               </a14:hiddenFill>
             </a:ext>
             <a:ext uri="{91240B29-F687-4f45-9708-019B960494DF}">
-              <a14:hiddenLine xmlns="" xmlns:a14="http://schemas.microsoft.com/office/drawing/2010/main" w="9525">
+              <a14:hiddenLine xmlns:a14="http://schemas.microsoft.com/office/drawing/2010/main" xmlns="" w="9525">
                 <a:solidFill>
                   <a:srgbClr val="000000"/>
                 </a:solidFill>
@@ -9284,14 +9288,14 @@
           </a:ln>
           <a:extLst>
             <a:ext uri="{909E8E84-426E-40dd-AFC4-6F175D3DCCD1}">
-              <a14:hiddenFill xmlns="" xmlns:a14="http://schemas.microsoft.com/office/drawing/2010/main">
+              <a14:hiddenFill xmlns:a14="http://schemas.microsoft.com/office/drawing/2010/main" xmlns="">
                 <a:solidFill>
                   <a:srgbClr val="FFFFFF"/>
                 </a:solidFill>
               </a14:hiddenFill>
             </a:ext>
             <a:ext uri="{91240B29-F687-4f45-9708-019B960494DF}">
-              <a14:hiddenLine xmlns="" xmlns:a14="http://schemas.microsoft.com/office/drawing/2010/main" w="9525">
+              <a14:hiddenLine xmlns:a14="http://schemas.microsoft.com/office/drawing/2010/main" xmlns="" w="9525">
                 <a:solidFill>
                   <a:srgbClr val="000000"/>
                 </a:solidFill>
@@ -9473,14 +9477,14 @@
           </a:ln>
           <a:extLst>
             <a:ext uri="{909E8E84-426E-40dd-AFC4-6F175D3DCCD1}">
-              <a14:hiddenFill xmlns="" xmlns:a14="http://schemas.microsoft.com/office/drawing/2010/main">
+              <a14:hiddenFill xmlns:a14="http://schemas.microsoft.com/office/drawing/2010/main" xmlns="">
                 <a:solidFill>
                   <a:srgbClr val="FFFFFF"/>
                 </a:solidFill>
               </a14:hiddenFill>
             </a:ext>
             <a:ext uri="{91240B29-F687-4f45-9708-019B960494DF}">
-              <a14:hiddenLine xmlns="" xmlns:a14="http://schemas.microsoft.com/office/drawing/2010/main" w="9525">
+              <a14:hiddenLine xmlns:a14="http://schemas.microsoft.com/office/drawing/2010/main" xmlns="" w="9525">
                 <a:solidFill>
                   <a:srgbClr val="000000"/>
                 </a:solidFill>
@@ -9986,14 +9990,14 @@
           </a:ln>
           <a:extLst>
             <a:ext uri="{909E8E84-426E-40dd-AFC4-6F175D3DCCD1}">
-              <a14:hiddenFill xmlns="" xmlns:a14="http://schemas.microsoft.com/office/drawing/2010/main">
+              <a14:hiddenFill xmlns:a14="http://schemas.microsoft.com/office/drawing/2010/main" xmlns="">
                 <a:solidFill>
                   <a:srgbClr val="FFFFFF"/>
                 </a:solidFill>
               </a14:hiddenFill>
             </a:ext>
             <a:ext uri="{91240B29-F687-4f45-9708-019B960494DF}">
-              <a14:hiddenLine xmlns="" xmlns:a14="http://schemas.microsoft.com/office/drawing/2010/main" w="9525">
+              <a14:hiddenLine xmlns:a14="http://schemas.microsoft.com/office/drawing/2010/main" xmlns="" w="9525">
                 <a:solidFill>
                   <a:srgbClr val="000000"/>
                 </a:solidFill>
@@ -10562,14 +10566,14 @@
           </a:ln>
           <a:extLst>
             <a:ext uri="{909E8E84-426E-40dd-AFC4-6F175D3DCCD1}">
-              <a14:hiddenFill xmlns="" xmlns:a14="http://schemas.microsoft.com/office/drawing/2010/main">
+              <a14:hiddenFill xmlns:a14="http://schemas.microsoft.com/office/drawing/2010/main" xmlns="">
                 <a:solidFill>
                   <a:srgbClr val="FFFFFF"/>
                 </a:solidFill>
               </a14:hiddenFill>
             </a:ext>
             <a:ext uri="{91240B29-F687-4f45-9708-019B960494DF}">
-              <a14:hiddenLine xmlns="" xmlns:a14="http://schemas.microsoft.com/office/drawing/2010/main" w="9525">
+              <a14:hiddenLine xmlns:a14="http://schemas.microsoft.com/office/drawing/2010/main" xmlns="" w="9525">
                 <a:solidFill>
                   <a:srgbClr val="000000"/>
                 </a:solidFill>
@@ -10807,14 +10811,14 @@
           </a:ln>
           <a:extLst>
             <a:ext uri="{909E8E84-426E-40dd-AFC4-6F175D3DCCD1}">
-              <a14:hiddenFill xmlns="" xmlns:a14="http://schemas.microsoft.com/office/drawing/2010/main">
+              <a14:hiddenFill xmlns:a14="http://schemas.microsoft.com/office/drawing/2010/main" xmlns="">
                 <a:solidFill>
                   <a:srgbClr val="FFFFFF"/>
                 </a:solidFill>
               </a14:hiddenFill>
             </a:ext>
             <a:ext uri="{91240B29-F687-4f45-9708-019B960494DF}">
-              <a14:hiddenLine xmlns="" xmlns:a14="http://schemas.microsoft.com/office/drawing/2010/main" w="9525">
+              <a14:hiddenLine xmlns:a14="http://schemas.microsoft.com/office/drawing/2010/main" xmlns="" w="9525">
                 <a:solidFill>
                   <a:srgbClr val="000000"/>
                 </a:solidFill>

--- a/assets/lectures/cshl/2020/mini/RNASeq_MiniLecture_02_01_Alignment.pptx
+++ b/assets/lectures/cshl/2020/mini/RNASeq_MiniLecture_02_01_Alignment.pptx
@@ -5,25 +5,26 @@
     <p:sldMasterId id="2147483674" r:id="rId1"/>
   </p:sldMasterIdLst>
   <p:notesMasterIdLst>
-    <p:notesMasterId r:id="rId18"/>
+    <p:notesMasterId r:id="rId19"/>
   </p:notesMasterIdLst>
   <p:sldIdLst>
     <p:sldId id="515" r:id="rId2"/>
-    <p:sldId id="532" r:id="rId3"/>
-    <p:sldId id="533" r:id="rId4"/>
-    <p:sldId id="534" r:id="rId5"/>
-    <p:sldId id="535" r:id="rId6"/>
-    <p:sldId id="536" r:id="rId7"/>
-    <p:sldId id="537" r:id="rId8"/>
-    <p:sldId id="538" r:id="rId9"/>
-    <p:sldId id="539" r:id="rId10"/>
-    <p:sldId id="540" r:id="rId11"/>
-    <p:sldId id="541" r:id="rId12"/>
-    <p:sldId id="542" r:id="rId13"/>
-    <p:sldId id="543" r:id="rId14"/>
-    <p:sldId id="544" r:id="rId15"/>
-    <p:sldId id="545" r:id="rId16"/>
-    <p:sldId id="266" r:id="rId17"/>
+    <p:sldId id="259" r:id="rId3"/>
+    <p:sldId id="532" r:id="rId4"/>
+    <p:sldId id="533" r:id="rId5"/>
+    <p:sldId id="534" r:id="rId6"/>
+    <p:sldId id="535" r:id="rId7"/>
+    <p:sldId id="536" r:id="rId8"/>
+    <p:sldId id="537" r:id="rId9"/>
+    <p:sldId id="538" r:id="rId10"/>
+    <p:sldId id="539" r:id="rId11"/>
+    <p:sldId id="540" r:id="rId12"/>
+    <p:sldId id="541" r:id="rId13"/>
+    <p:sldId id="542" r:id="rId14"/>
+    <p:sldId id="543" r:id="rId15"/>
+    <p:sldId id="544" r:id="rId16"/>
+    <p:sldId id="545" r:id="rId17"/>
+    <p:sldId id="266" r:id="rId18"/>
   </p:sldIdLst>
   <p:sldSz cx="12192000" cy="6858000"/>
   <p:notesSz cx="6858000" cy="9144000"/>
@@ -212,7 +213,7 @@
           <a:p>
             <a:fld id="{827BD9F9-8452-A342-BB1B-28ECF19E2CC5}" type="datetimeFigureOut">
               <a:rPr lang="en-US" smtClean="0"/>
-              <a:t>11/9/20</a:t>
+              <a:t>11/13/20</a:t>
             </a:fld>
             <a:endParaRPr lang="en-US"/>
           </a:p>
@@ -563,7 +564,7 @@
 </p:notes>
 </file>
 
-<file path=ppt/notesSlides/notesSlide2.xml><?xml version="1.0" encoding="utf-8"?>
+<file path=ppt/notesSlides/notesSlide10.xml><?xml version="1.0" encoding="utf-8"?>
 <p:notes xmlns:a="http://schemas.openxmlformats.org/drawingml/2006/main" xmlns:r="http://schemas.openxmlformats.org/officeDocument/2006/relationships" xmlns:p="http://schemas.openxmlformats.org/presentationml/2006/main">
   <p:cSld>
     <p:spTree>
@@ -607,41 +608,62 @@
           <a:bodyPr/>
           <a:lstStyle/>
           <a:p>
-            <a:pPr marL="0" marR="0" lvl="1" indent="0" algn="l" defTabSz="914400" rtl="0" eaLnBrk="0" fontAlgn="base" latinLnBrk="0" hangingPunct="0">
-              <a:lnSpc>
-                <a:spcPct val="100000"/>
-              </a:lnSpc>
-              <a:spcBef>
-                <a:spcPct val="30000"/>
-              </a:spcBef>
-              <a:spcAft>
-                <a:spcPct val="0"/>
-              </a:spcAft>
-              <a:buClrTx/>
-              <a:buSzTx/>
-              <a:buFontTx/>
-              <a:buNone/>
-              <a:tabLst/>
-              <a:defRPr/>
-            </a:pPr>
-            <a:r>
-              <a:rPr lang="en-US" dirty="0">
-                <a:latin typeface="Calibri" charset="0"/>
-                <a:ea typeface="ＭＳ Ｐゴシック" charset="0"/>
-              </a:rPr>
-              <a:t>HISAT's hierarchical index for the human genome contains 48,000 local FM indexes, each representing a genomic region of ~64,000 </a:t>
-            </a:r>
-            <a:r>
-              <a:rPr lang="en-US" dirty="0" err="1">
-                <a:latin typeface="Calibri" charset="0"/>
-                <a:ea typeface="ＭＳ Ｐゴシック" charset="0"/>
-              </a:rPr>
-              <a:t>bp.</a:t>
-            </a:r>
-            <a:endParaRPr lang="en-US" dirty="0">
-              <a:latin typeface="Calibri" charset="0"/>
-              <a:ea typeface="ＭＳ Ｐゴシック" charset="0"/>
-            </a:endParaRPr>
+            <a:endParaRPr lang="en-US" dirty="0"/>
+          </a:p>
+          <a:p>
+            <a:r>
+              <a:rPr lang="en-US" dirty="0"/>
+              <a:t>The third read has long anchors (50 </a:t>
+            </a:r>
+            <a:r>
+              <a:rPr lang="en-US" dirty="0" err="1"/>
+              <a:t>bp</a:t>
+            </a:r>
+            <a:r>
+              <a:rPr lang="en-US" dirty="0"/>
+              <a:t> each) in each exon. We first align the read beginning on the right, using global search as we did before. After the first 28 </a:t>
+            </a:r>
+            <a:r>
+              <a:rPr lang="en-US" dirty="0" err="1"/>
+              <a:t>bp</a:t>
+            </a:r>
+            <a:r>
+              <a:rPr lang="en-US" dirty="0"/>
+              <a:t> is uniquely mapped, we switch to the extension operation, which further aligns 22 </a:t>
+            </a:r>
+            <a:r>
+              <a:rPr lang="en-US" dirty="0" err="1"/>
+              <a:t>bp</a:t>
+            </a:r>
+            <a:r>
+              <a:rPr lang="en-US" dirty="0"/>
+              <a:t> and stops after a mismatch at the 51st base. We then choose a local FM index and perform a local search using the first 8 </a:t>
+            </a:r>
+            <a:r>
+              <a:rPr lang="en-US" dirty="0" err="1"/>
+              <a:t>bp</a:t>
+            </a:r>
+            <a:r>
+              <a:rPr lang="en-US" dirty="0"/>
+              <a:t> of the remaining part of the read. Once this 8 </a:t>
+            </a:r>
+            <a:r>
+              <a:rPr lang="en-US" dirty="0" err="1"/>
+              <a:t>bp</a:t>
+            </a:r>
+            <a:r>
+              <a:rPr lang="en-US" dirty="0"/>
+              <a:t> is found, HISAT again uses the extension operation to align the rest of the read (Supplementary Fig. 8c). Note that if the 8-bp prefix mapped to too many locations, HISAT would use a longer prefix to reduce the number of potential locations to 5 or fewer.</a:t>
+            </a:r>
+          </a:p>
+          <a:p>
+            <a:endParaRPr lang="en-US" dirty="0"/>
+          </a:p>
+          <a:p>
+            <a:r>
+              <a:rPr lang="en-US" dirty="0"/>
+              <a:t>As we can see from these examples, we can combine global search, local search and directed read extension to achieve rapid yet sensitive alignment. Note that when a read has multiple spliced alignments, HISAT prefers to report alignments that use the canonical GT and AG dinucleotides on the ends of the intron. From any remaining alignments after this filter, it reports the one with the shortest intron length. HISAT provides several parameters with which users can customize its alignment strategy, including adjustable penalties for mismatches, indels and noncanonical splice sites (Supplementary Note).</a:t>
+            </a:r>
           </a:p>
         </p:txBody>
       </p:sp>
@@ -709,7 +731,7 @@
                 <a:tabLst/>
                 <a:defRPr/>
               </a:pPr>
-              <a:t>8</a:t>
+              <a:t>14</a:t>
             </a:fld>
             <a:endParaRPr kumimoji="0" lang="en-US" sz="1200" b="0" i="0" u="none" strike="noStrike" kern="1200" cap="none" spc="0" normalizeH="0" baseline="0" noProof="0">
               <a:ln>
@@ -731,938 +753,6 @@
     </p:spTree>
     <p:extLst>
       <p:ext uri="{BB962C8B-B14F-4D97-AF65-F5344CB8AC3E}">
-        <p14:creationId xmlns:p14="http://schemas.microsoft.com/office/powerpoint/2010/main" val="3779268292"/>
-      </p:ext>
-    </p:extLst>
-  </p:cSld>
-  <p:clrMapOvr>
-    <a:masterClrMapping/>
-  </p:clrMapOvr>
-</p:notes>
-</file>
-
-<file path=ppt/notesSlides/notesSlide3.xml><?xml version="1.0" encoding="utf-8"?>
-<p:notes xmlns:a="http://schemas.openxmlformats.org/drawingml/2006/main" xmlns:r="http://schemas.openxmlformats.org/officeDocument/2006/relationships" xmlns:p="http://schemas.openxmlformats.org/presentationml/2006/main">
-  <p:cSld>
-    <p:spTree>
-      <p:nvGrpSpPr>
-        <p:cNvPr id="1" name=""/>
-        <p:cNvGrpSpPr/>
-        <p:nvPr/>
-      </p:nvGrpSpPr>
-      <p:grpSpPr>
-        <a:xfrm>
-          <a:off x="0" y="0"/>
-          <a:ext cx="0" cy="0"/>
-          <a:chOff x="0" y="0"/>
-          <a:chExt cx="0" cy="0"/>
-        </a:xfrm>
-      </p:grpSpPr>
-      <p:sp>
-        <p:nvSpPr>
-          <p:cNvPr id="2" name="Slide Image Placeholder 1"/>
-          <p:cNvSpPr>
-            <a:spLocks noGrp="1" noRot="1" noChangeAspect="1"/>
-          </p:cNvSpPr>
-          <p:nvPr>
-            <p:ph type="sldImg"/>
-          </p:nvPr>
-        </p:nvSpPr>
-        <p:spPr/>
-      </p:sp>
-      <p:sp>
-        <p:nvSpPr>
-          <p:cNvPr id="3" name="Notes Placeholder 2"/>
-          <p:cNvSpPr>
-            <a:spLocks noGrp="1"/>
-          </p:cNvSpPr>
-          <p:nvPr>
-            <p:ph type="body" idx="1"/>
-          </p:nvPr>
-        </p:nvSpPr>
-        <p:spPr/>
-        <p:txBody>
-          <a:bodyPr/>
-          <a:lstStyle/>
-          <a:p>
-            <a:pPr marL="0" marR="0" lvl="1" indent="0" algn="l" defTabSz="914400" rtl="0" eaLnBrk="0" fontAlgn="base" latinLnBrk="0" hangingPunct="0">
-              <a:lnSpc>
-                <a:spcPct val="100000"/>
-              </a:lnSpc>
-              <a:spcBef>
-                <a:spcPct val="30000"/>
-              </a:spcBef>
-              <a:spcAft>
-                <a:spcPct val="0"/>
-              </a:spcAft>
-              <a:buClrTx/>
-              <a:buSzTx/>
-              <a:buFontTx/>
-              <a:buNone/>
-              <a:tabLst/>
-              <a:defRPr/>
-            </a:pPr>
-            <a:r>
-              <a:rPr lang="en-US" dirty="0">
-                <a:latin typeface="Calibri" charset="0"/>
-                <a:ea typeface="ＭＳ Ｐゴシック" charset="0"/>
-              </a:rPr>
-              <a:t>HISAT's hierarchical index for the human genome contains 48,000 local FM indexes, each representing a genomic region of ~64,000 </a:t>
-            </a:r>
-            <a:r>
-              <a:rPr lang="en-US" dirty="0" err="1">
-                <a:latin typeface="Calibri" charset="0"/>
-                <a:ea typeface="ＭＳ Ｐゴシック" charset="0"/>
-              </a:rPr>
-              <a:t>bp.</a:t>
-            </a:r>
-            <a:endParaRPr lang="en-US" dirty="0">
-              <a:latin typeface="Calibri" charset="0"/>
-              <a:ea typeface="ＭＳ Ｐゴシック" charset="0"/>
-            </a:endParaRPr>
-          </a:p>
-        </p:txBody>
-      </p:sp>
-      <p:sp>
-        <p:nvSpPr>
-          <p:cNvPr id="4" name="Slide Number Placeholder 3"/>
-          <p:cNvSpPr>
-            <a:spLocks noGrp="1"/>
-          </p:cNvSpPr>
-          <p:nvPr>
-            <p:ph type="sldNum" sz="quarter" idx="10"/>
-          </p:nvPr>
-        </p:nvSpPr>
-        <p:spPr/>
-        <p:txBody>
-          <a:bodyPr/>
-          <a:lstStyle/>
-          <a:p>
-            <a:pPr marL="0" marR="0" lvl="0" indent="0" algn="r" defTabSz="914400" rtl="0" eaLnBrk="1" fontAlgn="auto" latinLnBrk="0" hangingPunct="1">
-              <a:lnSpc>
-                <a:spcPct val="100000"/>
-              </a:lnSpc>
-              <a:spcBef>
-                <a:spcPts val="0"/>
-              </a:spcBef>
-              <a:spcAft>
-                <a:spcPts val="0"/>
-              </a:spcAft>
-              <a:buClrTx/>
-              <a:buSzTx/>
-              <a:buFontTx/>
-              <a:buNone/>
-              <a:tabLst/>
-              <a:defRPr/>
-            </a:pPr>
-            <a:fld id="{58FBEE90-0CDA-3447-B595-4F8759630F3A}" type="slidenum">
-              <a:rPr kumimoji="0" lang="en-US" sz="1200" b="0" i="0" u="none" strike="noStrike" kern="1200" cap="none" spc="0" normalizeH="0" baseline="0" noProof="0" smtClean="0">
-                <a:ln>
-                  <a:noFill/>
-                </a:ln>
-                <a:solidFill>
-                  <a:prstClr val="black"/>
-                </a:solidFill>
-                <a:effectLst/>
-                <a:uLnTx/>
-                <a:uFillTx/>
-                <a:latin typeface="Calibri" panose="020F0502020204030204"/>
-                <a:ea typeface="+mn-ea"/>
-                <a:cs typeface="+mn-cs"/>
-              </a:rPr>
-              <a:pPr marL="0" marR="0" lvl="0" indent="0" algn="r" defTabSz="914400" rtl="0" eaLnBrk="1" fontAlgn="auto" latinLnBrk="0" hangingPunct="1">
-                <a:lnSpc>
-                  <a:spcPct val="100000"/>
-                </a:lnSpc>
-                <a:spcBef>
-                  <a:spcPts val="0"/>
-                </a:spcBef>
-                <a:spcAft>
-                  <a:spcPts val="0"/>
-                </a:spcAft>
-                <a:buClrTx/>
-                <a:buSzTx/>
-                <a:buFontTx/>
-                <a:buNone/>
-                <a:tabLst/>
-                <a:defRPr/>
-              </a:pPr>
-              <a:t>9</a:t>
-            </a:fld>
-            <a:endParaRPr kumimoji="0" lang="en-US" sz="1200" b="0" i="0" u="none" strike="noStrike" kern="1200" cap="none" spc="0" normalizeH="0" baseline="0" noProof="0">
-              <a:ln>
-                <a:noFill/>
-              </a:ln>
-              <a:solidFill>
-                <a:prstClr val="black"/>
-              </a:solidFill>
-              <a:effectLst/>
-              <a:uLnTx/>
-              <a:uFillTx/>
-              <a:latin typeface="Calibri" panose="020F0502020204030204"/>
-              <a:ea typeface="+mn-ea"/>
-              <a:cs typeface="+mn-cs"/>
-            </a:endParaRPr>
-          </a:p>
-        </p:txBody>
-      </p:sp>
-    </p:spTree>
-    <p:extLst>
-      <p:ext uri="{BB962C8B-B14F-4D97-AF65-F5344CB8AC3E}">
-        <p14:creationId xmlns:p14="http://schemas.microsoft.com/office/powerpoint/2010/main" val="2078477345"/>
-      </p:ext>
-    </p:extLst>
-  </p:cSld>
-  <p:clrMapOvr>
-    <a:masterClrMapping/>
-  </p:clrMapOvr>
-</p:notes>
-</file>
-
-<file path=ppt/notesSlides/notesSlide4.xml><?xml version="1.0" encoding="utf-8"?>
-<p:notes xmlns:a="http://schemas.openxmlformats.org/drawingml/2006/main" xmlns:r="http://schemas.openxmlformats.org/officeDocument/2006/relationships" xmlns:p="http://schemas.openxmlformats.org/presentationml/2006/main">
-  <p:cSld>
-    <p:spTree>
-      <p:nvGrpSpPr>
-        <p:cNvPr id="1" name=""/>
-        <p:cNvGrpSpPr/>
-        <p:nvPr/>
-      </p:nvGrpSpPr>
-      <p:grpSpPr>
-        <a:xfrm>
-          <a:off x="0" y="0"/>
-          <a:ext cx="0" cy="0"/>
-          <a:chOff x="0" y="0"/>
-          <a:chExt cx="0" cy="0"/>
-        </a:xfrm>
-      </p:grpSpPr>
-      <p:sp>
-        <p:nvSpPr>
-          <p:cNvPr id="2" name="Slide Image Placeholder 1"/>
-          <p:cNvSpPr>
-            <a:spLocks noGrp="1" noRot="1" noChangeAspect="1"/>
-          </p:cNvSpPr>
-          <p:nvPr>
-            <p:ph type="sldImg"/>
-          </p:nvPr>
-        </p:nvSpPr>
-        <p:spPr/>
-      </p:sp>
-      <p:sp>
-        <p:nvSpPr>
-          <p:cNvPr id="3" name="Notes Placeholder 2"/>
-          <p:cNvSpPr>
-            <a:spLocks noGrp="1"/>
-          </p:cNvSpPr>
-          <p:nvPr>
-            <p:ph type="body" idx="1"/>
-          </p:nvPr>
-        </p:nvSpPr>
-        <p:spPr/>
-        <p:txBody>
-          <a:bodyPr/>
-          <a:lstStyle/>
-          <a:p>
-            <a:r>
-              <a:rPr lang="en-US" dirty="0"/>
-              <a:t>Alignment of </a:t>
-            </a:r>
-            <a:r>
-              <a:rPr lang="en-US" dirty="0" err="1"/>
-              <a:t>exonic</a:t>
-            </a:r>
-            <a:r>
-              <a:rPr lang="en-US" dirty="0"/>
-              <a:t> reads and long- and intermediate-anchored reads.</a:t>
-            </a:r>
-          </a:p>
-          <a:p>
-            <a:r>
-              <a:rPr lang="en-US" dirty="0"/>
-              <a:t>Given two exons from a gene on human chromosome 22, separated by a 3,899-bp intron, suppose the genomic region is transcribed and spliced and we have three reads sequenced from the resulting transcript: (</a:t>
-            </a:r>
-            <a:r>
-              <a:rPr lang="en-US" dirty="0" err="1"/>
-              <a:t>i</a:t>
-            </a:r>
-            <a:r>
-              <a:rPr lang="en-US" dirty="0"/>
-              <a:t>) an </a:t>
-            </a:r>
-            <a:r>
-              <a:rPr lang="en-US" dirty="0" err="1"/>
-              <a:t>exonic</a:t>
-            </a:r>
-            <a:r>
-              <a:rPr lang="en-US" dirty="0"/>
-              <a:t> read, (ii) a read spanning two exons with an 8-bp anchor in one exon and (iii) a read spanning two exons with 50 </a:t>
-            </a:r>
-            <a:r>
-              <a:rPr lang="en-US" dirty="0" err="1"/>
-              <a:t>bp</a:t>
-            </a:r>
-            <a:r>
-              <a:rPr lang="en-US" dirty="0"/>
-              <a:t> in each exon (Supplementary Fig. 8). All the reads are assumed to be error free and 100 </a:t>
-            </a:r>
-            <a:r>
-              <a:rPr lang="en-US" dirty="0" err="1"/>
-              <a:t>bp</a:t>
-            </a:r>
-            <a:r>
-              <a:rPr lang="en-US" dirty="0"/>
-              <a:t> long. We can apply hierarchical indexing to align each of these reads rapidly and correctly. </a:t>
-            </a:r>
-          </a:p>
-        </p:txBody>
-      </p:sp>
-      <p:sp>
-        <p:nvSpPr>
-          <p:cNvPr id="4" name="Slide Number Placeholder 3"/>
-          <p:cNvSpPr>
-            <a:spLocks noGrp="1"/>
-          </p:cNvSpPr>
-          <p:nvPr>
-            <p:ph type="sldNum" sz="quarter" idx="10"/>
-          </p:nvPr>
-        </p:nvSpPr>
-        <p:spPr/>
-        <p:txBody>
-          <a:bodyPr/>
-          <a:lstStyle/>
-          <a:p>
-            <a:pPr marL="0" marR="0" lvl="0" indent="0" algn="r" defTabSz="914400" rtl="0" eaLnBrk="1" fontAlgn="auto" latinLnBrk="0" hangingPunct="1">
-              <a:lnSpc>
-                <a:spcPct val="100000"/>
-              </a:lnSpc>
-              <a:spcBef>
-                <a:spcPts val="0"/>
-              </a:spcBef>
-              <a:spcAft>
-                <a:spcPts val="0"/>
-              </a:spcAft>
-              <a:buClrTx/>
-              <a:buSzTx/>
-              <a:buFontTx/>
-              <a:buNone/>
-              <a:tabLst/>
-              <a:defRPr/>
-            </a:pPr>
-            <a:fld id="{58FBEE90-0CDA-3447-B595-4F8759630F3A}" type="slidenum">
-              <a:rPr kumimoji="0" lang="en-US" sz="1200" b="0" i="0" u="none" strike="noStrike" kern="1200" cap="none" spc="0" normalizeH="0" baseline="0" noProof="0" smtClean="0">
-                <a:ln>
-                  <a:noFill/>
-                </a:ln>
-                <a:solidFill>
-                  <a:prstClr val="black"/>
-                </a:solidFill>
-                <a:effectLst/>
-                <a:uLnTx/>
-                <a:uFillTx/>
-                <a:latin typeface="Calibri" panose="020F0502020204030204"/>
-                <a:ea typeface="+mn-ea"/>
-                <a:cs typeface="+mn-cs"/>
-              </a:rPr>
-              <a:pPr marL="0" marR="0" lvl="0" indent="0" algn="r" defTabSz="914400" rtl="0" eaLnBrk="1" fontAlgn="auto" latinLnBrk="0" hangingPunct="1">
-                <a:lnSpc>
-                  <a:spcPct val="100000"/>
-                </a:lnSpc>
-                <a:spcBef>
-                  <a:spcPts val="0"/>
-                </a:spcBef>
-                <a:spcAft>
-                  <a:spcPts val="0"/>
-                </a:spcAft>
-                <a:buClrTx/>
-                <a:buSzTx/>
-                <a:buFontTx/>
-                <a:buNone/>
-                <a:tabLst/>
-                <a:defRPr/>
-              </a:pPr>
-              <a:t>10</a:t>
-            </a:fld>
-            <a:endParaRPr kumimoji="0" lang="en-US" sz="1200" b="0" i="0" u="none" strike="noStrike" kern="1200" cap="none" spc="0" normalizeH="0" baseline="0" noProof="0">
-              <a:ln>
-                <a:noFill/>
-              </a:ln>
-              <a:solidFill>
-                <a:prstClr val="black"/>
-              </a:solidFill>
-              <a:effectLst/>
-              <a:uLnTx/>
-              <a:uFillTx/>
-              <a:latin typeface="Calibri" panose="020F0502020204030204"/>
-              <a:ea typeface="+mn-ea"/>
-              <a:cs typeface="+mn-cs"/>
-            </a:endParaRPr>
-          </a:p>
-        </p:txBody>
-      </p:sp>
-    </p:spTree>
-    <p:extLst>
-      <p:ext uri="{BB962C8B-B14F-4D97-AF65-F5344CB8AC3E}">
-        <p14:creationId xmlns:p14="http://schemas.microsoft.com/office/powerpoint/2010/main" val="3961545491"/>
-      </p:ext>
-    </p:extLst>
-  </p:cSld>
-  <p:clrMapOvr>
-    <a:masterClrMapping/>
-  </p:clrMapOvr>
-</p:notes>
-</file>
-
-<file path=ppt/notesSlides/notesSlide5.xml><?xml version="1.0" encoding="utf-8"?>
-<p:notes xmlns:a="http://schemas.openxmlformats.org/drawingml/2006/main" xmlns:r="http://schemas.openxmlformats.org/officeDocument/2006/relationships" xmlns:p="http://schemas.openxmlformats.org/presentationml/2006/main">
-  <p:cSld>
-    <p:spTree>
-      <p:nvGrpSpPr>
-        <p:cNvPr id="1" name=""/>
-        <p:cNvGrpSpPr/>
-        <p:nvPr/>
-      </p:nvGrpSpPr>
-      <p:grpSpPr>
-        <a:xfrm>
-          <a:off x="0" y="0"/>
-          <a:ext cx="0" cy="0"/>
-          <a:chOff x="0" y="0"/>
-          <a:chExt cx="0" cy="0"/>
-        </a:xfrm>
-      </p:grpSpPr>
-      <p:sp>
-        <p:nvSpPr>
-          <p:cNvPr id="2" name="Slide Image Placeholder 1"/>
-          <p:cNvSpPr>
-            <a:spLocks noGrp="1" noRot="1" noChangeAspect="1"/>
-          </p:cNvSpPr>
-          <p:nvPr>
-            <p:ph type="sldImg"/>
-          </p:nvPr>
-        </p:nvSpPr>
-        <p:spPr/>
-      </p:sp>
-      <p:sp>
-        <p:nvSpPr>
-          <p:cNvPr id="3" name="Notes Placeholder 2"/>
-          <p:cNvSpPr>
-            <a:spLocks noGrp="1"/>
-          </p:cNvSpPr>
-          <p:nvPr>
-            <p:ph type="body" idx="1"/>
-          </p:nvPr>
-        </p:nvSpPr>
-        <p:spPr/>
-        <p:txBody>
-          <a:bodyPr/>
-          <a:lstStyle/>
-          <a:p>
-            <a:r>
-              <a:rPr lang="en-US" dirty="0"/>
-              <a:t>We align the first read using the global FM-index (Supplementary Fig. 8a). Because global search is relatively time consuming, we change strategies when the partial alignment meets two conditions: (</a:t>
-            </a:r>
-            <a:r>
-              <a:rPr lang="en-US" dirty="0" err="1"/>
-              <a:t>i</a:t>
-            </a:r>
-            <a:r>
-              <a:rPr lang="en-US" dirty="0"/>
-              <a:t>) it is at least 28 </a:t>
-            </a:r>
-            <a:r>
-              <a:rPr lang="en-US" dirty="0" err="1"/>
-              <a:t>bp</a:t>
-            </a:r>
-            <a:r>
-              <a:rPr lang="en-US" dirty="0"/>
-              <a:t> long and (ii) it maps onto exactly one location. For the read shown in the figure, the 28-bp sequence on its right end maps uniquely, allowing us to stop the global search operation at that point. From there, we extend the partial alignment by directly comparing the remaining sequence and the corresponding genomic sequence, which we can extract directly from the genome using the mapped location as an index. Because the read is error free and contained within one exon, the extension operation sweeps across the remaining 72 </a:t>
-            </a:r>
-            <a:r>
-              <a:rPr lang="en-US" dirty="0" err="1"/>
-              <a:t>bp</a:t>
-            </a:r>
-            <a:r>
-              <a:rPr lang="en-US" dirty="0"/>
-              <a:t>, completing the alignment for the read. Note that we could perform this alignment using the global FM index, as TopHat2 does, but the combination of global search and local extension is faster.</a:t>
-            </a:r>
-          </a:p>
-        </p:txBody>
-      </p:sp>
-      <p:sp>
-        <p:nvSpPr>
-          <p:cNvPr id="4" name="Slide Number Placeholder 3"/>
-          <p:cNvSpPr>
-            <a:spLocks noGrp="1"/>
-          </p:cNvSpPr>
-          <p:nvPr>
-            <p:ph type="sldNum" sz="quarter" idx="10"/>
-          </p:nvPr>
-        </p:nvSpPr>
-        <p:spPr/>
-        <p:txBody>
-          <a:bodyPr/>
-          <a:lstStyle/>
-          <a:p>
-            <a:pPr marL="0" marR="0" lvl="0" indent="0" algn="r" defTabSz="914400" rtl="0" eaLnBrk="1" fontAlgn="auto" latinLnBrk="0" hangingPunct="1">
-              <a:lnSpc>
-                <a:spcPct val="100000"/>
-              </a:lnSpc>
-              <a:spcBef>
-                <a:spcPts val="0"/>
-              </a:spcBef>
-              <a:spcAft>
-                <a:spcPts val="0"/>
-              </a:spcAft>
-              <a:buClrTx/>
-              <a:buSzTx/>
-              <a:buFontTx/>
-              <a:buNone/>
-              <a:tabLst/>
-              <a:defRPr/>
-            </a:pPr>
-            <a:fld id="{58FBEE90-0CDA-3447-B595-4F8759630F3A}" type="slidenum">
-              <a:rPr kumimoji="0" lang="en-US" sz="1200" b="0" i="0" u="none" strike="noStrike" kern="1200" cap="none" spc="0" normalizeH="0" baseline="0" noProof="0" smtClean="0">
-                <a:ln>
-                  <a:noFill/>
-                </a:ln>
-                <a:solidFill>
-                  <a:prstClr val="black"/>
-                </a:solidFill>
-                <a:effectLst/>
-                <a:uLnTx/>
-                <a:uFillTx/>
-                <a:latin typeface="Calibri" panose="020F0502020204030204"/>
-                <a:ea typeface="+mn-ea"/>
-                <a:cs typeface="+mn-cs"/>
-              </a:rPr>
-              <a:pPr marL="0" marR="0" lvl="0" indent="0" algn="r" defTabSz="914400" rtl="0" eaLnBrk="1" fontAlgn="auto" latinLnBrk="0" hangingPunct="1">
-                <a:lnSpc>
-                  <a:spcPct val="100000"/>
-                </a:lnSpc>
-                <a:spcBef>
-                  <a:spcPts val="0"/>
-                </a:spcBef>
-                <a:spcAft>
-                  <a:spcPts val="0"/>
-                </a:spcAft>
-                <a:buClrTx/>
-                <a:buSzTx/>
-                <a:buFontTx/>
-                <a:buNone/>
-                <a:tabLst/>
-                <a:defRPr/>
-              </a:pPr>
-              <a:t>11</a:t>
-            </a:fld>
-            <a:endParaRPr kumimoji="0" lang="en-US" sz="1200" b="0" i="0" u="none" strike="noStrike" kern="1200" cap="none" spc="0" normalizeH="0" baseline="0" noProof="0">
-              <a:ln>
-                <a:noFill/>
-              </a:ln>
-              <a:solidFill>
-                <a:prstClr val="black"/>
-              </a:solidFill>
-              <a:effectLst/>
-              <a:uLnTx/>
-              <a:uFillTx/>
-              <a:latin typeface="Calibri" panose="020F0502020204030204"/>
-              <a:ea typeface="+mn-ea"/>
-              <a:cs typeface="+mn-cs"/>
-            </a:endParaRPr>
-          </a:p>
-        </p:txBody>
-      </p:sp>
-    </p:spTree>
-    <p:extLst>
-      <p:ext uri="{BB962C8B-B14F-4D97-AF65-F5344CB8AC3E}">
-        <p14:creationId xmlns:p14="http://schemas.microsoft.com/office/powerpoint/2010/main" val="2938301098"/>
-      </p:ext>
-    </p:extLst>
-  </p:cSld>
-  <p:clrMapOvr>
-    <a:masterClrMapping/>
-  </p:clrMapOvr>
-</p:notes>
-</file>
-
-<file path=ppt/notesSlides/notesSlide6.xml><?xml version="1.0" encoding="utf-8"?>
-<p:notes xmlns:a="http://schemas.openxmlformats.org/drawingml/2006/main" xmlns:r="http://schemas.openxmlformats.org/officeDocument/2006/relationships" xmlns:p="http://schemas.openxmlformats.org/presentationml/2006/main">
-  <p:cSld>
-    <p:spTree>
-      <p:nvGrpSpPr>
-        <p:cNvPr id="1" name=""/>
-        <p:cNvGrpSpPr/>
-        <p:nvPr/>
-      </p:nvGrpSpPr>
-      <p:grpSpPr>
-        <a:xfrm>
-          <a:off x="0" y="0"/>
-          <a:ext cx="0" cy="0"/>
-          <a:chOff x="0" y="0"/>
-          <a:chExt cx="0" cy="0"/>
-        </a:xfrm>
-      </p:grpSpPr>
-      <p:sp>
-        <p:nvSpPr>
-          <p:cNvPr id="2" name="Slide Image Placeholder 1"/>
-          <p:cNvSpPr>
-            <a:spLocks noGrp="1" noRot="1" noChangeAspect="1"/>
-          </p:cNvSpPr>
-          <p:nvPr>
-            <p:ph type="sldImg"/>
-          </p:nvPr>
-        </p:nvSpPr>
-        <p:spPr/>
-      </p:sp>
-      <p:sp>
-        <p:nvSpPr>
-          <p:cNvPr id="3" name="Notes Placeholder 2"/>
-          <p:cNvSpPr>
-            <a:spLocks noGrp="1"/>
-          </p:cNvSpPr>
-          <p:nvPr>
-            <p:ph type="body" idx="1"/>
-          </p:nvPr>
-        </p:nvSpPr>
-        <p:spPr/>
-        <p:txBody>
-          <a:bodyPr/>
-          <a:lstStyle/>
-          <a:p>
-            <a:endParaRPr lang="en-US" dirty="0"/>
-          </a:p>
-          <a:p>
-            <a:r>
-              <a:rPr lang="en-US" dirty="0"/>
-              <a:t>For the second read, which has a very short 8-bp anchor on the left side, we first try to map the read using global search, moving right to left (Supplementary Fig. 8b). The first 28 </a:t>
-            </a:r>
-            <a:r>
-              <a:rPr lang="en-US" dirty="0" err="1"/>
-              <a:t>bp</a:t>
-            </a:r>
-            <a:r>
-              <a:rPr lang="en-US" dirty="0"/>
-              <a:t> on the right end of the read maps uniquely, allowing us to anchor the alignment and halt the global search. We then extend the alignment until we encounter a mismatch at the 93rd base. This mismatch occurs when the alignment extension reaches the intron. At this point we pause the search, retrieve the local FM index that contains this location and align the remaining 8 </a:t>
-            </a:r>
-            <a:r>
-              <a:rPr lang="en-US" dirty="0" err="1"/>
-              <a:t>bp</a:t>
-            </a:r>
-            <a:r>
-              <a:rPr lang="en-US" dirty="0"/>
-              <a:t> using this index. Because the index covers only a small region, in this case we find just one match for the 8-bp segment. Finally, we check whether the two partial alignments (8 </a:t>
-            </a:r>
-            <a:r>
-              <a:rPr lang="en-US" dirty="0" err="1"/>
-              <a:t>bp</a:t>
-            </a:r>
-            <a:r>
-              <a:rPr lang="en-US" dirty="0"/>
-              <a:t> and 92 </a:t>
-            </a:r>
-            <a:r>
-              <a:rPr lang="en-US" dirty="0" err="1"/>
-              <a:t>bp</a:t>
-            </a:r>
-            <a:r>
-              <a:rPr lang="en-US" dirty="0"/>
-              <a:t>) are compatible with each other (for example, in the correct orientation) and then combine them to produce a spliced alignment of the original read.</a:t>
-            </a:r>
-          </a:p>
-          <a:p>
-            <a:endParaRPr lang="en-US" dirty="0"/>
-          </a:p>
-          <a:p>
-            <a:r>
-              <a:rPr lang="en-US" dirty="0"/>
-              <a:t>Note that if we searched for an 8-bp sequence in the global index, we would expect to find an average of ~48,000 matching locations in the human genome (and sometimes many more). Instead of examining 48,000 possible locations, we use one of the local FM indexes, which is expected to contain just one copy of a given 8-bp sequence, on average. This two-stage hierarchical indexing allows us to avoid examining tens of thousands of candidate locations for short anchors, which in turn dramatically speeds up the overall alignment algorithm.</a:t>
-            </a:r>
-          </a:p>
-        </p:txBody>
-      </p:sp>
-      <p:sp>
-        <p:nvSpPr>
-          <p:cNvPr id="4" name="Slide Number Placeholder 3"/>
-          <p:cNvSpPr>
-            <a:spLocks noGrp="1"/>
-          </p:cNvSpPr>
-          <p:nvPr>
-            <p:ph type="sldNum" sz="quarter" idx="10"/>
-          </p:nvPr>
-        </p:nvSpPr>
-        <p:spPr/>
-        <p:txBody>
-          <a:bodyPr/>
-          <a:lstStyle/>
-          <a:p>
-            <a:pPr marL="0" marR="0" lvl="0" indent="0" algn="r" defTabSz="914400" rtl="0" eaLnBrk="1" fontAlgn="auto" latinLnBrk="0" hangingPunct="1">
-              <a:lnSpc>
-                <a:spcPct val="100000"/>
-              </a:lnSpc>
-              <a:spcBef>
-                <a:spcPts val="0"/>
-              </a:spcBef>
-              <a:spcAft>
-                <a:spcPts val="0"/>
-              </a:spcAft>
-              <a:buClrTx/>
-              <a:buSzTx/>
-              <a:buFontTx/>
-              <a:buNone/>
-              <a:tabLst/>
-              <a:defRPr/>
-            </a:pPr>
-            <a:fld id="{58FBEE90-0CDA-3447-B595-4F8759630F3A}" type="slidenum">
-              <a:rPr kumimoji="0" lang="en-US" sz="1200" b="0" i="0" u="none" strike="noStrike" kern="1200" cap="none" spc="0" normalizeH="0" baseline="0" noProof="0" smtClean="0">
-                <a:ln>
-                  <a:noFill/>
-                </a:ln>
-                <a:solidFill>
-                  <a:prstClr val="black"/>
-                </a:solidFill>
-                <a:effectLst/>
-                <a:uLnTx/>
-                <a:uFillTx/>
-                <a:latin typeface="Calibri" panose="020F0502020204030204"/>
-                <a:ea typeface="+mn-ea"/>
-                <a:cs typeface="+mn-cs"/>
-              </a:rPr>
-              <a:pPr marL="0" marR="0" lvl="0" indent="0" algn="r" defTabSz="914400" rtl="0" eaLnBrk="1" fontAlgn="auto" latinLnBrk="0" hangingPunct="1">
-                <a:lnSpc>
-                  <a:spcPct val="100000"/>
-                </a:lnSpc>
-                <a:spcBef>
-                  <a:spcPts val="0"/>
-                </a:spcBef>
-                <a:spcAft>
-                  <a:spcPts val="0"/>
-                </a:spcAft>
-                <a:buClrTx/>
-                <a:buSzTx/>
-                <a:buFontTx/>
-                <a:buNone/>
-                <a:tabLst/>
-                <a:defRPr/>
-              </a:pPr>
-              <a:t>12</a:t>
-            </a:fld>
-            <a:endParaRPr kumimoji="0" lang="en-US" sz="1200" b="0" i="0" u="none" strike="noStrike" kern="1200" cap="none" spc="0" normalizeH="0" baseline="0" noProof="0">
-              <a:ln>
-                <a:noFill/>
-              </a:ln>
-              <a:solidFill>
-                <a:prstClr val="black"/>
-              </a:solidFill>
-              <a:effectLst/>
-              <a:uLnTx/>
-              <a:uFillTx/>
-              <a:latin typeface="Calibri" panose="020F0502020204030204"/>
-              <a:ea typeface="+mn-ea"/>
-              <a:cs typeface="+mn-cs"/>
-            </a:endParaRPr>
-          </a:p>
-        </p:txBody>
-      </p:sp>
-    </p:spTree>
-    <p:extLst>
-      <p:ext uri="{BB962C8B-B14F-4D97-AF65-F5344CB8AC3E}">
-        <p14:creationId xmlns:p14="http://schemas.microsoft.com/office/powerpoint/2010/main" val="1808421048"/>
-      </p:ext>
-    </p:extLst>
-  </p:cSld>
-  <p:clrMapOvr>
-    <a:masterClrMapping/>
-  </p:clrMapOvr>
-</p:notes>
-</file>
-
-<file path=ppt/notesSlides/notesSlide7.xml><?xml version="1.0" encoding="utf-8"?>
-<p:notes xmlns:a="http://schemas.openxmlformats.org/drawingml/2006/main" xmlns:r="http://schemas.openxmlformats.org/officeDocument/2006/relationships" xmlns:p="http://schemas.openxmlformats.org/presentationml/2006/main">
-  <p:cSld>
-    <p:spTree>
-      <p:nvGrpSpPr>
-        <p:cNvPr id="1" name=""/>
-        <p:cNvGrpSpPr/>
-        <p:nvPr/>
-      </p:nvGrpSpPr>
-      <p:grpSpPr>
-        <a:xfrm>
-          <a:off x="0" y="0"/>
-          <a:ext cx="0" cy="0"/>
-          <a:chOff x="0" y="0"/>
-          <a:chExt cx="0" cy="0"/>
-        </a:xfrm>
-      </p:grpSpPr>
-      <p:sp>
-        <p:nvSpPr>
-          <p:cNvPr id="2" name="Slide Image Placeholder 1"/>
-          <p:cNvSpPr>
-            <a:spLocks noGrp="1" noRot="1" noChangeAspect="1"/>
-          </p:cNvSpPr>
-          <p:nvPr>
-            <p:ph type="sldImg"/>
-          </p:nvPr>
-        </p:nvSpPr>
-        <p:spPr/>
-      </p:sp>
-      <p:sp>
-        <p:nvSpPr>
-          <p:cNvPr id="3" name="Notes Placeholder 2"/>
-          <p:cNvSpPr>
-            <a:spLocks noGrp="1"/>
-          </p:cNvSpPr>
-          <p:nvPr>
-            <p:ph type="body" idx="1"/>
-          </p:nvPr>
-        </p:nvSpPr>
-        <p:spPr/>
-        <p:txBody>
-          <a:bodyPr/>
-          <a:lstStyle/>
-          <a:p>
-            <a:endParaRPr lang="en-US" dirty="0"/>
-          </a:p>
-          <a:p>
-            <a:r>
-              <a:rPr lang="en-US" dirty="0"/>
-              <a:t>The third read has long anchors (50 </a:t>
-            </a:r>
-            <a:r>
-              <a:rPr lang="en-US" dirty="0" err="1"/>
-              <a:t>bp</a:t>
-            </a:r>
-            <a:r>
-              <a:rPr lang="en-US" dirty="0"/>
-              <a:t> each) in each exon. We first align the read beginning on the right, using global search as we did before. After the first 28 </a:t>
-            </a:r>
-            <a:r>
-              <a:rPr lang="en-US" dirty="0" err="1"/>
-              <a:t>bp</a:t>
-            </a:r>
-            <a:r>
-              <a:rPr lang="en-US" dirty="0"/>
-              <a:t> is uniquely mapped, we switch to the extension operation, which further aligns 22 </a:t>
-            </a:r>
-            <a:r>
-              <a:rPr lang="en-US" dirty="0" err="1"/>
-              <a:t>bp</a:t>
-            </a:r>
-            <a:r>
-              <a:rPr lang="en-US" dirty="0"/>
-              <a:t> and stops after a mismatch at the 51st base. We then choose a local FM index and perform a local search using the first 8 </a:t>
-            </a:r>
-            <a:r>
-              <a:rPr lang="en-US" dirty="0" err="1"/>
-              <a:t>bp</a:t>
-            </a:r>
-            <a:r>
-              <a:rPr lang="en-US" dirty="0"/>
-              <a:t> of the remaining part of the read. Once this 8 </a:t>
-            </a:r>
-            <a:r>
-              <a:rPr lang="en-US" dirty="0" err="1"/>
-              <a:t>bp</a:t>
-            </a:r>
-            <a:r>
-              <a:rPr lang="en-US" dirty="0"/>
-              <a:t> is found, HISAT again uses the extension operation to align the rest of the read (Supplementary Fig. 8c). Note that if the 8-bp prefix mapped to too many locations, HISAT would use a longer prefix to reduce the number of potential locations to 5 or fewer.</a:t>
-            </a:r>
-          </a:p>
-          <a:p>
-            <a:endParaRPr lang="en-US" dirty="0"/>
-          </a:p>
-          <a:p>
-            <a:r>
-              <a:rPr lang="en-US" dirty="0"/>
-              <a:t>As we can see from these examples, we can combine global search, local search and directed read extension to achieve rapid yet sensitive alignment. Note that when a read has multiple spliced alignments, HISAT prefers to report alignments that use the canonical GT and AG dinucleotides on the ends of the intron. From any remaining alignments after this filter, it reports the one with the shortest intron length. HISAT provides several parameters with which users can customize its alignment strategy, including adjustable penalties for mismatches, indels and noncanonical splice sites (Supplementary Note).</a:t>
-            </a:r>
-          </a:p>
-        </p:txBody>
-      </p:sp>
-      <p:sp>
-        <p:nvSpPr>
-          <p:cNvPr id="4" name="Slide Number Placeholder 3"/>
-          <p:cNvSpPr>
-            <a:spLocks noGrp="1"/>
-          </p:cNvSpPr>
-          <p:nvPr>
-            <p:ph type="sldNum" sz="quarter" idx="10"/>
-          </p:nvPr>
-        </p:nvSpPr>
-        <p:spPr/>
-        <p:txBody>
-          <a:bodyPr/>
-          <a:lstStyle/>
-          <a:p>
-            <a:pPr marL="0" marR="0" lvl="0" indent="0" algn="r" defTabSz="914400" rtl="0" eaLnBrk="1" fontAlgn="auto" latinLnBrk="0" hangingPunct="1">
-              <a:lnSpc>
-                <a:spcPct val="100000"/>
-              </a:lnSpc>
-              <a:spcBef>
-                <a:spcPts val="0"/>
-              </a:spcBef>
-              <a:spcAft>
-                <a:spcPts val="0"/>
-              </a:spcAft>
-              <a:buClrTx/>
-              <a:buSzTx/>
-              <a:buFontTx/>
-              <a:buNone/>
-              <a:tabLst/>
-              <a:defRPr/>
-            </a:pPr>
-            <a:fld id="{58FBEE90-0CDA-3447-B595-4F8759630F3A}" type="slidenum">
-              <a:rPr kumimoji="0" lang="en-US" sz="1200" b="0" i="0" u="none" strike="noStrike" kern="1200" cap="none" spc="0" normalizeH="0" baseline="0" noProof="0" smtClean="0">
-                <a:ln>
-                  <a:noFill/>
-                </a:ln>
-                <a:solidFill>
-                  <a:prstClr val="black"/>
-                </a:solidFill>
-                <a:effectLst/>
-                <a:uLnTx/>
-                <a:uFillTx/>
-                <a:latin typeface="Calibri" panose="020F0502020204030204"/>
-                <a:ea typeface="+mn-ea"/>
-                <a:cs typeface="+mn-cs"/>
-              </a:rPr>
-              <a:pPr marL="0" marR="0" lvl="0" indent="0" algn="r" defTabSz="914400" rtl="0" eaLnBrk="1" fontAlgn="auto" latinLnBrk="0" hangingPunct="1">
-                <a:lnSpc>
-                  <a:spcPct val="100000"/>
-                </a:lnSpc>
-                <a:spcBef>
-                  <a:spcPts val="0"/>
-                </a:spcBef>
-                <a:spcAft>
-                  <a:spcPts val="0"/>
-                </a:spcAft>
-                <a:buClrTx/>
-                <a:buSzTx/>
-                <a:buFontTx/>
-                <a:buNone/>
-                <a:tabLst/>
-                <a:defRPr/>
-              </a:pPr>
-              <a:t>13</a:t>
-            </a:fld>
-            <a:endParaRPr kumimoji="0" lang="en-US" sz="1200" b="0" i="0" u="none" strike="noStrike" kern="1200" cap="none" spc="0" normalizeH="0" baseline="0" noProof="0">
-              <a:ln>
-                <a:noFill/>
-              </a:ln>
-              <a:solidFill>
-                <a:prstClr val="black"/>
-              </a:solidFill>
-              <a:effectLst/>
-              <a:uLnTx/>
-              <a:uFillTx/>
-              <a:latin typeface="Calibri" panose="020F0502020204030204"/>
-              <a:ea typeface="+mn-ea"/>
-              <a:cs typeface="+mn-cs"/>
-            </a:endParaRPr>
-          </a:p>
-        </p:txBody>
-      </p:sp>
-    </p:spTree>
-    <p:extLst>
-      <p:ext uri="{BB962C8B-B14F-4D97-AF65-F5344CB8AC3E}">
         <p14:creationId xmlns:p14="http://schemas.microsoft.com/office/powerpoint/2010/main" val="1468701273"/>
       </p:ext>
     </p:extLst>
@@ -1673,7 +763,7 @@
 </p:notes>
 </file>
 
-<file path=ppt/notesSlides/notesSlide8.xml><?xml version="1.0" encoding="utf-8"?>
+<file path=ppt/notesSlides/notesSlide11.xml><?xml version="1.0" encoding="utf-8"?>
 <p:notes xmlns:a="http://schemas.openxmlformats.org/drawingml/2006/main" xmlns:r="http://schemas.openxmlformats.org/officeDocument/2006/relationships" xmlns:p="http://schemas.openxmlformats.org/presentationml/2006/main" showMasterSp="0" showMasterPhAnim="0">
   <p:cSld>
     <p:spTree>
@@ -1823,7 +913,7 @@
             </a:pPr>
             <a:fld id="{00000000-1234-1234-1234-123412341234}" type="slidenum">
               <a:rPr lang="en-US"/>
-              <a:t>16</a:t>
+              <a:t>17</a:t>
             </a:fld>
             <a:endParaRPr/>
           </a:p>
@@ -1833,6 +923,1194 @@
     <p:extLst>
       <p:ext uri="{BB962C8B-B14F-4D97-AF65-F5344CB8AC3E}">
         <p14:creationId xmlns:p14="http://schemas.microsoft.com/office/powerpoint/2010/main" val="3868708192"/>
+      </p:ext>
+    </p:extLst>
+  </p:cSld>
+  <p:clrMapOvr>
+    <a:masterClrMapping/>
+  </p:clrMapOvr>
+</p:notes>
+</file>
+
+<file path=ppt/notesSlides/notesSlide2.xml><?xml version="1.0" encoding="utf-8"?>
+<p:notes xmlns:a="http://schemas.openxmlformats.org/drawingml/2006/main" xmlns:r="http://schemas.openxmlformats.org/officeDocument/2006/relationships" xmlns:p="http://schemas.openxmlformats.org/presentationml/2006/main" showMasterSp="0" showMasterPhAnim="0">
+  <p:cSld>
+    <p:spTree>
+      <p:nvGrpSpPr>
+        <p:cNvPr id="1" name="Shape 201"/>
+        <p:cNvGrpSpPr/>
+        <p:nvPr/>
+      </p:nvGrpSpPr>
+      <p:grpSpPr>
+        <a:xfrm>
+          <a:off x="0" y="0"/>
+          <a:ext cx="0" cy="0"/>
+          <a:chOff x="0" y="0"/>
+          <a:chExt cx="0" cy="0"/>
+        </a:xfrm>
+      </p:grpSpPr>
+      <p:sp>
+        <p:nvSpPr>
+          <p:cNvPr id="202" name="Google Shape;202;g1c3ffec17e_0_51:notes"/>
+          <p:cNvSpPr>
+            <a:spLocks noGrp="1" noRot="1" noChangeAspect="1"/>
+          </p:cNvSpPr>
+          <p:nvPr>
+            <p:ph type="sldImg" idx="2"/>
+          </p:nvPr>
+        </p:nvSpPr>
+        <p:spPr>
+          <a:xfrm>
+            <a:off x="381000" y="685800"/>
+            <a:ext cx="6096000" cy="3429000"/>
+          </a:xfrm>
+          <a:custGeom>
+            <a:avLst/>
+            <a:gdLst/>
+            <a:ahLst/>
+            <a:cxnLst/>
+            <a:rect l="l" t="t" r="r" b="b"/>
+            <a:pathLst>
+              <a:path w="120000" h="120000" extrusionOk="0">
+                <a:moveTo>
+                  <a:pt x="0" y="0"/>
+                </a:moveTo>
+                <a:lnTo>
+                  <a:pt x="120000" y="0"/>
+                </a:lnTo>
+                <a:lnTo>
+                  <a:pt x="120000" y="120000"/>
+                </a:lnTo>
+                <a:lnTo>
+                  <a:pt x="0" y="120000"/>
+                </a:lnTo>
+                <a:close/>
+              </a:path>
+            </a:pathLst>
+          </a:custGeom>
+        </p:spPr>
+      </p:sp>
+      <p:sp>
+        <p:nvSpPr>
+          <p:cNvPr id="203" name="Google Shape;203;g1c3ffec17e_0_51:notes"/>
+          <p:cNvSpPr txBox="1">
+            <a:spLocks noGrp="1"/>
+          </p:cNvSpPr>
+          <p:nvPr>
+            <p:ph type="body" idx="1"/>
+          </p:nvPr>
+        </p:nvSpPr>
+        <p:spPr>
+          <a:xfrm>
+            <a:off x="685800" y="4343400"/>
+            <a:ext cx="5486400" cy="4114800"/>
+          </a:xfrm>
+          <a:prstGeom prst="rect">
+            <a:avLst/>
+          </a:prstGeom>
+        </p:spPr>
+        <p:txBody>
+          <a:bodyPr spcFirstLastPara="1" wrap="square" lIns="91425" tIns="91425" rIns="91425" bIns="91425" anchor="t" anchorCtr="0">
+            <a:noAutofit/>
+          </a:bodyPr>
+          <a:lstStyle/>
+          <a:p>
+            <a:pPr marL="0" lvl="0" indent="0" algn="l" rtl="0">
+              <a:spcBef>
+                <a:spcPts val="0"/>
+              </a:spcBef>
+              <a:spcAft>
+                <a:spcPts val="0"/>
+              </a:spcAft>
+              <a:buNone/>
+            </a:pPr>
+            <a:endParaRPr dirty="0"/>
+          </a:p>
+        </p:txBody>
+      </p:sp>
+    </p:spTree>
+    <p:extLst>
+      <p:ext uri="{BB962C8B-B14F-4D97-AF65-F5344CB8AC3E}">
+        <p14:creationId xmlns:p14="http://schemas.microsoft.com/office/powerpoint/2010/main" val="3317337852"/>
+      </p:ext>
+    </p:extLst>
+  </p:cSld>
+  <p:clrMapOvr>
+    <a:masterClrMapping/>
+  </p:clrMapOvr>
+</p:notes>
+</file>
+
+<file path=ppt/notesSlides/notesSlide3.xml><?xml version="1.0" encoding="utf-8"?>
+<p:notes xmlns:a="http://schemas.openxmlformats.org/drawingml/2006/main" xmlns:r="http://schemas.openxmlformats.org/officeDocument/2006/relationships" xmlns:p="http://schemas.openxmlformats.org/presentationml/2006/main">
+  <p:cSld>
+    <p:spTree>
+      <p:nvGrpSpPr>
+        <p:cNvPr id="1" name=""/>
+        <p:cNvGrpSpPr/>
+        <p:nvPr/>
+      </p:nvGrpSpPr>
+      <p:grpSpPr>
+        <a:xfrm>
+          <a:off x="0" y="0"/>
+          <a:ext cx="0" cy="0"/>
+          <a:chOff x="0" y="0"/>
+          <a:chExt cx="0" cy="0"/>
+        </a:xfrm>
+      </p:grpSpPr>
+      <p:sp>
+        <p:nvSpPr>
+          <p:cNvPr id="2" name="Slide Image Placeholder 1"/>
+          <p:cNvSpPr>
+            <a:spLocks noGrp="1" noRot="1" noChangeAspect="1"/>
+          </p:cNvSpPr>
+          <p:nvPr>
+            <p:ph type="sldImg"/>
+          </p:nvPr>
+        </p:nvSpPr>
+        <p:spPr/>
+      </p:sp>
+      <p:sp>
+        <p:nvSpPr>
+          <p:cNvPr id="3" name="Notes Placeholder 2"/>
+          <p:cNvSpPr>
+            <a:spLocks noGrp="1"/>
+          </p:cNvSpPr>
+          <p:nvPr>
+            <p:ph type="body" idx="1"/>
+          </p:nvPr>
+        </p:nvSpPr>
+        <p:spPr/>
+        <p:txBody>
+          <a:bodyPr/>
+          <a:lstStyle/>
+          <a:p>
+            <a:endParaRPr lang="en-US" dirty="0"/>
+          </a:p>
+        </p:txBody>
+      </p:sp>
+      <p:sp>
+        <p:nvSpPr>
+          <p:cNvPr id="4" name="Slide Number Placeholder 3"/>
+          <p:cNvSpPr>
+            <a:spLocks noGrp="1"/>
+          </p:cNvSpPr>
+          <p:nvPr>
+            <p:ph type="sldNum" sz="quarter" idx="5"/>
+          </p:nvPr>
+        </p:nvSpPr>
+        <p:spPr/>
+        <p:txBody>
+          <a:bodyPr/>
+          <a:lstStyle/>
+          <a:p>
+            <a:fld id="{91C65747-E6F5-D94A-981D-658B04DED679}" type="slidenum">
+              <a:rPr lang="en-US" smtClean="0"/>
+              <a:t>6</a:t>
+            </a:fld>
+            <a:endParaRPr lang="en-US"/>
+          </a:p>
+        </p:txBody>
+      </p:sp>
+    </p:spTree>
+    <p:extLst>
+      <p:ext uri="{BB962C8B-B14F-4D97-AF65-F5344CB8AC3E}">
+        <p14:creationId xmlns:p14="http://schemas.microsoft.com/office/powerpoint/2010/main" val="2548812970"/>
+      </p:ext>
+    </p:extLst>
+  </p:cSld>
+  <p:clrMapOvr>
+    <a:masterClrMapping/>
+  </p:clrMapOvr>
+</p:notes>
+</file>
+
+<file path=ppt/notesSlides/notesSlide4.xml><?xml version="1.0" encoding="utf-8"?>
+<p:notes xmlns:a="http://schemas.openxmlformats.org/drawingml/2006/main" xmlns:r="http://schemas.openxmlformats.org/officeDocument/2006/relationships" xmlns:p="http://schemas.openxmlformats.org/presentationml/2006/main">
+  <p:cSld>
+    <p:spTree>
+      <p:nvGrpSpPr>
+        <p:cNvPr id="1" name=""/>
+        <p:cNvGrpSpPr/>
+        <p:nvPr/>
+      </p:nvGrpSpPr>
+      <p:grpSpPr>
+        <a:xfrm>
+          <a:off x="0" y="0"/>
+          <a:ext cx="0" cy="0"/>
+          <a:chOff x="0" y="0"/>
+          <a:chExt cx="0" cy="0"/>
+        </a:xfrm>
+      </p:grpSpPr>
+      <p:sp>
+        <p:nvSpPr>
+          <p:cNvPr id="2" name="Slide Image Placeholder 1"/>
+          <p:cNvSpPr>
+            <a:spLocks noGrp="1" noRot="1" noChangeAspect="1"/>
+          </p:cNvSpPr>
+          <p:nvPr>
+            <p:ph type="sldImg"/>
+          </p:nvPr>
+        </p:nvSpPr>
+        <p:spPr/>
+      </p:sp>
+      <p:sp>
+        <p:nvSpPr>
+          <p:cNvPr id="3" name="Notes Placeholder 2"/>
+          <p:cNvSpPr>
+            <a:spLocks noGrp="1"/>
+          </p:cNvSpPr>
+          <p:nvPr>
+            <p:ph type="body" idx="1"/>
+          </p:nvPr>
+        </p:nvSpPr>
+        <p:spPr/>
+        <p:txBody>
+          <a:bodyPr/>
+          <a:lstStyle/>
+          <a:p>
+            <a:endParaRPr lang="en-US" dirty="0"/>
+          </a:p>
+        </p:txBody>
+      </p:sp>
+      <p:sp>
+        <p:nvSpPr>
+          <p:cNvPr id="4" name="Slide Number Placeholder 3"/>
+          <p:cNvSpPr>
+            <a:spLocks noGrp="1"/>
+          </p:cNvSpPr>
+          <p:nvPr>
+            <p:ph type="sldNum" sz="quarter" idx="5"/>
+          </p:nvPr>
+        </p:nvSpPr>
+        <p:spPr/>
+        <p:txBody>
+          <a:bodyPr/>
+          <a:lstStyle/>
+          <a:p>
+            <a:fld id="{91C65747-E6F5-D94A-981D-658B04DED679}" type="slidenum">
+              <a:rPr lang="en-US" smtClean="0"/>
+              <a:t>7</a:t>
+            </a:fld>
+            <a:endParaRPr lang="en-US"/>
+          </a:p>
+        </p:txBody>
+      </p:sp>
+    </p:spTree>
+    <p:extLst>
+      <p:ext uri="{BB962C8B-B14F-4D97-AF65-F5344CB8AC3E}">
+        <p14:creationId xmlns:p14="http://schemas.microsoft.com/office/powerpoint/2010/main" val="1993985161"/>
+      </p:ext>
+    </p:extLst>
+  </p:cSld>
+  <p:clrMapOvr>
+    <a:masterClrMapping/>
+  </p:clrMapOvr>
+</p:notes>
+</file>
+
+<file path=ppt/notesSlides/notesSlide5.xml><?xml version="1.0" encoding="utf-8"?>
+<p:notes xmlns:a="http://schemas.openxmlformats.org/drawingml/2006/main" xmlns:r="http://schemas.openxmlformats.org/officeDocument/2006/relationships" xmlns:p="http://schemas.openxmlformats.org/presentationml/2006/main">
+  <p:cSld>
+    <p:spTree>
+      <p:nvGrpSpPr>
+        <p:cNvPr id="1" name=""/>
+        <p:cNvGrpSpPr/>
+        <p:nvPr/>
+      </p:nvGrpSpPr>
+      <p:grpSpPr>
+        <a:xfrm>
+          <a:off x="0" y="0"/>
+          <a:ext cx="0" cy="0"/>
+          <a:chOff x="0" y="0"/>
+          <a:chExt cx="0" cy="0"/>
+        </a:xfrm>
+      </p:grpSpPr>
+      <p:sp>
+        <p:nvSpPr>
+          <p:cNvPr id="2" name="Slide Image Placeholder 1"/>
+          <p:cNvSpPr>
+            <a:spLocks noGrp="1" noRot="1" noChangeAspect="1"/>
+          </p:cNvSpPr>
+          <p:nvPr>
+            <p:ph type="sldImg"/>
+          </p:nvPr>
+        </p:nvSpPr>
+        <p:spPr/>
+      </p:sp>
+      <p:sp>
+        <p:nvSpPr>
+          <p:cNvPr id="3" name="Notes Placeholder 2"/>
+          <p:cNvSpPr>
+            <a:spLocks noGrp="1"/>
+          </p:cNvSpPr>
+          <p:nvPr>
+            <p:ph type="body" idx="1"/>
+          </p:nvPr>
+        </p:nvSpPr>
+        <p:spPr/>
+        <p:txBody>
+          <a:bodyPr/>
+          <a:lstStyle/>
+          <a:p>
+            <a:pPr marL="0" marR="0" lvl="1" indent="0" algn="l" defTabSz="914400" rtl="0" eaLnBrk="0" fontAlgn="base" latinLnBrk="0" hangingPunct="0">
+              <a:lnSpc>
+                <a:spcPct val="100000"/>
+              </a:lnSpc>
+              <a:spcBef>
+                <a:spcPct val="30000"/>
+              </a:spcBef>
+              <a:spcAft>
+                <a:spcPct val="0"/>
+              </a:spcAft>
+              <a:buClrTx/>
+              <a:buSzTx/>
+              <a:buFontTx/>
+              <a:buNone/>
+              <a:tabLst/>
+              <a:defRPr/>
+            </a:pPr>
+            <a:r>
+              <a:rPr lang="en-US" dirty="0">
+                <a:latin typeface="Calibri" charset="0"/>
+                <a:ea typeface="ＭＳ Ｐゴシック" charset="0"/>
+              </a:rPr>
+              <a:t>HISAT's hierarchical index for the human genome contains 48,000 local FM indexes, each representing a genomic region of ~64,000 </a:t>
+            </a:r>
+            <a:r>
+              <a:rPr lang="en-US" dirty="0" err="1">
+                <a:latin typeface="Calibri" charset="0"/>
+                <a:ea typeface="ＭＳ Ｐゴシック" charset="0"/>
+              </a:rPr>
+              <a:t>bp.</a:t>
+            </a:r>
+            <a:endParaRPr lang="en-US" dirty="0">
+              <a:latin typeface="Calibri" charset="0"/>
+              <a:ea typeface="ＭＳ Ｐゴシック" charset="0"/>
+            </a:endParaRPr>
+          </a:p>
+        </p:txBody>
+      </p:sp>
+      <p:sp>
+        <p:nvSpPr>
+          <p:cNvPr id="4" name="Slide Number Placeholder 3"/>
+          <p:cNvSpPr>
+            <a:spLocks noGrp="1"/>
+          </p:cNvSpPr>
+          <p:nvPr>
+            <p:ph type="sldNum" sz="quarter" idx="10"/>
+          </p:nvPr>
+        </p:nvSpPr>
+        <p:spPr/>
+        <p:txBody>
+          <a:bodyPr/>
+          <a:lstStyle/>
+          <a:p>
+            <a:pPr marL="0" marR="0" lvl="0" indent="0" algn="r" defTabSz="914400" rtl="0" eaLnBrk="1" fontAlgn="auto" latinLnBrk="0" hangingPunct="1">
+              <a:lnSpc>
+                <a:spcPct val="100000"/>
+              </a:lnSpc>
+              <a:spcBef>
+                <a:spcPts val="0"/>
+              </a:spcBef>
+              <a:spcAft>
+                <a:spcPts val="0"/>
+              </a:spcAft>
+              <a:buClrTx/>
+              <a:buSzTx/>
+              <a:buFontTx/>
+              <a:buNone/>
+              <a:tabLst/>
+              <a:defRPr/>
+            </a:pPr>
+            <a:fld id="{58FBEE90-0CDA-3447-B595-4F8759630F3A}" type="slidenum">
+              <a:rPr kumimoji="0" lang="en-US" sz="1200" b="0" i="0" u="none" strike="noStrike" kern="1200" cap="none" spc="0" normalizeH="0" baseline="0" noProof="0" smtClean="0">
+                <a:ln>
+                  <a:noFill/>
+                </a:ln>
+                <a:solidFill>
+                  <a:prstClr val="black"/>
+                </a:solidFill>
+                <a:effectLst/>
+                <a:uLnTx/>
+                <a:uFillTx/>
+                <a:latin typeface="Calibri" panose="020F0502020204030204"/>
+                <a:ea typeface="+mn-ea"/>
+                <a:cs typeface="+mn-cs"/>
+              </a:rPr>
+              <a:pPr marL="0" marR="0" lvl="0" indent="0" algn="r" defTabSz="914400" rtl="0" eaLnBrk="1" fontAlgn="auto" latinLnBrk="0" hangingPunct="1">
+                <a:lnSpc>
+                  <a:spcPct val="100000"/>
+                </a:lnSpc>
+                <a:spcBef>
+                  <a:spcPts val="0"/>
+                </a:spcBef>
+                <a:spcAft>
+                  <a:spcPts val="0"/>
+                </a:spcAft>
+                <a:buClrTx/>
+                <a:buSzTx/>
+                <a:buFontTx/>
+                <a:buNone/>
+                <a:tabLst/>
+                <a:defRPr/>
+              </a:pPr>
+              <a:t>9</a:t>
+            </a:fld>
+            <a:endParaRPr kumimoji="0" lang="en-US" sz="1200" b="0" i="0" u="none" strike="noStrike" kern="1200" cap="none" spc="0" normalizeH="0" baseline="0" noProof="0">
+              <a:ln>
+                <a:noFill/>
+              </a:ln>
+              <a:solidFill>
+                <a:prstClr val="black"/>
+              </a:solidFill>
+              <a:effectLst/>
+              <a:uLnTx/>
+              <a:uFillTx/>
+              <a:latin typeface="Calibri" panose="020F0502020204030204"/>
+              <a:ea typeface="+mn-ea"/>
+              <a:cs typeface="+mn-cs"/>
+            </a:endParaRPr>
+          </a:p>
+        </p:txBody>
+      </p:sp>
+    </p:spTree>
+    <p:extLst>
+      <p:ext uri="{BB962C8B-B14F-4D97-AF65-F5344CB8AC3E}">
+        <p14:creationId xmlns:p14="http://schemas.microsoft.com/office/powerpoint/2010/main" val="3779268292"/>
+      </p:ext>
+    </p:extLst>
+  </p:cSld>
+  <p:clrMapOvr>
+    <a:masterClrMapping/>
+  </p:clrMapOvr>
+</p:notes>
+</file>
+
+<file path=ppt/notesSlides/notesSlide6.xml><?xml version="1.0" encoding="utf-8"?>
+<p:notes xmlns:a="http://schemas.openxmlformats.org/drawingml/2006/main" xmlns:r="http://schemas.openxmlformats.org/officeDocument/2006/relationships" xmlns:p="http://schemas.openxmlformats.org/presentationml/2006/main">
+  <p:cSld>
+    <p:spTree>
+      <p:nvGrpSpPr>
+        <p:cNvPr id="1" name=""/>
+        <p:cNvGrpSpPr/>
+        <p:nvPr/>
+      </p:nvGrpSpPr>
+      <p:grpSpPr>
+        <a:xfrm>
+          <a:off x="0" y="0"/>
+          <a:ext cx="0" cy="0"/>
+          <a:chOff x="0" y="0"/>
+          <a:chExt cx="0" cy="0"/>
+        </a:xfrm>
+      </p:grpSpPr>
+      <p:sp>
+        <p:nvSpPr>
+          <p:cNvPr id="2" name="Slide Image Placeholder 1"/>
+          <p:cNvSpPr>
+            <a:spLocks noGrp="1" noRot="1" noChangeAspect="1"/>
+          </p:cNvSpPr>
+          <p:nvPr>
+            <p:ph type="sldImg"/>
+          </p:nvPr>
+        </p:nvSpPr>
+        <p:spPr/>
+      </p:sp>
+      <p:sp>
+        <p:nvSpPr>
+          <p:cNvPr id="3" name="Notes Placeholder 2"/>
+          <p:cNvSpPr>
+            <a:spLocks noGrp="1"/>
+          </p:cNvSpPr>
+          <p:nvPr>
+            <p:ph type="body" idx="1"/>
+          </p:nvPr>
+        </p:nvSpPr>
+        <p:spPr/>
+        <p:txBody>
+          <a:bodyPr/>
+          <a:lstStyle/>
+          <a:p>
+            <a:pPr marL="0" marR="0" lvl="1" indent="0" algn="l" defTabSz="914400" rtl="0" eaLnBrk="0" fontAlgn="base" latinLnBrk="0" hangingPunct="0">
+              <a:lnSpc>
+                <a:spcPct val="100000"/>
+              </a:lnSpc>
+              <a:spcBef>
+                <a:spcPct val="30000"/>
+              </a:spcBef>
+              <a:spcAft>
+                <a:spcPct val="0"/>
+              </a:spcAft>
+              <a:buClrTx/>
+              <a:buSzTx/>
+              <a:buFontTx/>
+              <a:buNone/>
+              <a:tabLst/>
+              <a:defRPr/>
+            </a:pPr>
+            <a:r>
+              <a:rPr lang="en-US" dirty="0">
+                <a:latin typeface="Calibri" charset="0"/>
+                <a:ea typeface="ＭＳ Ｐゴシック" charset="0"/>
+              </a:rPr>
+              <a:t>HISAT's hierarchical index for the human genome contains 48,000 local FM indexes, each representing a genomic region of ~64,000 </a:t>
+            </a:r>
+            <a:r>
+              <a:rPr lang="en-US" dirty="0" err="1">
+                <a:latin typeface="Calibri" charset="0"/>
+                <a:ea typeface="ＭＳ Ｐゴシック" charset="0"/>
+              </a:rPr>
+              <a:t>bp.</a:t>
+            </a:r>
+            <a:endParaRPr lang="en-US" dirty="0">
+              <a:latin typeface="Calibri" charset="0"/>
+              <a:ea typeface="ＭＳ Ｐゴシック" charset="0"/>
+            </a:endParaRPr>
+          </a:p>
+        </p:txBody>
+      </p:sp>
+      <p:sp>
+        <p:nvSpPr>
+          <p:cNvPr id="4" name="Slide Number Placeholder 3"/>
+          <p:cNvSpPr>
+            <a:spLocks noGrp="1"/>
+          </p:cNvSpPr>
+          <p:nvPr>
+            <p:ph type="sldNum" sz="quarter" idx="10"/>
+          </p:nvPr>
+        </p:nvSpPr>
+        <p:spPr/>
+        <p:txBody>
+          <a:bodyPr/>
+          <a:lstStyle/>
+          <a:p>
+            <a:pPr marL="0" marR="0" lvl="0" indent="0" algn="r" defTabSz="914400" rtl="0" eaLnBrk="1" fontAlgn="auto" latinLnBrk="0" hangingPunct="1">
+              <a:lnSpc>
+                <a:spcPct val="100000"/>
+              </a:lnSpc>
+              <a:spcBef>
+                <a:spcPts val="0"/>
+              </a:spcBef>
+              <a:spcAft>
+                <a:spcPts val="0"/>
+              </a:spcAft>
+              <a:buClrTx/>
+              <a:buSzTx/>
+              <a:buFontTx/>
+              <a:buNone/>
+              <a:tabLst/>
+              <a:defRPr/>
+            </a:pPr>
+            <a:fld id="{58FBEE90-0CDA-3447-B595-4F8759630F3A}" type="slidenum">
+              <a:rPr kumimoji="0" lang="en-US" sz="1200" b="0" i="0" u="none" strike="noStrike" kern="1200" cap="none" spc="0" normalizeH="0" baseline="0" noProof="0" smtClean="0">
+                <a:ln>
+                  <a:noFill/>
+                </a:ln>
+                <a:solidFill>
+                  <a:prstClr val="black"/>
+                </a:solidFill>
+                <a:effectLst/>
+                <a:uLnTx/>
+                <a:uFillTx/>
+                <a:latin typeface="Calibri" panose="020F0502020204030204"/>
+                <a:ea typeface="+mn-ea"/>
+                <a:cs typeface="+mn-cs"/>
+              </a:rPr>
+              <a:pPr marL="0" marR="0" lvl="0" indent="0" algn="r" defTabSz="914400" rtl="0" eaLnBrk="1" fontAlgn="auto" latinLnBrk="0" hangingPunct="1">
+                <a:lnSpc>
+                  <a:spcPct val="100000"/>
+                </a:lnSpc>
+                <a:spcBef>
+                  <a:spcPts val="0"/>
+                </a:spcBef>
+                <a:spcAft>
+                  <a:spcPts val="0"/>
+                </a:spcAft>
+                <a:buClrTx/>
+                <a:buSzTx/>
+                <a:buFontTx/>
+                <a:buNone/>
+                <a:tabLst/>
+                <a:defRPr/>
+              </a:pPr>
+              <a:t>10</a:t>
+            </a:fld>
+            <a:endParaRPr kumimoji="0" lang="en-US" sz="1200" b="0" i="0" u="none" strike="noStrike" kern="1200" cap="none" spc="0" normalizeH="0" baseline="0" noProof="0">
+              <a:ln>
+                <a:noFill/>
+              </a:ln>
+              <a:solidFill>
+                <a:prstClr val="black"/>
+              </a:solidFill>
+              <a:effectLst/>
+              <a:uLnTx/>
+              <a:uFillTx/>
+              <a:latin typeface="Calibri" panose="020F0502020204030204"/>
+              <a:ea typeface="+mn-ea"/>
+              <a:cs typeface="+mn-cs"/>
+            </a:endParaRPr>
+          </a:p>
+        </p:txBody>
+      </p:sp>
+    </p:spTree>
+    <p:extLst>
+      <p:ext uri="{BB962C8B-B14F-4D97-AF65-F5344CB8AC3E}">
+        <p14:creationId xmlns:p14="http://schemas.microsoft.com/office/powerpoint/2010/main" val="2078477345"/>
+      </p:ext>
+    </p:extLst>
+  </p:cSld>
+  <p:clrMapOvr>
+    <a:masterClrMapping/>
+  </p:clrMapOvr>
+</p:notes>
+</file>
+
+<file path=ppt/notesSlides/notesSlide7.xml><?xml version="1.0" encoding="utf-8"?>
+<p:notes xmlns:a="http://schemas.openxmlformats.org/drawingml/2006/main" xmlns:r="http://schemas.openxmlformats.org/officeDocument/2006/relationships" xmlns:p="http://schemas.openxmlformats.org/presentationml/2006/main">
+  <p:cSld>
+    <p:spTree>
+      <p:nvGrpSpPr>
+        <p:cNvPr id="1" name=""/>
+        <p:cNvGrpSpPr/>
+        <p:nvPr/>
+      </p:nvGrpSpPr>
+      <p:grpSpPr>
+        <a:xfrm>
+          <a:off x="0" y="0"/>
+          <a:ext cx="0" cy="0"/>
+          <a:chOff x="0" y="0"/>
+          <a:chExt cx="0" cy="0"/>
+        </a:xfrm>
+      </p:grpSpPr>
+      <p:sp>
+        <p:nvSpPr>
+          <p:cNvPr id="2" name="Slide Image Placeholder 1"/>
+          <p:cNvSpPr>
+            <a:spLocks noGrp="1" noRot="1" noChangeAspect="1"/>
+          </p:cNvSpPr>
+          <p:nvPr>
+            <p:ph type="sldImg"/>
+          </p:nvPr>
+        </p:nvSpPr>
+        <p:spPr/>
+      </p:sp>
+      <p:sp>
+        <p:nvSpPr>
+          <p:cNvPr id="3" name="Notes Placeholder 2"/>
+          <p:cNvSpPr>
+            <a:spLocks noGrp="1"/>
+          </p:cNvSpPr>
+          <p:nvPr>
+            <p:ph type="body" idx="1"/>
+          </p:nvPr>
+        </p:nvSpPr>
+        <p:spPr/>
+        <p:txBody>
+          <a:bodyPr/>
+          <a:lstStyle/>
+          <a:p>
+            <a:r>
+              <a:rPr lang="en-US" dirty="0"/>
+              <a:t>Alignment of </a:t>
+            </a:r>
+            <a:r>
+              <a:rPr lang="en-US" dirty="0" err="1"/>
+              <a:t>exonic</a:t>
+            </a:r>
+            <a:r>
+              <a:rPr lang="en-US" dirty="0"/>
+              <a:t> reads and long- and intermediate-anchored reads.</a:t>
+            </a:r>
+          </a:p>
+          <a:p>
+            <a:r>
+              <a:rPr lang="en-US" dirty="0"/>
+              <a:t>Given two exons from a gene on human chromosome 22, separated by a 3,899-bp intron, suppose the genomic region is transcribed and spliced and we have three reads sequenced from the resulting transcript: (</a:t>
+            </a:r>
+            <a:r>
+              <a:rPr lang="en-US" dirty="0" err="1"/>
+              <a:t>i</a:t>
+            </a:r>
+            <a:r>
+              <a:rPr lang="en-US" dirty="0"/>
+              <a:t>) an </a:t>
+            </a:r>
+            <a:r>
+              <a:rPr lang="en-US" dirty="0" err="1"/>
+              <a:t>exonic</a:t>
+            </a:r>
+            <a:r>
+              <a:rPr lang="en-US" dirty="0"/>
+              <a:t> read, (ii) a read spanning two exons with an 8-bp anchor in one exon and (iii) a read spanning two exons with 50 </a:t>
+            </a:r>
+            <a:r>
+              <a:rPr lang="en-US" dirty="0" err="1"/>
+              <a:t>bp</a:t>
+            </a:r>
+            <a:r>
+              <a:rPr lang="en-US" dirty="0"/>
+              <a:t> in each exon (Supplementary Fig. 8). All the reads are assumed to be error free and 100 </a:t>
+            </a:r>
+            <a:r>
+              <a:rPr lang="en-US" dirty="0" err="1"/>
+              <a:t>bp</a:t>
+            </a:r>
+            <a:r>
+              <a:rPr lang="en-US" dirty="0"/>
+              <a:t> long. We can apply hierarchical indexing to align each of these reads rapidly and correctly. </a:t>
+            </a:r>
+          </a:p>
+        </p:txBody>
+      </p:sp>
+      <p:sp>
+        <p:nvSpPr>
+          <p:cNvPr id="4" name="Slide Number Placeholder 3"/>
+          <p:cNvSpPr>
+            <a:spLocks noGrp="1"/>
+          </p:cNvSpPr>
+          <p:nvPr>
+            <p:ph type="sldNum" sz="quarter" idx="10"/>
+          </p:nvPr>
+        </p:nvSpPr>
+        <p:spPr/>
+        <p:txBody>
+          <a:bodyPr/>
+          <a:lstStyle/>
+          <a:p>
+            <a:pPr marL="0" marR="0" lvl="0" indent="0" algn="r" defTabSz="914400" rtl="0" eaLnBrk="1" fontAlgn="auto" latinLnBrk="0" hangingPunct="1">
+              <a:lnSpc>
+                <a:spcPct val="100000"/>
+              </a:lnSpc>
+              <a:spcBef>
+                <a:spcPts val="0"/>
+              </a:spcBef>
+              <a:spcAft>
+                <a:spcPts val="0"/>
+              </a:spcAft>
+              <a:buClrTx/>
+              <a:buSzTx/>
+              <a:buFontTx/>
+              <a:buNone/>
+              <a:tabLst/>
+              <a:defRPr/>
+            </a:pPr>
+            <a:fld id="{58FBEE90-0CDA-3447-B595-4F8759630F3A}" type="slidenum">
+              <a:rPr kumimoji="0" lang="en-US" sz="1200" b="0" i="0" u="none" strike="noStrike" kern="1200" cap="none" spc="0" normalizeH="0" baseline="0" noProof="0" smtClean="0">
+                <a:ln>
+                  <a:noFill/>
+                </a:ln>
+                <a:solidFill>
+                  <a:prstClr val="black"/>
+                </a:solidFill>
+                <a:effectLst/>
+                <a:uLnTx/>
+                <a:uFillTx/>
+                <a:latin typeface="Calibri" panose="020F0502020204030204"/>
+                <a:ea typeface="+mn-ea"/>
+                <a:cs typeface="+mn-cs"/>
+              </a:rPr>
+              <a:pPr marL="0" marR="0" lvl="0" indent="0" algn="r" defTabSz="914400" rtl="0" eaLnBrk="1" fontAlgn="auto" latinLnBrk="0" hangingPunct="1">
+                <a:lnSpc>
+                  <a:spcPct val="100000"/>
+                </a:lnSpc>
+                <a:spcBef>
+                  <a:spcPts val="0"/>
+                </a:spcBef>
+                <a:spcAft>
+                  <a:spcPts val="0"/>
+                </a:spcAft>
+                <a:buClrTx/>
+                <a:buSzTx/>
+                <a:buFontTx/>
+                <a:buNone/>
+                <a:tabLst/>
+                <a:defRPr/>
+              </a:pPr>
+              <a:t>11</a:t>
+            </a:fld>
+            <a:endParaRPr kumimoji="0" lang="en-US" sz="1200" b="0" i="0" u="none" strike="noStrike" kern="1200" cap="none" spc="0" normalizeH="0" baseline="0" noProof="0">
+              <a:ln>
+                <a:noFill/>
+              </a:ln>
+              <a:solidFill>
+                <a:prstClr val="black"/>
+              </a:solidFill>
+              <a:effectLst/>
+              <a:uLnTx/>
+              <a:uFillTx/>
+              <a:latin typeface="Calibri" panose="020F0502020204030204"/>
+              <a:ea typeface="+mn-ea"/>
+              <a:cs typeface="+mn-cs"/>
+            </a:endParaRPr>
+          </a:p>
+        </p:txBody>
+      </p:sp>
+    </p:spTree>
+    <p:extLst>
+      <p:ext uri="{BB962C8B-B14F-4D97-AF65-F5344CB8AC3E}">
+        <p14:creationId xmlns:p14="http://schemas.microsoft.com/office/powerpoint/2010/main" val="3961545491"/>
+      </p:ext>
+    </p:extLst>
+  </p:cSld>
+  <p:clrMapOvr>
+    <a:masterClrMapping/>
+  </p:clrMapOvr>
+</p:notes>
+</file>
+
+<file path=ppt/notesSlides/notesSlide8.xml><?xml version="1.0" encoding="utf-8"?>
+<p:notes xmlns:a="http://schemas.openxmlformats.org/drawingml/2006/main" xmlns:r="http://schemas.openxmlformats.org/officeDocument/2006/relationships" xmlns:p="http://schemas.openxmlformats.org/presentationml/2006/main">
+  <p:cSld>
+    <p:spTree>
+      <p:nvGrpSpPr>
+        <p:cNvPr id="1" name=""/>
+        <p:cNvGrpSpPr/>
+        <p:nvPr/>
+      </p:nvGrpSpPr>
+      <p:grpSpPr>
+        <a:xfrm>
+          <a:off x="0" y="0"/>
+          <a:ext cx="0" cy="0"/>
+          <a:chOff x="0" y="0"/>
+          <a:chExt cx="0" cy="0"/>
+        </a:xfrm>
+      </p:grpSpPr>
+      <p:sp>
+        <p:nvSpPr>
+          <p:cNvPr id="2" name="Slide Image Placeholder 1"/>
+          <p:cNvSpPr>
+            <a:spLocks noGrp="1" noRot="1" noChangeAspect="1"/>
+          </p:cNvSpPr>
+          <p:nvPr>
+            <p:ph type="sldImg"/>
+          </p:nvPr>
+        </p:nvSpPr>
+        <p:spPr/>
+      </p:sp>
+      <p:sp>
+        <p:nvSpPr>
+          <p:cNvPr id="3" name="Notes Placeholder 2"/>
+          <p:cNvSpPr>
+            <a:spLocks noGrp="1"/>
+          </p:cNvSpPr>
+          <p:nvPr>
+            <p:ph type="body" idx="1"/>
+          </p:nvPr>
+        </p:nvSpPr>
+        <p:spPr/>
+        <p:txBody>
+          <a:bodyPr/>
+          <a:lstStyle/>
+          <a:p>
+            <a:r>
+              <a:rPr lang="en-US" dirty="0"/>
+              <a:t>We align the first read using the global FM-index (Supplementary Fig. 8a). Because global search is relatively time consuming, we change strategies when the partial alignment meets two conditions: (</a:t>
+            </a:r>
+            <a:r>
+              <a:rPr lang="en-US" dirty="0" err="1"/>
+              <a:t>i</a:t>
+            </a:r>
+            <a:r>
+              <a:rPr lang="en-US" dirty="0"/>
+              <a:t>) it is at least 28 </a:t>
+            </a:r>
+            <a:r>
+              <a:rPr lang="en-US" dirty="0" err="1"/>
+              <a:t>bp</a:t>
+            </a:r>
+            <a:r>
+              <a:rPr lang="en-US" dirty="0"/>
+              <a:t> long and (ii) it maps onto exactly one location. For the read shown in the figure, the 28-bp sequence on its right end maps uniquely, allowing us to stop the global search operation at that point. From there, we extend the partial alignment by directly comparing the remaining sequence and the corresponding genomic sequence, which we can extract directly from the genome using the mapped location as an index. Because the read is error free and contained within one exon, the extension operation sweeps across the remaining 72 </a:t>
+            </a:r>
+            <a:r>
+              <a:rPr lang="en-US" dirty="0" err="1"/>
+              <a:t>bp</a:t>
+            </a:r>
+            <a:r>
+              <a:rPr lang="en-US" dirty="0"/>
+              <a:t>, completing the alignment for the read. Note that we could perform this alignment using the global FM index, as TopHat2 does, but the combination of global search and local extension is faster.</a:t>
+            </a:r>
+          </a:p>
+        </p:txBody>
+      </p:sp>
+      <p:sp>
+        <p:nvSpPr>
+          <p:cNvPr id="4" name="Slide Number Placeholder 3"/>
+          <p:cNvSpPr>
+            <a:spLocks noGrp="1"/>
+          </p:cNvSpPr>
+          <p:nvPr>
+            <p:ph type="sldNum" sz="quarter" idx="10"/>
+          </p:nvPr>
+        </p:nvSpPr>
+        <p:spPr/>
+        <p:txBody>
+          <a:bodyPr/>
+          <a:lstStyle/>
+          <a:p>
+            <a:pPr marL="0" marR="0" lvl="0" indent="0" algn="r" defTabSz="914400" rtl="0" eaLnBrk="1" fontAlgn="auto" latinLnBrk="0" hangingPunct="1">
+              <a:lnSpc>
+                <a:spcPct val="100000"/>
+              </a:lnSpc>
+              <a:spcBef>
+                <a:spcPts val="0"/>
+              </a:spcBef>
+              <a:spcAft>
+                <a:spcPts val="0"/>
+              </a:spcAft>
+              <a:buClrTx/>
+              <a:buSzTx/>
+              <a:buFontTx/>
+              <a:buNone/>
+              <a:tabLst/>
+              <a:defRPr/>
+            </a:pPr>
+            <a:fld id="{58FBEE90-0CDA-3447-B595-4F8759630F3A}" type="slidenum">
+              <a:rPr kumimoji="0" lang="en-US" sz="1200" b="0" i="0" u="none" strike="noStrike" kern="1200" cap="none" spc="0" normalizeH="0" baseline="0" noProof="0" smtClean="0">
+                <a:ln>
+                  <a:noFill/>
+                </a:ln>
+                <a:solidFill>
+                  <a:prstClr val="black"/>
+                </a:solidFill>
+                <a:effectLst/>
+                <a:uLnTx/>
+                <a:uFillTx/>
+                <a:latin typeface="Calibri" panose="020F0502020204030204"/>
+                <a:ea typeface="+mn-ea"/>
+                <a:cs typeface="+mn-cs"/>
+              </a:rPr>
+              <a:pPr marL="0" marR="0" lvl="0" indent="0" algn="r" defTabSz="914400" rtl="0" eaLnBrk="1" fontAlgn="auto" latinLnBrk="0" hangingPunct="1">
+                <a:lnSpc>
+                  <a:spcPct val="100000"/>
+                </a:lnSpc>
+                <a:spcBef>
+                  <a:spcPts val="0"/>
+                </a:spcBef>
+                <a:spcAft>
+                  <a:spcPts val="0"/>
+                </a:spcAft>
+                <a:buClrTx/>
+                <a:buSzTx/>
+                <a:buFontTx/>
+                <a:buNone/>
+                <a:tabLst/>
+                <a:defRPr/>
+              </a:pPr>
+              <a:t>12</a:t>
+            </a:fld>
+            <a:endParaRPr kumimoji="0" lang="en-US" sz="1200" b="0" i="0" u="none" strike="noStrike" kern="1200" cap="none" spc="0" normalizeH="0" baseline="0" noProof="0">
+              <a:ln>
+                <a:noFill/>
+              </a:ln>
+              <a:solidFill>
+                <a:prstClr val="black"/>
+              </a:solidFill>
+              <a:effectLst/>
+              <a:uLnTx/>
+              <a:uFillTx/>
+              <a:latin typeface="Calibri" panose="020F0502020204030204"/>
+              <a:ea typeface="+mn-ea"/>
+              <a:cs typeface="+mn-cs"/>
+            </a:endParaRPr>
+          </a:p>
+        </p:txBody>
+      </p:sp>
+    </p:spTree>
+    <p:extLst>
+      <p:ext uri="{BB962C8B-B14F-4D97-AF65-F5344CB8AC3E}">
+        <p14:creationId xmlns:p14="http://schemas.microsoft.com/office/powerpoint/2010/main" val="2938301098"/>
+      </p:ext>
+    </p:extLst>
+  </p:cSld>
+  <p:clrMapOvr>
+    <a:masterClrMapping/>
+  </p:clrMapOvr>
+</p:notes>
+</file>
+
+<file path=ppt/notesSlides/notesSlide9.xml><?xml version="1.0" encoding="utf-8"?>
+<p:notes xmlns:a="http://schemas.openxmlformats.org/drawingml/2006/main" xmlns:r="http://schemas.openxmlformats.org/officeDocument/2006/relationships" xmlns:p="http://schemas.openxmlformats.org/presentationml/2006/main">
+  <p:cSld>
+    <p:spTree>
+      <p:nvGrpSpPr>
+        <p:cNvPr id="1" name=""/>
+        <p:cNvGrpSpPr/>
+        <p:nvPr/>
+      </p:nvGrpSpPr>
+      <p:grpSpPr>
+        <a:xfrm>
+          <a:off x="0" y="0"/>
+          <a:ext cx="0" cy="0"/>
+          <a:chOff x="0" y="0"/>
+          <a:chExt cx="0" cy="0"/>
+        </a:xfrm>
+      </p:grpSpPr>
+      <p:sp>
+        <p:nvSpPr>
+          <p:cNvPr id="2" name="Slide Image Placeholder 1"/>
+          <p:cNvSpPr>
+            <a:spLocks noGrp="1" noRot="1" noChangeAspect="1"/>
+          </p:cNvSpPr>
+          <p:nvPr>
+            <p:ph type="sldImg"/>
+          </p:nvPr>
+        </p:nvSpPr>
+        <p:spPr/>
+      </p:sp>
+      <p:sp>
+        <p:nvSpPr>
+          <p:cNvPr id="3" name="Notes Placeholder 2"/>
+          <p:cNvSpPr>
+            <a:spLocks noGrp="1"/>
+          </p:cNvSpPr>
+          <p:nvPr>
+            <p:ph type="body" idx="1"/>
+          </p:nvPr>
+        </p:nvSpPr>
+        <p:spPr/>
+        <p:txBody>
+          <a:bodyPr/>
+          <a:lstStyle/>
+          <a:p>
+            <a:endParaRPr lang="en-US" dirty="0"/>
+          </a:p>
+          <a:p>
+            <a:r>
+              <a:rPr lang="en-US" dirty="0"/>
+              <a:t>For the second read, which has a very short 8-bp anchor on the left side, we first try to map the read using global search, moving right to left (Supplementary Fig. 8b). The first 28 </a:t>
+            </a:r>
+            <a:r>
+              <a:rPr lang="en-US" dirty="0" err="1"/>
+              <a:t>bp</a:t>
+            </a:r>
+            <a:r>
+              <a:rPr lang="en-US" dirty="0"/>
+              <a:t> on the right end of the read maps uniquely, allowing us to anchor the alignment and halt the global search. We then extend the alignment until we encounter a mismatch at the 93rd base. This mismatch occurs when the alignment extension reaches the intron. At this point we pause the search, retrieve the local FM index that contains this location and align the remaining 8 </a:t>
+            </a:r>
+            <a:r>
+              <a:rPr lang="en-US" dirty="0" err="1"/>
+              <a:t>bp</a:t>
+            </a:r>
+            <a:r>
+              <a:rPr lang="en-US" dirty="0"/>
+              <a:t> using this index. Because the index covers only a small region, in this case we find just one match for the 8-bp segment. Finally, we check whether the two partial alignments (8 </a:t>
+            </a:r>
+            <a:r>
+              <a:rPr lang="en-US" dirty="0" err="1"/>
+              <a:t>bp</a:t>
+            </a:r>
+            <a:r>
+              <a:rPr lang="en-US" dirty="0"/>
+              <a:t> and 92 </a:t>
+            </a:r>
+            <a:r>
+              <a:rPr lang="en-US" dirty="0" err="1"/>
+              <a:t>bp</a:t>
+            </a:r>
+            <a:r>
+              <a:rPr lang="en-US" dirty="0"/>
+              <a:t>) are compatible with each other (for example, in the correct orientation) and then combine them to produce a spliced alignment of the original read.</a:t>
+            </a:r>
+          </a:p>
+          <a:p>
+            <a:endParaRPr lang="en-US" dirty="0"/>
+          </a:p>
+          <a:p>
+            <a:r>
+              <a:rPr lang="en-US" dirty="0"/>
+              <a:t>Note that if we searched for an 8-bp sequence in the global index, we would expect to find an average of ~48,000 matching locations in the human genome (and sometimes many more). Instead of examining 48,000 possible locations, we use one of the local FM indexes, which is expected to contain just one copy of a given 8-bp sequence, on average. This two-stage hierarchical indexing allows us to avoid examining tens of thousands of candidate locations for short anchors, which in turn dramatically speeds up the overall alignment algorithm.</a:t>
+            </a:r>
+          </a:p>
+        </p:txBody>
+      </p:sp>
+      <p:sp>
+        <p:nvSpPr>
+          <p:cNvPr id="4" name="Slide Number Placeholder 3"/>
+          <p:cNvSpPr>
+            <a:spLocks noGrp="1"/>
+          </p:cNvSpPr>
+          <p:nvPr>
+            <p:ph type="sldNum" sz="quarter" idx="10"/>
+          </p:nvPr>
+        </p:nvSpPr>
+        <p:spPr/>
+        <p:txBody>
+          <a:bodyPr/>
+          <a:lstStyle/>
+          <a:p>
+            <a:pPr marL="0" marR="0" lvl="0" indent="0" algn="r" defTabSz="914400" rtl="0" eaLnBrk="1" fontAlgn="auto" latinLnBrk="0" hangingPunct="1">
+              <a:lnSpc>
+                <a:spcPct val="100000"/>
+              </a:lnSpc>
+              <a:spcBef>
+                <a:spcPts val="0"/>
+              </a:spcBef>
+              <a:spcAft>
+                <a:spcPts val="0"/>
+              </a:spcAft>
+              <a:buClrTx/>
+              <a:buSzTx/>
+              <a:buFontTx/>
+              <a:buNone/>
+              <a:tabLst/>
+              <a:defRPr/>
+            </a:pPr>
+            <a:fld id="{58FBEE90-0CDA-3447-B595-4F8759630F3A}" type="slidenum">
+              <a:rPr kumimoji="0" lang="en-US" sz="1200" b="0" i="0" u="none" strike="noStrike" kern="1200" cap="none" spc="0" normalizeH="0" baseline="0" noProof="0" smtClean="0">
+                <a:ln>
+                  <a:noFill/>
+                </a:ln>
+                <a:solidFill>
+                  <a:prstClr val="black"/>
+                </a:solidFill>
+                <a:effectLst/>
+                <a:uLnTx/>
+                <a:uFillTx/>
+                <a:latin typeface="Calibri" panose="020F0502020204030204"/>
+                <a:ea typeface="+mn-ea"/>
+                <a:cs typeface="+mn-cs"/>
+              </a:rPr>
+              <a:pPr marL="0" marR="0" lvl="0" indent="0" algn="r" defTabSz="914400" rtl="0" eaLnBrk="1" fontAlgn="auto" latinLnBrk="0" hangingPunct="1">
+                <a:lnSpc>
+                  <a:spcPct val="100000"/>
+                </a:lnSpc>
+                <a:spcBef>
+                  <a:spcPts val="0"/>
+                </a:spcBef>
+                <a:spcAft>
+                  <a:spcPts val="0"/>
+                </a:spcAft>
+                <a:buClrTx/>
+                <a:buSzTx/>
+                <a:buFontTx/>
+                <a:buNone/>
+                <a:tabLst/>
+                <a:defRPr/>
+              </a:pPr>
+              <a:t>13</a:t>
+            </a:fld>
+            <a:endParaRPr kumimoji="0" lang="en-US" sz="1200" b="0" i="0" u="none" strike="noStrike" kern="1200" cap="none" spc="0" normalizeH="0" baseline="0" noProof="0">
+              <a:ln>
+                <a:noFill/>
+              </a:ln>
+              <a:solidFill>
+                <a:prstClr val="black"/>
+              </a:solidFill>
+              <a:effectLst/>
+              <a:uLnTx/>
+              <a:uFillTx/>
+              <a:latin typeface="Calibri" panose="020F0502020204030204"/>
+              <a:ea typeface="+mn-ea"/>
+              <a:cs typeface="+mn-cs"/>
+            </a:endParaRPr>
+          </a:p>
+        </p:txBody>
+      </p:sp>
+    </p:spTree>
+    <p:extLst>
+      <p:ext uri="{BB962C8B-B14F-4D97-AF65-F5344CB8AC3E}">
+        <p14:creationId xmlns:p14="http://schemas.microsoft.com/office/powerpoint/2010/main" val="1808421048"/>
       </p:ext>
     </p:extLst>
   </p:cSld>
@@ -2067,14 +2345,14 @@
           </a:ln>
           <a:extLst>
             <a:ext uri="{909E8E84-426E-40dd-AFC4-6F175D3DCCD1}">
-              <a14:hiddenFill xmlns:a14="http://schemas.microsoft.com/office/drawing/2010/main" xmlns="">
+              <a14:hiddenFill xmlns="" xmlns:a14="http://schemas.microsoft.com/office/drawing/2010/main">
                 <a:solidFill>
                   <a:srgbClr val="FFFFFF"/>
                 </a:solidFill>
               </a14:hiddenFill>
             </a:ext>
             <a:ext uri="{91240B29-F687-4f45-9708-019B960494DF}">
-              <a14:hiddenLine xmlns:a14="http://schemas.microsoft.com/office/drawing/2010/main" xmlns="" w="9525">
+              <a14:hiddenLine xmlns="" xmlns:a14="http://schemas.microsoft.com/office/drawing/2010/main" w="9525">
                 <a:solidFill>
                   <a:srgbClr val="000000"/>
                 </a:solidFill>
@@ -2569,14 +2847,14 @@
           </a:ln>
           <a:extLst>
             <a:ext uri="{909E8E84-426E-40dd-AFC4-6F175D3DCCD1}">
-              <a14:hiddenFill xmlns:a14="http://schemas.microsoft.com/office/drawing/2010/main" xmlns="">
+              <a14:hiddenFill xmlns="" xmlns:a14="http://schemas.microsoft.com/office/drawing/2010/main">
                 <a:solidFill>
                   <a:srgbClr val="FFFFFF"/>
                 </a:solidFill>
               </a14:hiddenFill>
             </a:ext>
             <a:ext uri="{91240B29-F687-4f45-9708-019B960494DF}">
-              <a14:hiddenLine xmlns:a14="http://schemas.microsoft.com/office/drawing/2010/main" xmlns="" w="9525">
+              <a14:hiddenLine xmlns="" xmlns:a14="http://schemas.microsoft.com/office/drawing/2010/main" w="9525">
                 <a:solidFill>
                   <a:srgbClr val="000000"/>
                 </a:solidFill>
@@ -2953,6 +3231,137 @@
   <p:clrMapOvr>
     <a:masterClrMapping/>
   </p:clrMapOvr>
+</p:sldLayout>
+</file>
+
+<file path=ppt/slideLayouts/slideLayout16.xml><?xml version="1.0" encoding="utf-8"?>
+<p:sldLayout xmlns:a="http://schemas.openxmlformats.org/drawingml/2006/main" xmlns:r="http://schemas.openxmlformats.org/officeDocument/2006/relationships" xmlns:p="http://schemas.openxmlformats.org/presentationml/2006/main" type="tx">
+  <p:cSld name="Title &amp; Bullets">
+    <p:spTree>
+      <p:nvGrpSpPr>
+        <p:cNvPr id="1" name=""/>
+        <p:cNvGrpSpPr/>
+        <p:nvPr/>
+      </p:nvGrpSpPr>
+      <p:grpSpPr>
+        <a:xfrm>
+          <a:off x="0" y="0"/>
+          <a:ext cx="0" cy="0"/>
+          <a:chOff x="0" y="0"/>
+          <a:chExt cx="0" cy="0"/>
+        </a:xfrm>
+      </p:grpSpPr>
+      <p:sp>
+        <p:nvSpPr>
+          <p:cNvPr id="117" name="Title Text"/>
+          <p:cNvSpPr txBox="1">
+            <a:spLocks noGrp="1"/>
+          </p:cNvSpPr>
+          <p:nvPr>
+            <p:ph type="title"/>
+          </p:nvPr>
+        </p:nvSpPr>
+        <p:spPr>
+          <a:prstGeom prst="rect">
+            <a:avLst/>
+          </a:prstGeom>
+        </p:spPr>
+        <p:txBody>
+          <a:bodyPr/>
+          <a:lstStyle/>
+          <a:p>
+            <a:r>
+              <a:t>Title Text</a:t>
+            </a:r>
+          </a:p>
+        </p:txBody>
+      </p:sp>
+      <p:sp>
+        <p:nvSpPr>
+          <p:cNvPr id="118" name="Body Level One…"/>
+          <p:cNvSpPr txBox="1">
+            <a:spLocks noGrp="1"/>
+          </p:cNvSpPr>
+          <p:nvPr>
+            <p:ph type="body" idx="1"/>
+          </p:nvPr>
+        </p:nvSpPr>
+        <p:spPr>
+          <a:prstGeom prst="rect">
+            <a:avLst/>
+          </a:prstGeom>
+        </p:spPr>
+        <p:txBody>
+          <a:bodyPr/>
+          <a:lstStyle/>
+          <a:p>
+            <a:r>
+              <a:t>Body Level One</a:t>
+            </a:r>
+          </a:p>
+          <a:p>
+            <a:pPr lvl="1"/>
+            <a:r>
+              <a:t>Body Level Two</a:t>
+            </a:r>
+          </a:p>
+          <a:p>
+            <a:pPr lvl="2"/>
+            <a:r>
+              <a:t>Body Level Three</a:t>
+            </a:r>
+          </a:p>
+          <a:p>
+            <a:pPr lvl="3"/>
+            <a:r>
+              <a:t>Body Level Four</a:t>
+            </a:r>
+          </a:p>
+          <a:p>
+            <a:pPr lvl="4"/>
+            <a:r>
+              <a:t>Body Level Five</a:t>
+            </a:r>
+          </a:p>
+        </p:txBody>
+      </p:sp>
+      <p:sp>
+        <p:nvSpPr>
+          <p:cNvPr id="119" name="Slide Number"/>
+          <p:cNvSpPr txBox="1">
+            <a:spLocks noGrp="1"/>
+          </p:cNvSpPr>
+          <p:nvPr>
+            <p:ph type="sldNum" sz="quarter" idx="2"/>
+          </p:nvPr>
+        </p:nvSpPr>
+        <p:spPr>
+          <a:prstGeom prst="rect">
+            <a:avLst/>
+          </a:prstGeom>
+        </p:spPr>
+        <p:txBody>
+          <a:bodyPr/>
+          <a:lstStyle/>
+          <a:p>
+            <a:fld id="{86CB4B4D-7CA3-9044-876B-883B54F8677D}" type="slidenum">
+              <a:t>‹#›</a:t>
+            </a:fld>
+            <a:endParaRPr/>
+          </a:p>
+        </p:txBody>
+      </p:sp>
+    </p:spTree>
+    <p:extLst>
+      <p:ext uri="{BB962C8B-B14F-4D97-AF65-F5344CB8AC3E}">
+        <p14:creationId xmlns:p14="http://schemas.microsoft.com/office/powerpoint/2010/main" val="1479407438"/>
+      </p:ext>
+    </p:extLst>
+  </p:cSld>
+  <p:clrMapOvr>
+    <a:masterClrMapping/>
+  </p:clrMapOvr>
+  <p:transition spd="med"/>
 </p:sldLayout>
 </file>
 
@@ -4649,14 +5058,14 @@
           </a:ln>
           <a:extLst>
             <a:ext uri="{909E8E84-426E-40dd-AFC4-6F175D3DCCD1}">
-              <a14:hiddenFill xmlns:a14="http://schemas.microsoft.com/office/drawing/2010/main" xmlns="">
+              <a14:hiddenFill xmlns="" xmlns:a14="http://schemas.microsoft.com/office/drawing/2010/main">
                 <a:solidFill>
                   <a:srgbClr val="FFFFFF"/>
                 </a:solidFill>
               </a14:hiddenFill>
             </a:ext>
             <a:ext uri="{91240B29-F687-4f45-9708-019B960494DF}">
-              <a14:hiddenLine xmlns:a14="http://schemas.microsoft.com/office/drawing/2010/main" xmlns="" w="9525">
+              <a14:hiddenLine xmlns="" xmlns:a14="http://schemas.microsoft.com/office/drawing/2010/main" w="9525">
                 <a:solidFill>
                   <a:srgbClr val="000000"/>
                 </a:solidFill>
@@ -5022,6 +5431,7 @@
     <p:sldLayoutId id="2147483687" r:id="rId13"/>
     <p:sldLayoutId id="2147483688" r:id="rId14"/>
     <p:sldLayoutId id="2147483673" r:id="rId15"/>
+    <p:sldLayoutId id="2147483689" r:id="rId16"/>
   </p:sldLayoutIdLst>
   <p:txStyles>
     <p:titleStyle>
@@ -5542,14 +5952,14 @@
           </a:ln>
           <a:extLst>
             <a:ext uri="{909E8E84-426E-40dd-AFC4-6F175D3DCCD1}">
-              <a14:hiddenFill xmlns="" xmlns:a14="http://schemas.microsoft.com/office/drawing/2010/main">
+              <a14:hiddenFill xmlns:a14="http://schemas.microsoft.com/office/drawing/2010/main" xmlns="">
                 <a:solidFill>
                   <a:srgbClr val="FFFFFF"/>
                 </a:solidFill>
               </a14:hiddenFill>
             </a:ext>
             <a:ext uri="{91240B29-F687-4f45-9708-019B960494DF}">
-              <a14:hiddenLine xmlns="" xmlns:a14="http://schemas.microsoft.com/office/drawing/2010/main" w="9525">
+              <a14:hiddenLine xmlns:a14="http://schemas.microsoft.com/office/drawing/2010/main" xmlns="" w="9525">
                 <a:solidFill>
                   <a:srgbClr val="000000"/>
                 </a:solidFill>
@@ -5761,6 +6171,232 @@
         </p:nvSpPr>
         <p:spPr>
           <a:xfrm>
+            <a:off x="1676400" y="-26987"/>
+            <a:ext cx="8839200" cy="935708"/>
+          </a:xfrm>
+        </p:spPr>
+        <p:txBody>
+          <a:bodyPr/>
+          <a:lstStyle/>
+          <a:p>
+            <a:pPr algn="ctr"/>
+            <a:r>
+              <a:rPr lang="en-US" b="1" dirty="0">
+                <a:latin typeface="Calibri" charset="0"/>
+                <a:ea typeface="ＭＳ Ｐゴシック" charset="0"/>
+              </a:rPr>
+              <a:t>HISAT/HISAT2 algorithm</a:t>
+            </a:r>
+          </a:p>
+        </p:txBody>
+      </p:sp>
+      <p:sp>
+        <p:nvSpPr>
+          <p:cNvPr id="26626" name="Content Placeholder 2"/>
+          <p:cNvSpPr>
+            <a:spLocks noGrp="1"/>
+          </p:cNvSpPr>
+          <p:nvPr>
+            <p:ph idx="1"/>
+          </p:nvPr>
+        </p:nvSpPr>
+        <p:spPr>
+          <a:xfrm>
+            <a:off x="524656" y="1085088"/>
+            <a:ext cx="11155280" cy="4980750"/>
+          </a:xfrm>
+        </p:spPr>
+        <p:txBody>
+          <a:bodyPr>
+            <a:normAutofit lnSpcReduction="10000"/>
+          </a:bodyPr>
+          <a:lstStyle/>
+          <a:p>
+            <a:pPr>
+              <a:defRPr/>
+            </a:pPr>
+            <a:r>
+              <a:rPr lang="en-US" dirty="0">
+                <a:latin typeface="Calibri" charset="0"/>
+                <a:ea typeface="ＭＳ Ｐゴシック" charset="0"/>
+              </a:rPr>
+              <a:t>Uses a hierarchical indexing algorithm + several adaptive strategies</a:t>
+            </a:r>
+          </a:p>
+          <a:p>
+            <a:pPr lvl="1">
+              <a:defRPr/>
+            </a:pPr>
+            <a:r>
+              <a:rPr lang="en-US" dirty="0">
+                <a:latin typeface="Calibri" charset="0"/>
+                <a:ea typeface="ＭＳ Ｐゴシック" charset="0"/>
+              </a:rPr>
+              <a:t>based on the position of a read with respect to splice sites</a:t>
+            </a:r>
+            <a:br>
+              <a:rPr lang="en-US" dirty="0">
+                <a:latin typeface="Calibri" charset="0"/>
+                <a:ea typeface="ＭＳ Ｐゴシック" charset="0"/>
+              </a:rPr>
+            </a:br>
+            <a:endParaRPr lang="en-US" dirty="0">
+              <a:latin typeface="Calibri" charset="0"/>
+              <a:ea typeface="ＭＳ Ｐゴシック" charset="0"/>
+            </a:endParaRPr>
+          </a:p>
+          <a:p>
+            <a:pPr marL="0" indent="0">
+              <a:buNone/>
+              <a:defRPr/>
+            </a:pPr>
+            <a:r>
+              <a:rPr lang="en-US" dirty="0">
+                <a:latin typeface="Calibri" charset="0"/>
+                <a:ea typeface="ＭＳ Ｐゴシック" charset="0"/>
+              </a:rPr>
+              <a:t>1) Find candidate locations across the whole genome first</a:t>
+            </a:r>
+          </a:p>
+          <a:p>
+            <a:pPr lvl="1">
+              <a:defRPr/>
+            </a:pPr>
+            <a:r>
+              <a:rPr lang="en-US" dirty="0">
+                <a:latin typeface="Calibri" charset="0"/>
+                <a:ea typeface="ＭＳ Ｐゴシック" charset="0"/>
+              </a:rPr>
+              <a:t>mapping part of each read using the global FM index</a:t>
+            </a:r>
+          </a:p>
+          <a:p>
+            <a:pPr lvl="1">
+              <a:defRPr/>
+            </a:pPr>
+            <a:r>
+              <a:rPr lang="en-US" dirty="0">
+                <a:latin typeface="Calibri" charset="0"/>
+                <a:ea typeface="ＭＳ Ｐゴシック" charset="0"/>
+              </a:rPr>
+              <a:t>Generally identifies one or a small number of candidates. </a:t>
+            </a:r>
+          </a:p>
+          <a:p>
+            <a:pPr marL="0" indent="0">
+              <a:buNone/>
+              <a:defRPr/>
+            </a:pPr>
+            <a:r>
+              <a:rPr lang="en-US" dirty="0">
+                <a:latin typeface="Calibri" charset="0"/>
+                <a:ea typeface="ＭＳ Ｐゴシック" charset="0"/>
+              </a:rPr>
+              <a:t>2) Do local alignment</a:t>
+            </a:r>
+          </a:p>
+          <a:p>
+            <a:pPr lvl="1">
+              <a:defRPr/>
+            </a:pPr>
+            <a:r>
+              <a:rPr lang="en-US" dirty="0">
+                <a:latin typeface="Calibri" charset="0"/>
+                <a:ea typeface="ＭＳ Ｐゴシック" charset="0"/>
+              </a:rPr>
+              <a:t>selects one of ~48,000 local indexes for each candidate </a:t>
+            </a:r>
+          </a:p>
+          <a:p>
+            <a:pPr lvl="1">
+              <a:defRPr/>
+            </a:pPr>
+            <a:r>
+              <a:rPr lang="en-US" dirty="0">
+                <a:latin typeface="Calibri" charset="0"/>
+                <a:ea typeface="ＭＳ Ｐゴシック" charset="0"/>
+              </a:rPr>
+              <a:t>uses it to align the remainder of the read.</a:t>
+            </a:r>
+            <a:br>
+              <a:rPr lang="en-US" dirty="0">
+                <a:latin typeface="Calibri" charset="0"/>
+                <a:ea typeface="ＭＳ Ｐゴシック" charset="0"/>
+              </a:rPr>
+            </a:br>
+            <a:endParaRPr lang="en-US" dirty="0">
+              <a:latin typeface="Calibri" charset="0"/>
+              <a:ea typeface="ＭＳ Ｐゴシック" charset="0"/>
+            </a:endParaRPr>
+          </a:p>
+          <a:p>
+            <a:pPr>
+              <a:defRPr/>
+            </a:pPr>
+            <a:r>
+              <a:rPr lang="en-US" dirty="0">
+                <a:latin typeface="Calibri" charset="0"/>
+                <a:ea typeface="ＭＳ Ｐゴシック" charset="0"/>
+              </a:rPr>
+              <a:t>For paired reads, each mate is separately aligned</a:t>
+            </a:r>
+          </a:p>
+          <a:p>
+            <a:pPr lvl="1">
+              <a:defRPr/>
+            </a:pPr>
+            <a:r>
+              <a:rPr lang="en-US" dirty="0">
+                <a:latin typeface="Calibri" charset="0"/>
+                <a:ea typeface="ＭＳ Ｐゴシック" charset="0"/>
+              </a:rPr>
+              <a:t>If a read fails to align, then the alignments of its mate are used as anchors to map the unaligned mate</a:t>
+            </a:r>
+          </a:p>
+        </p:txBody>
+      </p:sp>
+    </p:spTree>
+    <p:extLst>
+      <p:ext uri="{BB962C8B-B14F-4D97-AF65-F5344CB8AC3E}">
+        <p14:creationId xmlns:p14="http://schemas.microsoft.com/office/powerpoint/2010/main" val="817765434"/>
+      </p:ext>
+    </p:extLst>
+  </p:cSld>
+  <p:clrMapOvr>
+    <a:masterClrMapping/>
+  </p:clrMapOvr>
+</p:sld>
+</file>
+
+<file path=ppt/slides/slide11.xml><?xml version="1.0" encoding="utf-8"?>
+<p:sld xmlns:a="http://schemas.openxmlformats.org/drawingml/2006/main" xmlns:r="http://schemas.openxmlformats.org/officeDocument/2006/relationships" xmlns:p="http://schemas.openxmlformats.org/presentationml/2006/main">
+  <p:cSld>
+    <p:spTree>
+      <p:nvGrpSpPr>
+        <p:cNvPr id="1" name=""/>
+        <p:cNvGrpSpPr/>
+        <p:nvPr/>
+      </p:nvGrpSpPr>
+      <p:grpSpPr>
+        <a:xfrm>
+          <a:off x="0" y="0"/>
+          <a:ext cx="0" cy="0"/>
+          <a:chOff x="0" y="0"/>
+          <a:chExt cx="0" cy="0"/>
+        </a:xfrm>
+      </p:grpSpPr>
+      <p:sp>
+        <p:nvSpPr>
+          <p:cNvPr id="20481" name="Title 1"/>
+          <p:cNvSpPr>
+            <a:spLocks noGrp="1"/>
+          </p:cNvSpPr>
+          <p:nvPr>
+            <p:ph type="title"/>
+          </p:nvPr>
+        </p:nvSpPr>
+        <p:spPr>
+          <a:xfrm>
             <a:off x="1676400" y="-103187"/>
             <a:ext cx="8839200" cy="935708"/>
           </a:xfrm>
@@ -5999,14 +6635,14 @@
           </a:ln>
           <a:extLst>
             <a:ext uri="{909E8E84-426E-40dd-AFC4-6F175D3DCCD1}">
-              <a14:hiddenFill xmlns:a14="http://schemas.microsoft.com/office/drawing/2010/main" xmlns="">
+              <a14:hiddenFill xmlns="" xmlns:a14="http://schemas.microsoft.com/office/drawing/2010/main">
                 <a:solidFill>
                   <a:srgbClr val="FFFFFF"/>
                 </a:solidFill>
               </a14:hiddenFill>
             </a:ext>
             <a:ext uri="{91240B29-F687-4f45-9708-019B960494DF}">
-              <a14:hiddenLine xmlns:a14="http://schemas.microsoft.com/office/drawing/2010/main" xmlns="" w="9525">
+              <a14:hiddenLine xmlns="" xmlns:a14="http://schemas.microsoft.com/office/drawing/2010/main" w="9525">
                 <a:solidFill>
                   <a:srgbClr val="000000"/>
                 </a:solidFill>
@@ -6179,7 +6815,7 @@
 </p:sld>
 </file>
 
-<file path=ppt/slides/slide11.xml><?xml version="1.0" encoding="utf-8"?>
+<file path=ppt/slides/slide12.xml><?xml version="1.0" encoding="utf-8"?>
 <p:sld xmlns:a="http://schemas.openxmlformats.org/drawingml/2006/main" xmlns:r="http://schemas.openxmlformats.org/officeDocument/2006/relationships" xmlns:p="http://schemas.openxmlformats.org/presentationml/2006/main">
   <p:cSld>
     <p:spTree>
@@ -6418,14 +7054,14 @@
           </a:ln>
           <a:extLst>
             <a:ext uri="{909E8E84-426E-40dd-AFC4-6F175D3DCCD1}">
-              <a14:hiddenFill xmlns:a14="http://schemas.microsoft.com/office/drawing/2010/main" xmlns="">
+              <a14:hiddenFill xmlns="" xmlns:a14="http://schemas.microsoft.com/office/drawing/2010/main">
                 <a:solidFill>
                   <a:srgbClr val="FFFFFF"/>
                 </a:solidFill>
               </a14:hiddenFill>
             </a:ext>
             <a:ext uri="{91240B29-F687-4f45-9708-019B960494DF}">
-              <a14:hiddenLine xmlns:a14="http://schemas.microsoft.com/office/drawing/2010/main" xmlns="" w="9525">
+              <a14:hiddenLine xmlns="" xmlns:a14="http://schemas.microsoft.com/office/drawing/2010/main" w="9525">
                 <a:solidFill>
                   <a:srgbClr val="000000"/>
                 </a:solidFill>
@@ -6598,7 +7234,7 @@
 </p:sld>
 </file>
 
-<file path=ppt/slides/slide12.xml><?xml version="1.0" encoding="utf-8"?>
+<file path=ppt/slides/slide13.xml><?xml version="1.0" encoding="utf-8"?>
 <p:sld xmlns:a="http://schemas.openxmlformats.org/drawingml/2006/main" xmlns:r="http://schemas.openxmlformats.org/officeDocument/2006/relationships" xmlns:p="http://schemas.openxmlformats.org/presentationml/2006/main">
   <p:cSld>
     <p:spTree>
@@ -6897,14 +7533,14 @@
           </a:ln>
           <a:extLst>
             <a:ext uri="{909E8E84-426E-40dd-AFC4-6F175D3DCCD1}">
-              <a14:hiddenFill xmlns:a14="http://schemas.microsoft.com/office/drawing/2010/main" xmlns="">
+              <a14:hiddenFill xmlns="" xmlns:a14="http://schemas.microsoft.com/office/drawing/2010/main">
                 <a:solidFill>
                   <a:srgbClr val="FFFFFF"/>
                 </a:solidFill>
               </a14:hiddenFill>
             </a:ext>
             <a:ext uri="{91240B29-F687-4f45-9708-019B960494DF}">
-              <a14:hiddenLine xmlns:a14="http://schemas.microsoft.com/office/drawing/2010/main" xmlns="" w="9525">
+              <a14:hiddenLine xmlns="" xmlns:a14="http://schemas.microsoft.com/office/drawing/2010/main" w="9525">
                 <a:solidFill>
                   <a:srgbClr val="000000"/>
                 </a:solidFill>
@@ -7077,7 +7713,7 @@
 </p:sld>
 </file>
 
-<file path=ppt/slides/slide13.xml><?xml version="1.0" encoding="utf-8"?>
+<file path=ppt/slides/slide14.xml><?xml version="1.0" encoding="utf-8"?>
 <p:sld xmlns:a="http://schemas.openxmlformats.org/drawingml/2006/main" xmlns:r="http://schemas.openxmlformats.org/officeDocument/2006/relationships" xmlns:p="http://schemas.openxmlformats.org/presentationml/2006/main">
   <p:cSld>
     <p:spTree>
@@ -7366,14 +8002,14 @@
           </a:ln>
           <a:extLst>
             <a:ext uri="{909E8E84-426E-40dd-AFC4-6F175D3DCCD1}">
-              <a14:hiddenFill xmlns:a14="http://schemas.microsoft.com/office/drawing/2010/main" xmlns="">
+              <a14:hiddenFill xmlns="" xmlns:a14="http://schemas.microsoft.com/office/drawing/2010/main">
                 <a:solidFill>
                   <a:srgbClr val="FFFFFF"/>
                 </a:solidFill>
               </a14:hiddenFill>
             </a:ext>
             <a:ext uri="{91240B29-F687-4f45-9708-019B960494DF}">
-              <a14:hiddenLine xmlns:a14="http://schemas.microsoft.com/office/drawing/2010/main" xmlns="" w="9525">
+              <a14:hiddenLine xmlns="" xmlns:a14="http://schemas.microsoft.com/office/drawing/2010/main" w="9525">
                 <a:solidFill>
                   <a:srgbClr val="000000"/>
                 </a:solidFill>
@@ -7546,7 +8182,7 @@
 </p:sld>
 </file>
 
-<file path=ppt/slides/slide14.xml><?xml version="1.0" encoding="utf-8"?>
+<file path=ppt/slides/slide15.xml><?xml version="1.0" encoding="utf-8"?>
 <p:sld xmlns:a="http://schemas.openxmlformats.org/drawingml/2006/main" xmlns:r="http://schemas.openxmlformats.org/officeDocument/2006/relationships" xmlns:p="http://schemas.openxmlformats.org/presentationml/2006/main" show="0">
   <p:cSld>
     <p:spTree>
@@ -7735,7 +8371,7 @@
 </p:sld>
 </file>
 
-<file path=ppt/slides/slide15.xml><?xml version="1.0" encoding="utf-8"?>
+<file path=ppt/slides/slide16.xml><?xml version="1.0" encoding="utf-8"?>
 <p:sld xmlns:a="http://schemas.openxmlformats.org/drawingml/2006/main" xmlns:r="http://schemas.openxmlformats.org/officeDocument/2006/relationships" xmlns:p="http://schemas.openxmlformats.org/presentationml/2006/main">
   <p:cSld>
     <p:spTree>
@@ -7986,7 +8622,7 @@
 </p:sld>
 </file>
 
-<file path=ppt/slides/slide16.xml><?xml version="1.0" encoding="utf-8"?>
+<file path=ppt/slides/slide17.xml><?xml version="1.0" encoding="utf-8"?>
 <p:sld xmlns:a="http://schemas.openxmlformats.org/drawingml/2006/main" xmlns:r="http://schemas.openxmlformats.org/officeDocument/2006/relationships" xmlns:p="http://schemas.openxmlformats.org/presentationml/2006/main">
   <p:cSld>
     <p:spTree>
@@ -8071,6 +8707,1275 @@
 </file>
 
 <file path=ppt/slides/slide2.xml><?xml version="1.0" encoding="utf-8"?>
+<p:sld xmlns:a="http://schemas.openxmlformats.org/drawingml/2006/main" xmlns:r="http://schemas.openxmlformats.org/officeDocument/2006/relationships" xmlns:p="http://schemas.openxmlformats.org/presentationml/2006/main">
+  <p:cSld>
+    <p:spTree>
+      <p:nvGrpSpPr>
+        <p:cNvPr id="1" name="Shape 204"/>
+        <p:cNvGrpSpPr/>
+        <p:nvPr/>
+      </p:nvGrpSpPr>
+      <p:grpSpPr>
+        <a:xfrm>
+          <a:off x="0" y="0"/>
+          <a:ext cx="0" cy="0"/>
+          <a:chOff x="0" y="0"/>
+          <a:chExt cx="0" cy="0"/>
+        </a:xfrm>
+      </p:grpSpPr>
+      <p:sp>
+        <p:nvSpPr>
+          <p:cNvPr id="205" name="Google Shape;205;p43"/>
+          <p:cNvSpPr txBox="1">
+            <a:spLocks noGrp="1"/>
+          </p:cNvSpPr>
+          <p:nvPr>
+            <p:ph type="title"/>
+          </p:nvPr>
+        </p:nvSpPr>
+        <p:spPr>
+          <a:xfrm>
+            <a:off x="178352" y="-235831"/>
+            <a:ext cx="11360800" cy="1108400"/>
+          </a:xfrm>
+          <a:prstGeom prst="rect">
+            <a:avLst/>
+          </a:prstGeom>
+        </p:spPr>
+        <p:txBody>
+          <a:bodyPr spcFirstLastPara="1" vert="horz" wrap="square" lIns="121900" tIns="121900" rIns="121900" bIns="121900" rtlCol="0" anchor="b" anchorCtr="0">
+            <a:noAutofit/>
+          </a:bodyPr>
+          <a:lstStyle/>
+          <a:p>
+            <a:pPr>
+              <a:spcBef>
+                <a:spcPts val="0"/>
+              </a:spcBef>
+            </a:pPr>
+            <a:r>
+              <a:rPr lang="en" dirty="0">
+                <a:latin typeface="Calibri" panose="020F0502020204030204" pitchFamily="34" charset="0"/>
+                <a:cs typeface="Calibri" panose="020F0502020204030204" pitchFamily="34" charset="0"/>
+              </a:rPr>
+              <a:t>Alignment is central to most genomic research</a:t>
+            </a:r>
+            <a:endParaRPr dirty="0">
+              <a:latin typeface="Calibri" panose="020F0502020204030204" pitchFamily="34" charset="0"/>
+              <a:cs typeface="Calibri" panose="020F0502020204030204" pitchFamily="34" charset="0"/>
+            </a:endParaRPr>
+          </a:p>
+        </p:txBody>
+      </p:sp>
+      <p:grpSp>
+        <p:nvGrpSpPr>
+          <p:cNvPr id="6" name="Group 5">
+            <a:extLst>
+              <a:ext uri="{FF2B5EF4-FFF2-40B4-BE49-F238E27FC236}">
+                <a16:creationId xmlns:a16="http://schemas.microsoft.com/office/drawing/2014/main" id="{B18A2351-07B0-BB42-89A5-3307F3687101}"/>
+              </a:ext>
+            </a:extLst>
+          </p:cNvPr>
+          <p:cNvGrpSpPr/>
+          <p:nvPr/>
+        </p:nvGrpSpPr>
+        <p:grpSpPr>
+          <a:xfrm>
+            <a:off x="89700" y="1531633"/>
+            <a:ext cx="12192640" cy="4353867"/>
+            <a:chOff x="0" y="2268140"/>
+            <a:chExt cx="12192640" cy="4353867"/>
+          </a:xfrm>
+        </p:grpSpPr>
+        <p:sp>
+          <p:nvSpPr>
+            <p:cNvPr id="216" name="Google Shape;216;p43"/>
+            <p:cNvSpPr/>
+            <p:nvPr/>
+          </p:nvSpPr>
+          <p:spPr>
+            <a:xfrm>
+              <a:off x="6917531" y="3768328"/>
+              <a:ext cx="2166800" cy="642800"/>
+            </a:xfrm>
+            <a:prstGeom prst="rect">
+              <a:avLst/>
+            </a:prstGeom>
+            <a:solidFill>
+              <a:srgbClr val="38761D"/>
+            </a:solidFill>
+            <a:ln w="25400" cap="flat" cmpd="sng">
+              <a:solidFill>
+                <a:srgbClr val="000000"/>
+              </a:solidFill>
+              <a:prstDash val="solid"/>
+              <a:miter lim="8000"/>
+              <a:headEnd type="none" w="sm" len="sm"/>
+              <a:tailEnd type="none" w="sm" len="sm"/>
+            </a:ln>
+          </p:spPr>
+          <p:txBody>
+            <a:bodyPr spcFirstLastPara="1" wrap="square" lIns="43667" tIns="43667" rIns="43667" bIns="43667" anchor="ctr" anchorCtr="0">
+              <a:noAutofit/>
+            </a:bodyPr>
+            <a:lstStyle/>
+            <a:p>
+              <a:pPr algn="ctr">
+                <a:buClr>
+                  <a:srgbClr val="FFFFFF"/>
+                </a:buClr>
+              </a:pPr>
+              <a:r>
+                <a:rPr lang="en" sz="2000" dirty="0">
+                  <a:solidFill>
+                    <a:srgbClr val="FFFFFF"/>
+                  </a:solidFill>
+                  <a:latin typeface="Economica"/>
+                  <a:ea typeface="Economica"/>
+                  <a:cs typeface="Economica"/>
+                  <a:sym typeface="Economica"/>
+                </a:rPr>
+                <a:t>Find SVs</a:t>
+              </a:r>
+              <a:endParaRPr sz="1200" dirty="0">
+                <a:latin typeface="Economica"/>
+                <a:ea typeface="Economica"/>
+                <a:cs typeface="Economica"/>
+                <a:sym typeface="Economica"/>
+              </a:endParaRPr>
+            </a:p>
+          </p:txBody>
+        </p:sp>
+        <p:grpSp>
+          <p:nvGrpSpPr>
+            <p:cNvPr id="5" name="Group 4">
+              <a:extLst>
+                <a:ext uri="{FF2B5EF4-FFF2-40B4-BE49-F238E27FC236}">
+                  <a16:creationId xmlns:a16="http://schemas.microsoft.com/office/drawing/2014/main" id="{32E93BDD-032D-424A-808F-167D82FC5A09}"/>
+                </a:ext>
+              </a:extLst>
+            </p:cNvPr>
+            <p:cNvGrpSpPr/>
+            <p:nvPr/>
+          </p:nvGrpSpPr>
+          <p:grpSpPr>
+            <a:xfrm>
+              <a:off x="0" y="2268140"/>
+              <a:ext cx="12192640" cy="4353867"/>
+              <a:chOff x="0" y="2268140"/>
+              <a:chExt cx="12192640" cy="4353867"/>
+            </a:xfrm>
+          </p:grpSpPr>
+          <p:pic>
+            <p:nvPicPr>
+              <p:cNvPr id="206" name="Google Shape;206;p43"/>
+              <p:cNvPicPr preferRelativeResize="0"/>
+              <p:nvPr/>
+            </p:nvPicPr>
+            <p:blipFill rotWithShape="1">
+              <a:blip r:embed="rId3">
+                <a:alphaModFix/>
+              </a:blip>
+              <a:srcRect/>
+              <a:stretch/>
+            </p:blipFill>
+            <p:spPr>
+              <a:xfrm>
+                <a:off x="0" y="2926428"/>
+                <a:ext cx="1690800" cy="1002400"/>
+              </a:xfrm>
+              <a:prstGeom prst="rect">
+                <a:avLst/>
+              </a:prstGeom>
+              <a:noFill/>
+              <a:ln>
+                <a:noFill/>
+              </a:ln>
+            </p:spPr>
+          </p:pic>
+          <p:cxnSp>
+            <p:nvCxnSpPr>
+              <p:cNvPr id="207" name="Google Shape;207;p43"/>
+              <p:cNvCxnSpPr/>
+              <p:nvPr/>
+            </p:nvCxnSpPr>
+            <p:spPr>
+              <a:xfrm rot="10800000">
+                <a:off x="1678780" y="3429000"/>
+                <a:ext cx="286000" cy="0"/>
+              </a:xfrm>
+              <a:prstGeom prst="straightConnector1">
+                <a:avLst/>
+              </a:prstGeom>
+              <a:noFill/>
+              <a:ln w="38100" cap="flat" cmpd="sng">
+                <a:solidFill>
+                  <a:srgbClr val="000000"/>
+                </a:solidFill>
+                <a:prstDash val="solid"/>
+                <a:miter lim="8000"/>
+                <a:headEnd type="stealth" w="sm" len="sm"/>
+                <a:tailEnd type="none" w="sm" len="sm"/>
+              </a:ln>
+            </p:spPr>
+          </p:cxnSp>
+          <p:sp>
+            <p:nvSpPr>
+              <p:cNvPr id="208" name="Google Shape;208;p43"/>
+              <p:cNvSpPr/>
+              <p:nvPr/>
+            </p:nvSpPr>
+            <p:spPr>
+              <a:xfrm>
+                <a:off x="2095500" y="3107531"/>
+                <a:ext cx="904800" cy="642800"/>
+              </a:xfrm>
+              <a:prstGeom prst="rect">
+                <a:avLst/>
+              </a:prstGeom>
+              <a:solidFill>
+                <a:srgbClr val="C0C0C0"/>
+              </a:solidFill>
+              <a:ln w="25400" cap="flat" cmpd="sng">
+                <a:solidFill>
+                  <a:srgbClr val="000000"/>
+                </a:solidFill>
+                <a:prstDash val="solid"/>
+                <a:miter lim="8000"/>
+                <a:headEnd type="none" w="sm" len="sm"/>
+                <a:tailEnd type="none" w="sm" len="sm"/>
+              </a:ln>
+            </p:spPr>
+            <p:txBody>
+              <a:bodyPr spcFirstLastPara="1" wrap="square" lIns="43667" tIns="43667" rIns="43667" bIns="43667" anchor="ctr" anchorCtr="0">
+                <a:noAutofit/>
+              </a:bodyPr>
+              <a:lstStyle/>
+              <a:p>
+                <a:pPr algn="ctr">
+                  <a:buClr>
+                    <a:srgbClr val="000000"/>
+                  </a:buClr>
+                </a:pPr>
+                <a:r>
+                  <a:rPr lang="en" sz="1733">
+                    <a:solidFill>
+                      <a:srgbClr val="000000"/>
+                    </a:solidFill>
+                    <a:latin typeface="Economica"/>
+                    <a:ea typeface="Economica"/>
+                    <a:cs typeface="Economica"/>
+                    <a:sym typeface="Economica"/>
+                  </a:rPr>
+                  <a:t>FASTQ</a:t>
+                </a:r>
+                <a:endParaRPr sz="1200">
+                  <a:latin typeface="Economica"/>
+                  <a:ea typeface="Economica"/>
+                  <a:cs typeface="Economica"/>
+                  <a:sym typeface="Economica"/>
+                </a:endParaRPr>
+              </a:p>
+              <a:p>
+                <a:pPr algn="ctr">
+                  <a:buClr>
+                    <a:srgbClr val="000000"/>
+                  </a:buClr>
+                </a:pPr>
+                <a:r>
+                  <a:rPr lang="en" sz="1733">
+                    <a:solidFill>
+                      <a:srgbClr val="000000"/>
+                    </a:solidFill>
+                    <a:latin typeface="Economica"/>
+                    <a:ea typeface="Economica"/>
+                    <a:cs typeface="Economica"/>
+                    <a:sym typeface="Economica"/>
+                  </a:rPr>
+                  <a:t>format</a:t>
+                </a:r>
+                <a:endParaRPr sz="1200">
+                  <a:latin typeface="Economica"/>
+                  <a:ea typeface="Economica"/>
+                  <a:cs typeface="Economica"/>
+                  <a:sym typeface="Economica"/>
+                </a:endParaRPr>
+              </a:p>
+            </p:txBody>
+          </p:sp>
+          <p:sp>
+            <p:nvSpPr>
+              <p:cNvPr id="209" name="Google Shape;209;p43"/>
+              <p:cNvSpPr/>
+              <p:nvPr/>
+            </p:nvSpPr>
+            <p:spPr>
+              <a:xfrm>
+                <a:off x="3548063" y="2982516"/>
+                <a:ext cx="1071600" cy="892800"/>
+              </a:xfrm>
+              <a:prstGeom prst="rect">
+                <a:avLst/>
+              </a:prstGeom>
+              <a:solidFill>
+                <a:srgbClr val="000000"/>
+              </a:solidFill>
+              <a:ln w="25400" cap="flat" cmpd="sng">
+                <a:solidFill>
+                  <a:srgbClr val="000000"/>
+                </a:solidFill>
+                <a:prstDash val="solid"/>
+                <a:miter lim="8000"/>
+                <a:headEnd type="none" w="sm" len="sm"/>
+                <a:tailEnd type="none" w="sm" len="sm"/>
+              </a:ln>
+            </p:spPr>
+            <p:txBody>
+              <a:bodyPr spcFirstLastPara="1" wrap="square" lIns="43667" tIns="43667" rIns="43667" bIns="43667" anchor="ctr" anchorCtr="0">
+                <a:noAutofit/>
+              </a:bodyPr>
+              <a:lstStyle/>
+              <a:p>
+                <a:pPr algn="ctr">
+                  <a:buClr>
+                    <a:srgbClr val="FFFFFF"/>
+                  </a:buClr>
+                </a:pPr>
+                <a:r>
+                  <a:rPr lang="en" sz="1733" dirty="0">
+                    <a:solidFill>
+                      <a:srgbClr val="FFFFFF"/>
+                    </a:solidFill>
+                    <a:latin typeface="Economica"/>
+                    <a:ea typeface="Economica"/>
+                    <a:cs typeface="Economica"/>
+                    <a:sym typeface="Economica"/>
+                  </a:rPr>
+                  <a:t>Align</a:t>
+                </a:r>
+                <a:endParaRPr sz="1200" dirty="0">
+                  <a:latin typeface="Economica"/>
+                  <a:ea typeface="Economica"/>
+                  <a:cs typeface="Economica"/>
+                  <a:sym typeface="Economica"/>
+                </a:endParaRPr>
+              </a:p>
+              <a:p>
+                <a:pPr algn="ctr">
+                  <a:buClr>
+                    <a:srgbClr val="FFFFFF"/>
+                  </a:buClr>
+                </a:pPr>
+                <a:r>
+                  <a:rPr lang="en" sz="1733" dirty="0">
+                    <a:solidFill>
+                      <a:srgbClr val="FFFFFF"/>
+                    </a:solidFill>
+                    <a:latin typeface="Economica"/>
+                    <a:ea typeface="Economica"/>
+                    <a:cs typeface="Economica"/>
+                    <a:sym typeface="Economica"/>
+                  </a:rPr>
+                  <a:t>to</a:t>
+                </a:r>
+                <a:endParaRPr sz="1200" dirty="0">
+                  <a:latin typeface="Economica"/>
+                  <a:ea typeface="Economica"/>
+                  <a:cs typeface="Economica"/>
+                  <a:sym typeface="Economica"/>
+                </a:endParaRPr>
+              </a:p>
+              <a:p>
+                <a:pPr algn="ctr">
+                  <a:buClr>
+                    <a:srgbClr val="FFFFFF"/>
+                  </a:buClr>
+                </a:pPr>
+                <a:r>
+                  <a:rPr lang="en" sz="1733" dirty="0">
+                    <a:solidFill>
+                      <a:srgbClr val="FFFFFF"/>
+                    </a:solidFill>
+                    <a:latin typeface="Economica"/>
+                    <a:ea typeface="Economica"/>
+                    <a:cs typeface="Economica"/>
+                    <a:sym typeface="Economica"/>
+                  </a:rPr>
+                  <a:t>genome</a:t>
+                </a:r>
+                <a:endParaRPr sz="1200" dirty="0">
+                  <a:latin typeface="Economica"/>
+                  <a:ea typeface="Economica"/>
+                  <a:cs typeface="Economica"/>
+                  <a:sym typeface="Economica"/>
+                </a:endParaRPr>
+              </a:p>
+            </p:txBody>
+          </p:sp>
+          <p:sp>
+            <p:nvSpPr>
+              <p:cNvPr id="210" name="Google Shape;210;p43"/>
+              <p:cNvSpPr/>
+              <p:nvPr/>
+            </p:nvSpPr>
+            <p:spPr>
+              <a:xfrm>
+                <a:off x="5167312" y="3027164"/>
+                <a:ext cx="1071600" cy="803600"/>
+              </a:xfrm>
+              <a:prstGeom prst="rect">
+                <a:avLst/>
+              </a:prstGeom>
+              <a:solidFill>
+                <a:srgbClr val="AAAAAA"/>
+              </a:solidFill>
+              <a:ln w="25400" cap="flat" cmpd="sng">
+                <a:solidFill>
+                  <a:srgbClr val="000000"/>
+                </a:solidFill>
+                <a:prstDash val="solid"/>
+                <a:miter lim="8000"/>
+                <a:headEnd type="none" w="sm" len="sm"/>
+                <a:tailEnd type="none" w="sm" len="sm"/>
+              </a:ln>
+            </p:spPr>
+            <p:txBody>
+              <a:bodyPr spcFirstLastPara="1" wrap="square" lIns="43667" tIns="43667" rIns="43667" bIns="43667" anchor="ctr" anchorCtr="0">
+                <a:noAutofit/>
+              </a:bodyPr>
+              <a:lstStyle/>
+              <a:p>
+                <a:pPr algn="ctr">
+                  <a:buClr>
+                    <a:srgbClr val="000000"/>
+                  </a:buClr>
+                </a:pPr>
+                <a:r>
+                  <a:rPr lang="en" sz="1733">
+                    <a:solidFill>
+                      <a:srgbClr val="000000"/>
+                    </a:solidFill>
+                    <a:latin typeface="Economica"/>
+                    <a:ea typeface="Economica"/>
+                    <a:cs typeface="Economica"/>
+                    <a:sym typeface="Economica"/>
+                  </a:rPr>
+                  <a:t>Quality control</a:t>
+                </a:r>
+                <a:endParaRPr sz="1200">
+                  <a:latin typeface="Economica"/>
+                  <a:ea typeface="Economica"/>
+                  <a:cs typeface="Economica"/>
+                  <a:sym typeface="Economica"/>
+                </a:endParaRPr>
+              </a:p>
+            </p:txBody>
+          </p:sp>
+          <p:cxnSp>
+            <p:nvCxnSpPr>
+              <p:cNvPr id="211" name="Google Shape;211;p43"/>
+              <p:cNvCxnSpPr/>
+              <p:nvPr/>
+            </p:nvCxnSpPr>
+            <p:spPr>
+              <a:xfrm rot="10800000">
+                <a:off x="3131343" y="3429000"/>
+                <a:ext cx="286000" cy="0"/>
+              </a:xfrm>
+              <a:prstGeom prst="straightConnector1">
+                <a:avLst/>
+              </a:prstGeom>
+              <a:noFill/>
+              <a:ln w="38100" cap="flat" cmpd="sng">
+                <a:solidFill>
+                  <a:srgbClr val="000000"/>
+                </a:solidFill>
+                <a:prstDash val="solid"/>
+                <a:miter lim="8000"/>
+                <a:headEnd type="stealth" w="sm" len="sm"/>
+                <a:tailEnd type="none" w="sm" len="sm"/>
+              </a:ln>
+            </p:spPr>
+          </p:cxnSp>
+          <p:cxnSp>
+            <p:nvCxnSpPr>
+              <p:cNvPr id="212" name="Google Shape;212;p43"/>
+              <p:cNvCxnSpPr/>
+              <p:nvPr/>
+            </p:nvCxnSpPr>
+            <p:spPr>
+              <a:xfrm rot="10800000">
+                <a:off x="4750592" y="3429000"/>
+                <a:ext cx="286000" cy="0"/>
+              </a:xfrm>
+              <a:prstGeom prst="straightConnector1">
+                <a:avLst/>
+              </a:prstGeom>
+              <a:noFill/>
+              <a:ln w="38100" cap="flat" cmpd="sng">
+                <a:solidFill>
+                  <a:srgbClr val="000000"/>
+                </a:solidFill>
+                <a:prstDash val="solid"/>
+                <a:miter lim="8000"/>
+                <a:headEnd type="stealth" w="sm" len="sm"/>
+                <a:tailEnd type="none" w="sm" len="sm"/>
+              </a:ln>
+            </p:spPr>
+          </p:cxnSp>
+          <p:cxnSp>
+            <p:nvCxnSpPr>
+              <p:cNvPr id="213" name="Google Shape;213;p43"/>
+              <p:cNvCxnSpPr/>
+              <p:nvPr/>
+            </p:nvCxnSpPr>
+            <p:spPr>
+              <a:xfrm rot="10800000">
+                <a:off x="6381748" y="3420071"/>
+                <a:ext cx="286000" cy="0"/>
+              </a:xfrm>
+              <a:prstGeom prst="straightConnector1">
+                <a:avLst/>
+              </a:prstGeom>
+              <a:noFill/>
+              <a:ln w="38100" cap="flat" cmpd="sng">
+                <a:solidFill>
+                  <a:srgbClr val="000000"/>
+                </a:solidFill>
+                <a:prstDash val="solid"/>
+                <a:miter lim="8000"/>
+                <a:headEnd type="stealth" w="sm" len="sm"/>
+                <a:tailEnd type="none" w="sm" len="sm"/>
+              </a:ln>
+            </p:spPr>
+          </p:cxnSp>
+          <p:sp>
+            <p:nvSpPr>
+              <p:cNvPr id="214" name="Google Shape;214;p43"/>
+              <p:cNvSpPr/>
+              <p:nvPr/>
+            </p:nvSpPr>
+            <p:spPr>
+              <a:xfrm>
+                <a:off x="6917531" y="2268140"/>
+                <a:ext cx="2166800" cy="339200"/>
+              </a:xfrm>
+              <a:prstGeom prst="rect">
+                <a:avLst/>
+              </a:prstGeom>
+              <a:solidFill>
+                <a:srgbClr val="38761D"/>
+              </a:solidFill>
+              <a:ln w="25400" cap="flat" cmpd="sng">
+                <a:solidFill>
+                  <a:srgbClr val="000000"/>
+                </a:solidFill>
+                <a:prstDash val="solid"/>
+                <a:miter lim="8000"/>
+                <a:headEnd type="none" w="sm" len="sm"/>
+                <a:tailEnd type="none" w="sm" len="sm"/>
+              </a:ln>
+            </p:spPr>
+            <p:txBody>
+              <a:bodyPr spcFirstLastPara="1" wrap="square" lIns="43667" tIns="43667" rIns="43667" bIns="43667" anchor="ctr" anchorCtr="0">
+                <a:noAutofit/>
+              </a:bodyPr>
+              <a:lstStyle/>
+              <a:p>
+                <a:pPr algn="ctr">
+                  <a:buClr>
+                    <a:srgbClr val="FFFFFF"/>
+                  </a:buClr>
+                </a:pPr>
+                <a:r>
+                  <a:rPr lang="en" sz="2000">
+                    <a:solidFill>
+                      <a:srgbClr val="FFFFFF"/>
+                    </a:solidFill>
+                    <a:latin typeface="Economica"/>
+                    <a:ea typeface="Economica"/>
+                    <a:cs typeface="Economica"/>
+                    <a:sym typeface="Economica"/>
+                  </a:rPr>
+                  <a:t>Find peaks</a:t>
+                </a:r>
+                <a:endParaRPr sz="1200">
+                  <a:latin typeface="Economica"/>
+                  <a:ea typeface="Economica"/>
+                  <a:cs typeface="Economica"/>
+                  <a:sym typeface="Economica"/>
+                </a:endParaRPr>
+              </a:p>
+            </p:txBody>
+          </p:sp>
+          <p:sp>
+            <p:nvSpPr>
+              <p:cNvPr id="215" name="Google Shape;215;p43"/>
+              <p:cNvSpPr/>
+              <p:nvPr/>
+            </p:nvSpPr>
+            <p:spPr>
+              <a:xfrm>
+                <a:off x="6917531" y="2866429"/>
+                <a:ext cx="2166800" cy="642800"/>
+              </a:xfrm>
+              <a:prstGeom prst="rect">
+                <a:avLst/>
+              </a:prstGeom>
+              <a:solidFill>
+                <a:srgbClr val="38761D"/>
+              </a:solidFill>
+              <a:ln w="25400" cap="flat" cmpd="sng">
+                <a:solidFill>
+                  <a:srgbClr val="000000"/>
+                </a:solidFill>
+                <a:prstDash val="solid"/>
+                <a:miter lim="8000"/>
+                <a:headEnd type="none" w="sm" len="sm"/>
+                <a:tailEnd type="none" w="sm" len="sm"/>
+              </a:ln>
+            </p:spPr>
+            <p:txBody>
+              <a:bodyPr spcFirstLastPara="1" wrap="square" lIns="43667" tIns="43667" rIns="43667" bIns="43667" anchor="ctr" anchorCtr="0">
+                <a:noAutofit/>
+              </a:bodyPr>
+              <a:lstStyle/>
+              <a:p>
+                <a:pPr algn="ctr">
+                  <a:buClr>
+                    <a:srgbClr val="FFFFFF"/>
+                  </a:buClr>
+                </a:pPr>
+                <a:r>
+                  <a:rPr lang="en" sz="2000" dirty="0">
+                    <a:solidFill>
+                      <a:srgbClr val="FFFFFF"/>
+                    </a:solidFill>
+                    <a:latin typeface="Economica"/>
+                    <a:ea typeface="Economica"/>
+                    <a:cs typeface="Economica"/>
+                    <a:sym typeface="Economica"/>
+                  </a:rPr>
+                  <a:t>Quantify transcripts</a:t>
+                </a:r>
+                <a:endParaRPr sz="1200" dirty="0">
+                  <a:latin typeface="Economica"/>
+                  <a:ea typeface="Economica"/>
+                  <a:cs typeface="Economica"/>
+                  <a:sym typeface="Economica"/>
+                </a:endParaRPr>
+              </a:p>
+            </p:txBody>
+          </p:sp>
+          <p:sp>
+            <p:nvSpPr>
+              <p:cNvPr id="217" name="Google Shape;217;p43"/>
+              <p:cNvSpPr/>
+              <p:nvPr/>
+            </p:nvSpPr>
+            <p:spPr>
+              <a:xfrm>
+                <a:off x="6917531" y="5241727"/>
+                <a:ext cx="2166800" cy="339200"/>
+              </a:xfrm>
+              <a:prstGeom prst="rect">
+                <a:avLst/>
+              </a:prstGeom>
+              <a:solidFill>
+                <a:srgbClr val="38761D"/>
+              </a:solidFill>
+              <a:ln w="25400" cap="flat" cmpd="sng">
+                <a:solidFill>
+                  <a:srgbClr val="000000"/>
+                </a:solidFill>
+                <a:prstDash val="solid"/>
+                <a:miter lim="8000"/>
+                <a:headEnd type="none" w="sm" len="sm"/>
+                <a:tailEnd type="none" w="sm" len="sm"/>
+              </a:ln>
+            </p:spPr>
+            <p:txBody>
+              <a:bodyPr spcFirstLastPara="1" wrap="square" lIns="43667" tIns="43667" rIns="43667" bIns="43667" anchor="ctr" anchorCtr="0">
+                <a:noAutofit/>
+              </a:bodyPr>
+              <a:lstStyle/>
+              <a:p>
+                <a:pPr algn="ctr">
+                  <a:buClr>
+                    <a:srgbClr val="FFFFFF"/>
+                  </a:buClr>
+                </a:pPr>
+                <a:r>
+                  <a:rPr lang="en" sz="2000">
+                    <a:solidFill>
+                      <a:srgbClr val="FFFFFF"/>
+                    </a:solidFill>
+                    <a:latin typeface="Economica"/>
+                    <a:ea typeface="Economica"/>
+                    <a:cs typeface="Economica"/>
+                    <a:sym typeface="Economica"/>
+                  </a:rPr>
+                  <a:t>etc.</a:t>
+                </a:r>
+                <a:endParaRPr sz="1200">
+                  <a:latin typeface="Economica"/>
+                  <a:ea typeface="Economica"/>
+                  <a:cs typeface="Economica"/>
+                  <a:sym typeface="Economica"/>
+                </a:endParaRPr>
+              </a:p>
+            </p:txBody>
+          </p:sp>
+          <p:sp>
+            <p:nvSpPr>
+              <p:cNvPr id="218" name="Google Shape;218;p43"/>
+              <p:cNvSpPr/>
+              <p:nvPr/>
+            </p:nvSpPr>
+            <p:spPr>
+              <a:xfrm>
+                <a:off x="7868709" y="4329541"/>
+                <a:ext cx="266000" cy="842000"/>
+              </a:xfrm>
+              <a:prstGeom prst="rect">
+                <a:avLst/>
+              </a:prstGeom>
+              <a:noFill/>
+              <a:ln>
+                <a:noFill/>
+              </a:ln>
+            </p:spPr>
+            <p:txBody>
+              <a:bodyPr spcFirstLastPara="1" wrap="square" lIns="43667" tIns="43667" rIns="43667" bIns="43667" anchor="ctr" anchorCtr="0">
+                <a:noAutofit/>
+              </a:bodyPr>
+              <a:lstStyle/>
+              <a:p>
+                <a:pPr algn="ctr">
+                  <a:buClr>
+                    <a:srgbClr val="000000"/>
+                  </a:buClr>
+                </a:pPr>
+                <a:r>
+                  <a:rPr lang="en" sz="2000">
+                    <a:solidFill>
+                      <a:srgbClr val="000000"/>
+                    </a:solidFill>
+                    <a:latin typeface="Helvetica Neue"/>
+                    <a:ea typeface="Helvetica Neue"/>
+                    <a:cs typeface="Helvetica Neue"/>
+                    <a:sym typeface="Helvetica Neue"/>
+                  </a:rPr>
+                  <a:t>.</a:t>
+                </a:r>
+                <a:endParaRPr sz="1200"/>
+              </a:p>
+              <a:p>
+                <a:pPr algn="ctr">
+                  <a:buClr>
+                    <a:srgbClr val="000000"/>
+                  </a:buClr>
+                </a:pPr>
+                <a:r>
+                  <a:rPr lang="en" sz="2000">
+                    <a:solidFill>
+                      <a:srgbClr val="000000"/>
+                    </a:solidFill>
+                    <a:latin typeface="Helvetica Neue"/>
+                    <a:ea typeface="Helvetica Neue"/>
+                    <a:cs typeface="Helvetica Neue"/>
+                    <a:sym typeface="Helvetica Neue"/>
+                  </a:rPr>
+                  <a:t>.</a:t>
+                </a:r>
+                <a:endParaRPr sz="1200"/>
+              </a:p>
+              <a:p>
+                <a:pPr algn="ctr">
+                  <a:buClr>
+                    <a:srgbClr val="000000"/>
+                  </a:buClr>
+                </a:pPr>
+                <a:r>
+                  <a:rPr lang="en" sz="2000">
+                    <a:solidFill>
+                      <a:srgbClr val="000000"/>
+                    </a:solidFill>
+                    <a:latin typeface="Helvetica Neue"/>
+                    <a:ea typeface="Helvetica Neue"/>
+                    <a:cs typeface="Helvetica Neue"/>
+                    <a:sym typeface="Helvetica Neue"/>
+                  </a:rPr>
+                  <a:t>.</a:t>
+                </a:r>
+                <a:endParaRPr sz="1200"/>
+              </a:p>
+            </p:txBody>
+          </p:sp>
+          <p:cxnSp>
+            <p:nvCxnSpPr>
+              <p:cNvPr id="219" name="Google Shape;219;p43"/>
+              <p:cNvCxnSpPr/>
+              <p:nvPr/>
+            </p:nvCxnSpPr>
+            <p:spPr>
+              <a:xfrm rot="10800000">
+                <a:off x="9334499" y="3429000"/>
+                <a:ext cx="286000" cy="0"/>
+              </a:xfrm>
+              <a:prstGeom prst="straightConnector1">
+                <a:avLst/>
+              </a:prstGeom>
+              <a:noFill/>
+              <a:ln w="38100" cap="flat" cmpd="sng">
+                <a:solidFill>
+                  <a:srgbClr val="000000"/>
+                </a:solidFill>
+                <a:prstDash val="solid"/>
+                <a:miter lim="8000"/>
+                <a:headEnd type="stealth" w="sm" len="sm"/>
+                <a:tailEnd type="none" w="sm" len="sm"/>
+              </a:ln>
+            </p:spPr>
+          </p:cxnSp>
+          <p:cxnSp>
+            <p:nvCxnSpPr>
+              <p:cNvPr id="220" name="Google Shape;220;p43"/>
+              <p:cNvCxnSpPr/>
+              <p:nvPr/>
+            </p:nvCxnSpPr>
+            <p:spPr>
+              <a:xfrm>
+                <a:off x="333375" y="6161484"/>
+                <a:ext cx="4393600" cy="0"/>
+              </a:xfrm>
+              <a:prstGeom prst="straightConnector1">
+                <a:avLst/>
+              </a:prstGeom>
+              <a:noFill/>
+              <a:ln w="38100" cap="flat" cmpd="sng">
+                <a:solidFill>
+                  <a:srgbClr val="000000"/>
+                </a:solidFill>
+                <a:prstDash val="solid"/>
+                <a:miter lim="8000"/>
+                <a:headEnd type="triangle" w="sm" len="sm"/>
+                <a:tailEnd type="triangle" w="sm" len="sm"/>
+              </a:ln>
+            </p:spPr>
+          </p:cxnSp>
+          <p:sp>
+            <p:nvSpPr>
+              <p:cNvPr id="221" name="Google Shape;221;p43"/>
+              <p:cNvSpPr/>
+              <p:nvPr/>
+            </p:nvSpPr>
+            <p:spPr>
+              <a:xfrm>
+                <a:off x="1896440" y="6254407"/>
+                <a:ext cx="1280800" cy="367600"/>
+              </a:xfrm>
+              <a:prstGeom prst="rect">
+                <a:avLst/>
+              </a:prstGeom>
+              <a:noFill/>
+              <a:ln>
+                <a:noFill/>
+              </a:ln>
+            </p:spPr>
+            <p:txBody>
+              <a:bodyPr spcFirstLastPara="1" wrap="square" lIns="43667" tIns="43667" rIns="43667" bIns="43667" anchor="ctr" anchorCtr="0">
+                <a:noAutofit/>
+              </a:bodyPr>
+              <a:lstStyle/>
+              <a:p>
+                <a:pPr algn="ctr">
+                  <a:buClr>
+                    <a:srgbClr val="000000"/>
+                  </a:buClr>
+                </a:pPr>
+                <a:r>
+                  <a:rPr lang="en" sz="2400" dirty="0">
+                    <a:solidFill>
+                      <a:srgbClr val="000000"/>
+                    </a:solidFill>
+                    <a:latin typeface="Economica"/>
+                    <a:ea typeface="Economica"/>
+                    <a:cs typeface="Economica"/>
+                    <a:sym typeface="Economica"/>
+                  </a:rPr>
+                  <a:t>Phase 0</a:t>
+                </a:r>
+                <a:endParaRPr sz="1200" dirty="0">
+                  <a:latin typeface="Economica"/>
+                  <a:ea typeface="Economica"/>
+                  <a:cs typeface="Economica"/>
+                  <a:sym typeface="Economica"/>
+                </a:endParaRPr>
+              </a:p>
+            </p:txBody>
+          </p:sp>
+          <p:cxnSp>
+            <p:nvCxnSpPr>
+              <p:cNvPr id="222" name="Google Shape;222;p43"/>
+              <p:cNvCxnSpPr/>
+              <p:nvPr/>
+            </p:nvCxnSpPr>
+            <p:spPr>
+              <a:xfrm>
+                <a:off x="4929188" y="6170415"/>
+                <a:ext cx="4393600" cy="0"/>
+              </a:xfrm>
+              <a:prstGeom prst="straightConnector1">
+                <a:avLst/>
+              </a:prstGeom>
+              <a:noFill/>
+              <a:ln w="38100" cap="flat" cmpd="sng">
+                <a:solidFill>
+                  <a:srgbClr val="000000"/>
+                </a:solidFill>
+                <a:prstDash val="solid"/>
+                <a:miter lim="8000"/>
+                <a:headEnd type="triangle" w="sm" len="sm"/>
+                <a:tailEnd type="triangle" w="sm" len="sm"/>
+              </a:ln>
+            </p:spPr>
+          </p:cxnSp>
+          <p:sp>
+            <p:nvSpPr>
+              <p:cNvPr id="223" name="Google Shape;223;p43"/>
+              <p:cNvSpPr/>
+              <p:nvPr/>
+            </p:nvSpPr>
+            <p:spPr>
+              <a:xfrm>
+                <a:off x="6530959" y="6254407"/>
+                <a:ext cx="1188000" cy="367600"/>
+              </a:xfrm>
+              <a:prstGeom prst="rect">
+                <a:avLst/>
+              </a:prstGeom>
+              <a:noFill/>
+              <a:ln>
+                <a:noFill/>
+              </a:ln>
+            </p:spPr>
+            <p:txBody>
+              <a:bodyPr spcFirstLastPara="1" wrap="square" lIns="43667" tIns="43667" rIns="43667" bIns="43667" anchor="ctr" anchorCtr="0">
+                <a:noAutofit/>
+              </a:bodyPr>
+              <a:lstStyle/>
+              <a:p>
+                <a:pPr algn="ctr">
+                  <a:buClr>
+                    <a:srgbClr val="000000"/>
+                  </a:buClr>
+                </a:pPr>
+                <a:r>
+                  <a:rPr lang="en" sz="2400">
+                    <a:solidFill>
+                      <a:srgbClr val="000000"/>
+                    </a:solidFill>
+                    <a:latin typeface="Economica"/>
+                    <a:ea typeface="Economica"/>
+                    <a:cs typeface="Economica"/>
+                    <a:sym typeface="Economica"/>
+                  </a:rPr>
+                  <a:t>Phase1</a:t>
+                </a:r>
+                <a:endParaRPr sz="1200">
+                  <a:latin typeface="Economica"/>
+                  <a:ea typeface="Economica"/>
+                  <a:cs typeface="Economica"/>
+                  <a:sym typeface="Economica"/>
+                </a:endParaRPr>
+              </a:p>
+            </p:txBody>
+          </p:sp>
+          <p:sp>
+            <p:nvSpPr>
+              <p:cNvPr id="224" name="Google Shape;224;p43"/>
+              <p:cNvSpPr/>
+              <p:nvPr/>
+            </p:nvSpPr>
+            <p:spPr>
+              <a:xfrm>
+                <a:off x="9659184" y="6254407"/>
+                <a:ext cx="1960000" cy="367600"/>
+              </a:xfrm>
+              <a:prstGeom prst="rect">
+                <a:avLst/>
+              </a:prstGeom>
+              <a:noFill/>
+              <a:ln>
+                <a:noFill/>
+              </a:ln>
+            </p:spPr>
+            <p:txBody>
+              <a:bodyPr spcFirstLastPara="1" wrap="square" lIns="43667" tIns="43667" rIns="43667" bIns="43667" anchor="ctr" anchorCtr="0">
+                <a:noAutofit/>
+              </a:bodyPr>
+              <a:lstStyle/>
+              <a:p>
+                <a:pPr algn="ctr">
+                  <a:buClr>
+                    <a:srgbClr val="000000"/>
+                  </a:buClr>
+                </a:pPr>
+                <a:r>
+                  <a:rPr lang="en" sz="2400" dirty="0">
+                    <a:solidFill>
+                      <a:srgbClr val="000000"/>
+                    </a:solidFill>
+                    <a:latin typeface="Economica"/>
+                    <a:ea typeface="Economica"/>
+                    <a:cs typeface="Economica"/>
+                    <a:sym typeface="Economica"/>
+                  </a:rPr>
+                  <a:t>Phase 2-100</a:t>
+                </a:r>
+                <a:endParaRPr sz="1200" dirty="0">
+                  <a:latin typeface="Economica"/>
+                  <a:ea typeface="Economica"/>
+                  <a:cs typeface="Economica"/>
+                  <a:sym typeface="Economica"/>
+                </a:endParaRPr>
+              </a:p>
+            </p:txBody>
+          </p:sp>
+          <p:cxnSp>
+            <p:nvCxnSpPr>
+              <p:cNvPr id="225" name="Google Shape;225;p43"/>
+              <p:cNvCxnSpPr/>
+              <p:nvPr/>
+            </p:nvCxnSpPr>
+            <p:spPr>
+              <a:xfrm>
+                <a:off x="9715419" y="6170415"/>
+                <a:ext cx="1857600" cy="0"/>
+              </a:xfrm>
+              <a:prstGeom prst="straightConnector1">
+                <a:avLst/>
+              </a:prstGeom>
+              <a:noFill/>
+              <a:ln w="38100" cap="flat" cmpd="sng">
+                <a:solidFill>
+                  <a:srgbClr val="000000"/>
+                </a:solidFill>
+                <a:prstDash val="solid"/>
+                <a:miter lim="8000"/>
+                <a:headEnd type="triangle" w="sm" len="sm"/>
+                <a:tailEnd type="triangle" w="sm" len="sm"/>
+              </a:ln>
+            </p:spPr>
+          </p:cxnSp>
+          <p:pic>
+            <p:nvPicPr>
+              <p:cNvPr id="226" name="Google Shape;226;p43"/>
+              <p:cNvPicPr preferRelativeResize="0"/>
+              <p:nvPr/>
+            </p:nvPicPr>
+            <p:blipFill rotWithShape="1">
+              <a:blip r:embed="rId4">
+                <a:alphaModFix/>
+              </a:blip>
+              <a:srcRect/>
+              <a:stretch/>
+            </p:blipFill>
+            <p:spPr>
+              <a:xfrm>
+                <a:off x="9782968" y="2875360"/>
+                <a:ext cx="1968400" cy="1107200"/>
+              </a:xfrm>
+              <a:prstGeom prst="rect">
+                <a:avLst/>
+              </a:prstGeom>
+              <a:noFill/>
+              <a:ln>
+                <a:noFill/>
+              </a:ln>
+            </p:spPr>
+          </p:pic>
+          <p:sp>
+            <p:nvSpPr>
+              <p:cNvPr id="227" name="Google Shape;227;p43"/>
+              <p:cNvSpPr/>
+              <p:nvPr/>
+            </p:nvSpPr>
+            <p:spPr>
+              <a:xfrm>
+                <a:off x="9359040" y="4129141"/>
+                <a:ext cx="2833600" cy="975200"/>
+              </a:xfrm>
+              <a:prstGeom prst="rect">
+                <a:avLst/>
+              </a:prstGeom>
+              <a:noFill/>
+              <a:ln>
+                <a:noFill/>
+              </a:ln>
+            </p:spPr>
+            <p:txBody>
+              <a:bodyPr spcFirstLastPara="1" wrap="square" lIns="43667" tIns="43667" rIns="43667" bIns="43667" anchor="ctr" anchorCtr="0">
+                <a:noAutofit/>
+              </a:bodyPr>
+              <a:lstStyle/>
+              <a:p>
+                <a:pPr algn="ctr">
+                  <a:buClr>
+                    <a:srgbClr val="000000"/>
+                  </a:buClr>
+                </a:pPr>
+                <a:r>
+                  <a:rPr lang="en" sz="2400" dirty="0">
+                    <a:solidFill>
+                      <a:srgbClr val="000000"/>
+                    </a:solidFill>
+                    <a:latin typeface="Economica"/>
+                    <a:ea typeface="Economica"/>
+                    <a:cs typeface="Economica"/>
+                    <a:sym typeface="Economica"/>
+                  </a:rPr>
+                  <a:t>Analysis,</a:t>
+                </a:r>
+                <a:endParaRPr sz="1200" dirty="0">
+                  <a:latin typeface="Economica"/>
+                  <a:ea typeface="Economica"/>
+                  <a:cs typeface="Economica"/>
+                  <a:sym typeface="Economica"/>
+                </a:endParaRPr>
+              </a:p>
+              <a:p>
+                <a:pPr algn="ctr">
+                  <a:buClr>
+                    <a:srgbClr val="000000"/>
+                  </a:buClr>
+                </a:pPr>
+                <a:r>
+                  <a:rPr lang="en" sz="2400" dirty="0">
+                    <a:solidFill>
+                      <a:srgbClr val="000000"/>
+                    </a:solidFill>
+                    <a:latin typeface="Economica"/>
+                    <a:ea typeface="Economica"/>
+                    <a:cs typeface="Economica"/>
+                    <a:sym typeface="Economica"/>
+                  </a:rPr>
+                  <a:t>Interpretation,</a:t>
+                </a:r>
+                <a:endParaRPr sz="1200" dirty="0">
+                  <a:latin typeface="Economica"/>
+                  <a:ea typeface="Economica"/>
+                  <a:cs typeface="Economica"/>
+                  <a:sym typeface="Economica"/>
+                </a:endParaRPr>
+              </a:p>
+              <a:p>
+                <a:pPr algn="ctr">
+                  <a:buClr>
+                    <a:srgbClr val="000000"/>
+                  </a:buClr>
+                </a:pPr>
+                <a:r>
+                  <a:rPr lang="en" sz="2400" dirty="0">
+                    <a:solidFill>
+                      <a:srgbClr val="000000"/>
+                    </a:solidFill>
+                    <a:latin typeface="Economica"/>
+                    <a:ea typeface="Economica"/>
+                    <a:cs typeface="Economica"/>
+                    <a:sym typeface="Economica"/>
+                  </a:rPr>
+                  <a:t>Discovery</a:t>
+                </a:r>
+                <a:endParaRPr sz="1200" dirty="0">
+                  <a:latin typeface="Economica"/>
+                  <a:ea typeface="Economica"/>
+                  <a:cs typeface="Economica"/>
+                  <a:sym typeface="Economica"/>
+                </a:endParaRPr>
+              </a:p>
+            </p:txBody>
+          </p:sp>
+          <p:pic>
+            <p:nvPicPr>
+              <p:cNvPr id="228" name="Google Shape;228;p43"/>
+              <p:cNvPicPr preferRelativeResize="0"/>
+              <p:nvPr/>
+            </p:nvPicPr>
+            <p:blipFill rotWithShape="1">
+              <a:blip r:embed="rId5">
+                <a:alphaModFix/>
+              </a:blip>
+              <a:srcRect/>
+              <a:stretch/>
+            </p:blipFill>
+            <p:spPr>
+              <a:xfrm>
+                <a:off x="10507663" y="5259585"/>
+                <a:ext cx="553600" cy="553600"/>
+              </a:xfrm>
+              <a:prstGeom prst="rect">
+                <a:avLst/>
+              </a:prstGeom>
+              <a:noFill/>
+              <a:ln>
+                <a:noFill/>
+              </a:ln>
+            </p:spPr>
+          </p:pic>
+        </p:grpSp>
+      </p:grpSp>
+      <p:sp>
+        <p:nvSpPr>
+          <p:cNvPr id="26" name="TextBox 25">
+            <a:extLst>
+              <a:ext uri="{FF2B5EF4-FFF2-40B4-BE49-F238E27FC236}">
+                <a16:creationId xmlns:a16="http://schemas.microsoft.com/office/drawing/2014/main" id="{35A20711-154B-7246-AC36-B9B9C6EB06B9}"/>
+              </a:ext>
+            </a:extLst>
+          </p:cNvPr>
+          <p:cNvSpPr txBox="1"/>
+          <p:nvPr/>
+        </p:nvSpPr>
+        <p:spPr>
+          <a:xfrm>
+            <a:off x="1251236" y="6544565"/>
+            <a:ext cx="5994400" cy="276999"/>
+          </a:xfrm>
+          <a:prstGeom prst="rect">
+            <a:avLst/>
+          </a:prstGeom>
+          <a:noFill/>
+        </p:spPr>
+        <p:txBody>
+          <a:bodyPr wrap="square" rtlCol="0">
+            <a:spAutoFit/>
+          </a:bodyPr>
+          <a:lstStyle/>
+          <a:p>
+            <a:r>
+              <a:rPr lang="en-US" sz="1200" dirty="0"/>
+              <a:t>Slide courtesy of Andrew Farrell, Obi and Malachi Griffith</a:t>
+            </a:r>
+          </a:p>
+        </p:txBody>
+      </p:sp>
+    </p:spTree>
+    <p:extLst>
+      <p:ext uri="{BB962C8B-B14F-4D97-AF65-F5344CB8AC3E}">
+        <p14:creationId xmlns:p14="http://schemas.microsoft.com/office/powerpoint/2010/main" val="1182418443"/>
+      </p:ext>
+    </p:extLst>
+  </p:cSld>
+  <p:clrMapOvr>
+    <a:masterClrMapping/>
+  </p:clrMapOvr>
+  <p:transition spd="med"/>
+</p:sld>
+</file>
+
+<file path=ppt/slides/slide3.xml><?xml version="1.0" encoding="utf-8"?>
 <p:sld xmlns:a="http://schemas.openxmlformats.org/drawingml/2006/main" xmlns:r="http://schemas.openxmlformats.org/officeDocument/2006/relationships" xmlns:p="http://schemas.openxmlformats.org/presentationml/2006/main">
   <p:cSld>
     <p:spTree>
@@ -8487,7 +10392,7 @@
 </p:sld>
 </file>
 
-<file path=ppt/slides/slide3.xml><?xml version="1.0" encoding="utf-8"?>
+<file path=ppt/slides/slide4.xml><?xml version="1.0" encoding="utf-8"?>
 <p:sld xmlns:a="http://schemas.openxmlformats.org/drawingml/2006/main" xmlns:r="http://schemas.openxmlformats.org/officeDocument/2006/relationships" xmlns:p="http://schemas.openxmlformats.org/presentationml/2006/main">
   <p:cSld>
     <p:spTree>
@@ -8629,6 +10534,19 @@
                 <a:ea typeface="ＭＳ Ｐゴシック" charset="0"/>
                 <a:cs typeface="Calibri" panose="020F0502020204030204" pitchFamily="34" charset="0"/>
               </a:rPr>
+              <a:t>Align to a transcriptome or align to a genome? </a:t>
+            </a:r>
+          </a:p>
+          <a:p>
+            <a:pPr lvl="2">
+              <a:defRPr/>
+            </a:pPr>
+            <a:r>
+              <a:rPr lang="en-US" dirty="0">
+                <a:latin typeface="Calibri" panose="020F0502020204030204" pitchFamily="34" charset="0"/>
+                <a:ea typeface="ＭＳ Ｐゴシック" charset="0"/>
+                <a:cs typeface="Calibri" panose="020F0502020204030204" pitchFamily="34" charset="0"/>
+              </a:rPr>
               <a:t>Spliced vs. unspliced alignments</a:t>
             </a:r>
           </a:p>
@@ -8665,7 +10583,7 @@
                 <a:ea typeface="ＭＳ Ｐゴシック" charset="0"/>
                 <a:cs typeface="Calibri" panose="020F0502020204030204" pitchFamily="34" charset="0"/>
               </a:rPr>
-              <a:t>Unfortunately probably not</a:t>
+              <a:t>Unfortunately, probably not</a:t>
             </a:r>
           </a:p>
         </p:txBody>
@@ -8683,7 +10601,7 @@
 </p:sld>
 </file>
 
-<file path=ppt/slides/slide4.xml><?xml version="1.0" encoding="utf-8"?>
+<file path=ppt/slides/slide5.xml><?xml version="1.0" encoding="utf-8"?>
 <p:sld xmlns:a="http://schemas.openxmlformats.org/drawingml/2006/main" xmlns:r="http://schemas.openxmlformats.org/officeDocument/2006/relationships" xmlns:p="http://schemas.openxmlformats.org/presentationml/2006/main">
   <p:cSld>
     <p:spTree>
@@ -8809,14 +10727,14 @@
           </a:ln>
           <a:extLst>
             <a:ext uri="{909E8E84-426E-40dd-AFC4-6F175D3DCCD1}">
-              <a14:hiddenFill xmlns:a14="http://schemas.microsoft.com/office/drawing/2010/main" xmlns="">
+              <a14:hiddenFill xmlns="" xmlns:a14="http://schemas.microsoft.com/office/drawing/2010/main">
                 <a:solidFill>
                   <a:srgbClr val="FFFFFF"/>
                 </a:solidFill>
               </a14:hiddenFill>
             </a:ext>
             <a:ext uri="{91240B29-F687-4f45-9708-019B960494DF}">
-              <a14:hiddenLine xmlns:a14="http://schemas.microsoft.com/office/drawing/2010/main" xmlns="" w="9525">
+              <a14:hiddenLine xmlns="" xmlns:a14="http://schemas.microsoft.com/office/drawing/2010/main" w="9525">
                 <a:solidFill>
                   <a:srgbClr val="000000"/>
                 </a:solidFill>
@@ -8826,7 +10744,7 @@
               </a14:hiddenLine>
             </a:ext>
             <a:ext uri="{FAA26D3D-D897-4be2-8F04-BA451C77F1D7}">
-              <ma14:placeholderFlag xmlns:ma14="http://schemas.microsoft.com/office/mac/drawingml/2011/main" xmlns="" val="1"/>
+              <ma14:placeholderFlag xmlns="" xmlns:ma14="http://schemas.microsoft.com/office/mac/drawingml/2011/main" val="1"/>
             </a:ext>
           </a:extLst>
         </p:spPr>
@@ -8866,14 +10784,14 @@
           </a:ln>
           <a:extLst>
             <a:ext uri="{909E8E84-426E-40dd-AFC4-6F175D3DCCD1}">
-              <a14:hiddenFill xmlns:a14="http://schemas.microsoft.com/office/drawing/2010/main" xmlns="">
+              <a14:hiddenFill xmlns="" xmlns:a14="http://schemas.microsoft.com/office/drawing/2010/main">
                 <a:solidFill>
                   <a:srgbClr val="FFFFFF"/>
                 </a:solidFill>
               </a14:hiddenFill>
             </a:ext>
             <a:ext uri="{91240B29-F687-4f45-9708-019B960494DF}">
-              <a14:hiddenLine xmlns:a14="http://schemas.microsoft.com/office/drawing/2010/main" xmlns="" w="9525">
+              <a14:hiddenLine xmlns="" xmlns:a14="http://schemas.microsoft.com/office/drawing/2010/main" w="9525">
                 <a:solidFill>
                   <a:srgbClr val="000000"/>
                 </a:solidFill>
@@ -8883,7 +10801,7 @@
               </a14:hiddenLine>
             </a:ext>
             <a:ext uri="{FAA26D3D-D897-4be2-8F04-BA451C77F1D7}">
-              <ma14:placeholderFlag xmlns:ma14="http://schemas.microsoft.com/office/mac/drawingml/2011/main" xmlns="" val="1"/>
+              <ma14:placeholderFlag xmlns="" xmlns:ma14="http://schemas.microsoft.com/office/mac/drawingml/2011/main" val="1"/>
             </a:ext>
           </a:extLst>
         </p:spPr>
@@ -8910,14 +10828,14 @@
           </a:ln>
           <a:extLst>
             <a:ext uri="{909E8E84-426E-40dd-AFC4-6F175D3DCCD1}">
-              <a14:hiddenFill xmlns:a14="http://schemas.microsoft.com/office/drawing/2010/main" xmlns="">
+              <a14:hiddenFill xmlns="" xmlns:a14="http://schemas.microsoft.com/office/drawing/2010/main">
                 <a:solidFill>
                   <a:srgbClr val="FFFFFF"/>
                 </a:solidFill>
               </a14:hiddenFill>
             </a:ext>
             <a:ext uri="{91240B29-F687-4f45-9708-019B960494DF}">
-              <a14:hiddenLine xmlns:a14="http://schemas.microsoft.com/office/drawing/2010/main" xmlns="" w="9525">
+              <a14:hiddenLine xmlns="" xmlns:a14="http://schemas.microsoft.com/office/drawing/2010/main" w="9525">
                 <a:solidFill>
                   <a:srgbClr val="000000"/>
                 </a:solidFill>
@@ -9059,7 +10977,7 @@
               <a:defRPr/>
             </a:pPr>
             <a:r>
-              <a:rPr kumimoji="0" lang="en-US" sz="1200" b="0" i="0" u="none" strike="noStrike" kern="1200" cap="none" spc="0" normalizeH="0" baseline="0" noProof="0">
+              <a:rPr kumimoji="0" lang="en-US" sz="1200" b="0" i="0" u="none" strike="noStrike" kern="1200" cap="none" spc="0" normalizeH="0" baseline="0" noProof="0" dirty="0">
                 <a:ln>
                   <a:noFill/>
                 </a:ln>
@@ -9072,7 +10990,71 @@
                 <a:latin typeface="Arial" charset="0"/>
                 <a:ea typeface="ＭＳ Ｐゴシック" charset="0"/>
               </a:rPr>
-              <a:t>Diagrams from Cloonan &amp; Grimmond, Nature Methods 2010</a:t>
+              <a:t>Diagrams from </a:t>
+            </a:r>
+            <a:r>
+              <a:rPr kumimoji="0" lang="en-US" sz="1200" b="0" i="0" u="none" strike="noStrike" kern="1200" cap="none" spc="0" normalizeH="0" baseline="0" noProof="0" dirty="0" err="1">
+                <a:ln>
+                  <a:noFill/>
+                </a:ln>
+                <a:solidFill>
+                  <a:prstClr val="black"/>
+                </a:solidFill>
+                <a:effectLst/>
+                <a:uLnTx/>
+                <a:uFillTx/>
+                <a:latin typeface="Arial" charset="0"/>
+                <a:ea typeface="ＭＳ Ｐゴシック" charset="0"/>
+              </a:rPr>
+              <a:t>Cloonan</a:t>
+            </a:r>
+            <a:r>
+              <a:rPr kumimoji="0" lang="en-US" sz="1200" b="0" i="0" u="none" strike="noStrike" kern="1200" cap="none" spc="0" normalizeH="0" baseline="0" noProof="0" dirty="0">
+                <a:ln>
+                  <a:noFill/>
+                </a:ln>
+                <a:solidFill>
+                  <a:prstClr val="black"/>
+                </a:solidFill>
+                <a:effectLst/>
+                <a:uLnTx/>
+                <a:uFillTx/>
+                <a:latin typeface="Arial" charset="0"/>
+                <a:ea typeface="ＭＳ Ｐゴシック" charset="0"/>
+              </a:rPr>
+              <a:t> &amp; </a:t>
+            </a:r>
+            <a:r>
+              <a:rPr kumimoji="0" lang="en-US" sz="1200" b="0" i="0" u="none" strike="noStrike" kern="1200" cap="none" spc="0" normalizeH="0" baseline="0" noProof="0" dirty="0" err="1">
+                <a:ln>
+                  <a:noFill/>
+                </a:ln>
+                <a:solidFill>
+                  <a:prstClr val="black"/>
+                </a:solidFill>
+                <a:effectLst/>
+                <a:uLnTx/>
+                <a:uFillTx/>
+                <a:latin typeface="Arial" charset="0"/>
+                <a:ea typeface="ＭＳ Ｐゴシック" charset="0"/>
+              </a:rPr>
+              <a:t>Grimmond</a:t>
+            </a:r>
+            <a:r>
+              <a:rPr kumimoji="0" lang="en-US" sz="1200" b="0" i="0" u="none" strike="noStrike" kern="1200" cap="none" spc="0" normalizeH="0" baseline="0" noProof="0" dirty="0">
+                <a:ln>
+                  <a:noFill/>
+                </a:ln>
+                <a:solidFill>
+                  <a:prstClr val="black"/>
+                </a:solidFill>
+                <a:effectLst/>
+                <a:uLnTx/>
+                <a:uFillTx/>
+                <a:latin typeface="Arial" charset="0"/>
+                <a:ea typeface="ＭＳ Ｐゴシック" charset="0"/>
+              </a:rPr>
+              <a:t>, Nature Methods 2010</a:t>
             </a:r>
           </a:p>
         </p:txBody>
@@ -9099,14 +11081,14 @@
           </a:ln>
           <a:extLst>
             <a:ext uri="{909E8E84-426E-40dd-AFC4-6F175D3DCCD1}">
-              <a14:hiddenFill xmlns:a14="http://schemas.microsoft.com/office/drawing/2010/main" xmlns="">
+              <a14:hiddenFill xmlns="" xmlns:a14="http://schemas.microsoft.com/office/drawing/2010/main">
                 <a:solidFill>
                   <a:srgbClr val="FFFFFF"/>
                 </a:solidFill>
               </a14:hiddenFill>
             </a:ext>
             <a:ext uri="{91240B29-F687-4f45-9708-019B960494DF}">
-              <a14:hiddenLine xmlns:a14="http://schemas.microsoft.com/office/drawing/2010/main" xmlns="" w="9525">
+              <a14:hiddenLine xmlns="" xmlns:a14="http://schemas.microsoft.com/office/drawing/2010/main" w="9525">
                 <a:solidFill>
                   <a:srgbClr val="000000"/>
                 </a:solidFill>
@@ -9288,14 +11270,14 @@
           </a:ln>
           <a:extLst>
             <a:ext uri="{909E8E84-426E-40dd-AFC4-6F175D3DCCD1}">
-              <a14:hiddenFill xmlns:a14="http://schemas.microsoft.com/office/drawing/2010/main" xmlns="">
+              <a14:hiddenFill xmlns="" xmlns:a14="http://schemas.microsoft.com/office/drawing/2010/main">
                 <a:solidFill>
                   <a:srgbClr val="FFFFFF"/>
                 </a:solidFill>
               </a14:hiddenFill>
             </a:ext>
             <a:ext uri="{91240B29-F687-4f45-9708-019B960494DF}">
-              <a14:hiddenLine xmlns:a14="http://schemas.microsoft.com/office/drawing/2010/main" xmlns="" w="9525">
+              <a14:hiddenLine xmlns="" xmlns:a14="http://schemas.microsoft.com/office/drawing/2010/main" w="9525">
                 <a:solidFill>
                   <a:srgbClr val="000000"/>
                 </a:solidFill>
@@ -9477,14 +11459,14 @@
           </a:ln>
           <a:extLst>
             <a:ext uri="{909E8E84-426E-40dd-AFC4-6F175D3DCCD1}">
-              <a14:hiddenFill xmlns:a14="http://schemas.microsoft.com/office/drawing/2010/main" xmlns="">
+              <a14:hiddenFill xmlns="" xmlns:a14="http://schemas.microsoft.com/office/drawing/2010/main">
                 <a:solidFill>
                   <a:srgbClr val="FFFFFF"/>
                 </a:solidFill>
               </a14:hiddenFill>
             </a:ext>
             <a:ext uri="{91240B29-F687-4f45-9708-019B960494DF}">
-              <a14:hiddenLine xmlns:a14="http://schemas.microsoft.com/office/drawing/2010/main" xmlns="" w="9525">
+              <a14:hiddenLine xmlns="" xmlns:a14="http://schemas.microsoft.com/office/drawing/2010/main" w="9525">
                 <a:solidFill>
                   <a:srgbClr val="000000"/>
                 </a:solidFill>
@@ -9657,7 +11639,7 @@
 </p:sld>
 </file>
 
-<file path=ppt/slides/slide5.xml><?xml version="1.0" encoding="utf-8"?>
+<file path=ppt/slides/slide6.xml><?xml version="1.0" encoding="utf-8"?>
 <p:sld xmlns:a="http://schemas.openxmlformats.org/drawingml/2006/main" xmlns:r="http://schemas.openxmlformats.org/officeDocument/2006/relationships" xmlns:p="http://schemas.openxmlformats.org/presentationml/2006/main">
   <p:cSld>
     <p:spTree>
@@ -9716,13 +11698,13 @@
         </p:nvSpPr>
         <p:spPr>
           <a:xfrm>
-            <a:off x="374753" y="1070118"/>
+            <a:off x="238829" y="860053"/>
             <a:ext cx="11422505" cy="5427662"/>
           </a:xfrm>
         </p:spPr>
         <p:txBody>
           <a:bodyPr>
-            <a:normAutofit fontScale="92500" lnSpcReduction="20000"/>
+            <a:normAutofit fontScale="77500" lnSpcReduction="20000"/>
           </a:bodyPr>
           <a:lstStyle/>
           <a:p>
@@ -9809,6 +11791,21 @@
               </a:rPr>
               <a:t>If you have short reads (&lt; 50bp)</a:t>
             </a:r>
+          </a:p>
+          <a:p>
+            <a:pPr lvl="1">
+              <a:lnSpc>
+                <a:spcPct val="120000"/>
+              </a:lnSpc>
+              <a:defRPr/>
+            </a:pPr>
+            <a:r>
+              <a:rPr lang="en-US" dirty="0">
+                <a:latin typeface="Calibri" panose="020F0502020204030204" pitchFamily="34" charset="0"/>
+                <a:cs typeface="Calibri" panose="020F0502020204030204" pitchFamily="34" charset="0"/>
+              </a:rPr>
+              <a:t>Relies on known transcripts </a:t>
+            </a:r>
             <a:br>
               <a:rPr lang="en-US" dirty="0">
                 <a:latin typeface="Calibri" panose="020F0502020204030204" pitchFamily="34" charset="0"/>
@@ -9848,6 +11845,21 @@
                 <a:cs typeface="Calibri" panose="020F0502020204030204" pitchFamily="34" charset="0"/>
               </a:rPr>
               <a:t>All other cases</a:t>
+            </a:r>
+          </a:p>
+          <a:p>
+            <a:pPr lvl="1">
+              <a:lnSpc>
+                <a:spcPct val="120000"/>
+              </a:lnSpc>
+              <a:defRPr/>
+            </a:pPr>
+            <a:r>
+              <a:rPr lang="en-US" dirty="0">
+                <a:latin typeface="Calibri" panose="020F0502020204030204" pitchFamily="34" charset="0"/>
+                <a:cs typeface="Calibri" panose="020F0502020204030204" pitchFamily="34" charset="0"/>
+              </a:rPr>
+              <a:t>Does not rely on known transcripts – allows for discovery </a:t>
             </a:r>
           </a:p>
           <a:p>
@@ -9892,7 +11904,7 @@
 </p:sld>
 </file>
 
-<file path=ppt/slides/slide6.xml><?xml version="1.0" encoding="utf-8"?>
+<file path=ppt/slides/slide7.xml><?xml version="1.0" encoding="utf-8"?>
 <p:sld xmlns:a="http://schemas.openxmlformats.org/drawingml/2006/main" xmlns:r="http://schemas.openxmlformats.org/officeDocument/2006/relationships" xmlns:p="http://schemas.openxmlformats.org/presentationml/2006/main">
   <p:cSld>
     <p:spTree>
@@ -9924,14 +11936,14 @@
           <p:nvPr/>
         </p:nvPicPr>
         <p:blipFill rotWithShape="1">
-          <a:blip r:embed="rId2"/>
+          <a:blip r:embed="rId3"/>
           <a:srcRect b="3789"/>
           <a:stretch/>
         </p:blipFill>
         <p:spPr>
           <a:xfrm>
-            <a:off x="2491029" y="520141"/>
-            <a:ext cx="6893194" cy="5598878"/>
+            <a:off x="1943882" y="492156"/>
+            <a:ext cx="7231532" cy="5873688"/>
           </a:xfrm>
           <a:prstGeom prst="rect">
             <a:avLst/>
@@ -9978,7 +11990,7 @@
         </p:nvSpPr>
         <p:spPr bwMode="auto">
           <a:xfrm>
-            <a:off x="4060826" y="6004193"/>
+            <a:off x="1354696" y="6429742"/>
             <a:ext cx="3979863" cy="338138"/>
           </a:xfrm>
           <a:prstGeom prst="rect">
@@ -9990,14 +12002,14 @@
           </a:ln>
           <a:extLst>
             <a:ext uri="{909E8E84-426E-40dd-AFC4-6F175D3DCCD1}">
-              <a14:hiddenFill xmlns:a14="http://schemas.microsoft.com/office/drawing/2010/main" xmlns="">
+              <a14:hiddenFill xmlns="" xmlns:a14="http://schemas.microsoft.com/office/drawing/2010/main">
                 <a:solidFill>
                   <a:srgbClr val="FFFFFF"/>
                 </a:solidFill>
               </a14:hiddenFill>
             </a:ext>
             <a:ext uri="{91240B29-F687-4f45-9708-019B960494DF}">
-              <a14:hiddenLine xmlns:a14="http://schemas.microsoft.com/office/drawing/2010/main" xmlns="" w="9525">
+              <a14:hiddenLine xmlns="" xmlns:a14="http://schemas.microsoft.com/office/drawing/2010/main" w="9525">
                 <a:solidFill>
                   <a:srgbClr val="000000"/>
                 </a:solidFill>
@@ -10143,15 +12155,18 @@
                 <a:ln>
                   <a:noFill/>
                 </a:ln>
-                <a:solidFill>
-                  <a:prstClr val="black"/>
-                </a:solidFill>
                 <a:effectLst/>
                 <a:uLnTx/>
                 <a:uFillTx/>
                 <a:latin typeface="Arial" charset="0"/>
                 <a:ea typeface="ＭＳ Ｐゴシック" charset="0"/>
-                <a:hlinkClick r:id="rId3"/>
+                <a:hlinkClick r:id="rId4">
+                  <a:extLst>
+                    <a:ext uri="{A12FA001-AC4F-418D-AE19-62706E023703}">
+                      <ahyp:hlinkClr xmlns:ahyp="http://schemas.microsoft.com/office/drawing/2018/hyperlinkcolor" val="tx"/>
+                    </a:ext>
+                  </a:extLst>
+                </a:hlinkClick>
               </a:rPr>
               <a:t>http://wwwdev.ebi.ac.uk/fg/hts_mappers/</a:t>
             </a:r>
@@ -10159,9 +12174,6 @@
               <a:ln>
                 <a:noFill/>
               </a:ln>
-              <a:solidFill>
-                <a:prstClr val="black"/>
-              </a:solidFill>
               <a:effectLst/>
               <a:uLnTx/>
               <a:uFillTx/>
@@ -10364,7 +12376,7 @@
 </p:sld>
 </file>
 
-<file path=ppt/slides/slide7.xml><?xml version="1.0" encoding="utf-8"?>
+<file path=ppt/slides/slide8.xml><?xml version="1.0" encoding="utf-8"?>
 <p:sld xmlns:a="http://schemas.openxmlformats.org/drawingml/2006/main" xmlns:r="http://schemas.openxmlformats.org/officeDocument/2006/relationships" xmlns:p="http://schemas.openxmlformats.org/presentationml/2006/main">
   <p:cSld>
     <p:spTree>
@@ -10446,7 +12458,7 @@
         </p:spPr>
         <p:txBody>
           <a:bodyPr>
-            <a:normAutofit fontScale="92500" lnSpcReduction="20000"/>
+            <a:normAutofit lnSpcReduction="10000"/>
           </a:bodyPr>
           <a:lstStyle/>
           <a:p>
@@ -10458,31 +12470,7 @@
             </a:pPr>
             <a:r>
               <a:rPr lang="en-US" dirty="0"/>
-              <a:t>RNA-seq reads may span large introns</a:t>
-            </a:r>
-            <a:br>
-              <a:rPr lang="en-US" dirty="0"/>
-            </a:br>
-            <a:endParaRPr lang="en-US" dirty="0"/>
-          </a:p>
-          <a:p>
-            <a:pPr>
-              <a:lnSpc>
-                <a:spcPct val="110000"/>
-              </a:lnSpc>
-              <a:defRPr/>
-            </a:pPr>
-            <a:r>
-              <a:rPr lang="en-US" dirty="0"/>
-              <a:t>The fragments being sequenced in RNA-</a:t>
-            </a:r>
-            <a:r>
-              <a:rPr lang="en-US" dirty="0" err="1"/>
-              <a:t>seq</a:t>
-            </a:r>
-            <a:r>
-              <a:rPr lang="en-US" dirty="0"/>
-              <a:t> represent mRNA - introns are removed</a:t>
+              <a:t>The fragments being sequenced in RNA-seq represent mRNA - introns are removed</a:t>
             </a:r>
             <a:br>
               <a:rPr lang="en-US" dirty="0"/>
@@ -10566,14 +12554,14 @@
           </a:ln>
           <a:extLst>
             <a:ext uri="{909E8E84-426E-40dd-AFC4-6F175D3DCCD1}">
-              <a14:hiddenFill xmlns:a14="http://schemas.microsoft.com/office/drawing/2010/main" xmlns="">
+              <a14:hiddenFill xmlns="" xmlns:a14="http://schemas.microsoft.com/office/drawing/2010/main">
                 <a:solidFill>
                   <a:srgbClr val="FFFFFF"/>
                 </a:solidFill>
               </a14:hiddenFill>
             </a:ext>
             <a:ext uri="{91240B29-F687-4f45-9708-019B960494DF}">
-              <a14:hiddenLine xmlns:a14="http://schemas.microsoft.com/office/drawing/2010/main" xmlns="" w="9525">
+              <a14:hiddenLine xmlns="" xmlns:a14="http://schemas.microsoft.com/office/drawing/2010/main" w="9525">
                 <a:solidFill>
                   <a:srgbClr val="000000"/>
                 </a:solidFill>
@@ -10589,399 +12577,6 @@
     <p:extLst>
       <p:ext uri="{BB962C8B-B14F-4D97-AF65-F5344CB8AC3E}">
         <p14:creationId xmlns:p14="http://schemas.microsoft.com/office/powerpoint/2010/main" val="2009055438"/>
-      </p:ext>
-    </p:extLst>
-  </p:cSld>
-  <p:clrMapOvr>
-    <a:masterClrMapping/>
-  </p:clrMapOvr>
-</p:sld>
-</file>
-
-<file path=ppt/slides/slide8.xml><?xml version="1.0" encoding="utf-8"?>
-<p:sld xmlns:a="http://schemas.openxmlformats.org/drawingml/2006/main" xmlns:r="http://schemas.openxmlformats.org/officeDocument/2006/relationships" xmlns:p="http://schemas.openxmlformats.org/presentationml/2006/main">
-  <p:cSld>
-    <p:spTree>
-      <p:nvGrpSpPr>
-        <p:cNvPr id="1" name=""/>
-        <p:cNvGrpSpPr/>
-        <p:nvPr/>
-      </p:nvGrpSpPr>
-      <p:grpSpPr>
-        <a:xfrm>
-          <a:off x="0" y="0"/>
-          <a:ext cx="0" cy="0"/>
-          <a:chOff x="0" y="0"/>
-          <a:chExt cx="0" cy="0"/>
-        </a:xfrm>
-      </p:grpSpPr>
-      <p:sp>
-        <p:nvSpPr>
-          <p:cNvPr id="20481" name="Title 1"/>
-          <p:cNvSpPr>
-            <a:spLocks noGrp="1"/>
-          </p:cNvSpPr>
-          <p:nvPr>
-            <p:ph type="title"/>
-          </p:nvPr>
-        </p:nvSpPr>
-        <p:spPr>
-          <a:xfrm>
-            <a:off x="1676400" y="-26987"/>
-            <a:ext cx="8839200" cy="935708"/>
-          </a:xfrm>
-        </p:spPr>
-        <p:txBody>
-          <a:bodyPr/>
-          <a:lstStyle/>
-          <a:p>
-            <a:pPr algn="ctr"/>
-            <a:r>
-              <a:rPr lang="en-US" b="1" dirty="0">
-                <a:latin typeface="Calibri" charset="0"/>
-                <a:ea typeface="ＭＳ Ｐゴシック" charset="0"/>
-              </a:rPr>
-              <a:t>HISAT/HISAT2</a:t>
-            </a:r>
-          </a:p>
-        </p:txBody>
-      </p:sp>
-      <p:sp>
-        <p:nvSpPr>
-          <p:cNvPr id="26626" name="Content Placeholder 2"/>
-          <p:cNvSpPr>
-            <a:spLocks noGrp="1"/>
-          </p:cNvSpPr>
-          <p:nvPr>
-            <p:ph idx="1"/>
-          </p:nvPr>
-        </p:nvSpPr>
-        <p:spPr>
-          <a:xfrm>
-            <a:off x="554636" y="1203960"/>
-            <a:ext cx="10814404" cy="4861878"/>
-          </a:xfrm>
-        </p:spPr>
-        <p:txBody>
-          <a:bodyPr>
-            <a:normAutofit/>
-          </a:bodyPr>
-          <a:lstStyle/>
-          <a:p>
-            <a:pPr>
-              <a:defRPr/>
-            </a:pPr>
-            <a:r>
-              <a:rPr lang="en-US" dirty="0">
-                <a:latin typeface="Calibri" charset="0"/>
-                <a:ea typeface="ＭＳ Ｐゴシック" charset="0"/>
-              </a:rPr>
-              <a:t>HISAT is a ‘splice-aware’ RNA-seq read aligner</a:t>
-            </a:r>
-          </a:p>
-          <a:p>
-            <a:pPr>
-              <a:defRPr/>
-            </a:pPr>
-            <a:r>
-              <a:rPr lang="en-US" dirty="0">
-                <a:latin typeface="Calibri" charset="0"/>
-                <a:ea typeface="ＭＳ Ｐゴシック" charset="0"/>
-              </a:rPr>
-              <a:t>Requires a reference genome</a:t>
-            </a:r>
-          </a:p>
-          <a:p>
-            <a:pPr>
-              <a:defRPr/>
-            </a:pPr>
-            <a:r>
-              <a:rPr lang="en-US" dirty="0">
-                <a:latin typeface="Calibri" charset="0"/>
-                <a:ea typeface="ＭＳ Ｐゴシック" charset="0"/>
-              </a:rPr>
-              <a:t>Very fast</a:t>
-            </a:r>
-            <a:br>
-              <a:rPr lang="en-US" dirty="0">
-                <a:latin typeface="Calibri" charset="0"/>
-                <a:ea typeface="ＭＳ Ｐゴシック" charset="0"/>
-              </a:rPr>
-            </a:br>
-            <a:endParaRPr lang="en-US" dirty="0">
-              <a:latin typeface="Calibri" charset="0"/>
-              <a:ea typeface="ＭＳ Ｐゴシック" charset="0"/>
-            </a:endParaRPr>
-          </a:p>
-          <a:p>
-            <a:pPr>
-              <a:defRPr/>
-            </a:pPr>
-            <a:r>
-              <a:rPr lang="en-US" dirty="0">
-                <a:latin typeface="Calibri" charset="0"/>
-                <a:ea typeface="ＭＳ Ｐゴシック" charset="0"/>
-              </a:rPr>
-              <a:t>Uses an indexing scheme based on the Burrows-Wheeler transform and the </a:t>
-            </a:r>
-            <a:r>
-              <a:rPr lang="en-US" dirty="0" err="1">
-                <a:latin typeface="Calibri" charset="0"/>
-                <a:ea typeface="ＭＳ Ｐゴシック" charset="0"/>
-              </a:rPr>
-              <a:t>Ferragina</a:t>
-            </a:r>
-            <a:r>
-              <a:rPr lang="en-US" dirty="0">
-                <a:latin typeface="Calibri" charset="0"/>
-                <a:ea typeface="ＭＳ Ｐゴシック" charset="0"/>
-              </a:rPr>
-              <a:t>-Manzini (FM) index</a:t>
-            </a:r>
-          </a:p>
-          <a:p>
-            <a:pPr>
-              <a:defRPr/>
-            </a:pPr>
-            <a:r>
-              <a:rPr lang="en-US" dirty="0">
-                <a:latin typeface="Calibri" charset="0"/>
-                <a:ea typeface="ＭＳ Ｐゴシック" charset="0"/>
-              </a:rPr>
-              <a:t>Multiple types of indexes for alignment</a:t>
-            </a:r>
-          </a:p>
-          <a:p>
-            <a:pPr lvl="1">
-              <a:defRPr/>
-            </a:pPr>
-            <a:r>
-              <a:rPr lang="en-US" dirty="0">
-                <a:latin typeface="Calibri" charset="0"/>
-                <a:ea typeface="ＭＳ Ｐゴシック" charset="0"/>
-              </a:rPr>
-              <a:t>a whole-genome FM index to anchor each alignment </a:t>
-            </a:r>
-          </a:p>
-          <a:p>
-            <a:pPr lvl="1">
-              <a:defRPr/>
-            </a:pPr>
-            <a:r>
-              <a:rPr lang="en-US" dirty="0">
-                <a:latin typeface="Calibri" charset="0"/>
-                <a:ea typeface="ＭＳ Ｐゴシック" charset="0"/>
-              </a:rPr>
-              <a:t>numerous local FM indexes for very rapid extensions of these alignments. </a:t>
-            </a:r>
-          </a:p>
-          <a:p>
-            <a:pPr lvl="1">
-              <a:defRPr/>
-            </a:pPr>
-            <a:r>
-              <a:rPr lang="en-US" dirty="0">
-                <a:latin typeface="Calibri" charset="0"/>
-                <a:ea typeface="ＭＳ Ｐゴシック" charset="0"/>
-              </a:rPr>
-              <a:t>Whole-genome indices with SNPs and known transcript structures accounted for</a:t>
-            </a:r>
-          </a:p>
-        </p:txBody>
-      </p:sp>
-      <p:sp>
-        <p:nvSpPr>
-          <p:cNvPr id="20484" name="TextBox 4"/>
-          <p:cNvSpPr txBox="1">
-            <a:spLocks noChangeArrowheads="1"/>
-          </p:cNvSpPr>
-          <p:nvPr/>
-        </p:nvSpPr>
-        <p:spPr bwMode="auto">
-          <a:xfrm>
-            <a:off x="8305448" y="6065838"/>
-            <a:ext cx="4176464" cy="338554"/>
-          </a:xfrm>
-          <a:prstGeom prst="rect">
-            <a:avLst/>
-          </a:prstGeom>
-          <a:noFill/>
-          <a:ln>
-            <a:noFill/>
-          </a:ln>
-          <a:extLst>
-            <a:ext uri="{909E8E84-426E-40dd-AFC4-6F175D3DCCD1}">
-              <a14:hiddenFill xmlns:a14="http://schemas.microsoft.com/office/drawing/2010/main" xmlns="">
-                <a:solidFill>
-                  <a:srgbClr val="FFFFFF"/>
-                </a:solidFill>
-              </a14:hiddenFill>
-            </a:ext>
-            <a:ext uri="{91240B29-F687-4f45-9708-019B960494DF}">
-              <a14:hiddenLine xmlns:a14="http://schemas.microsoft.com/office/drawing/2010/main" xmlns="" w="9525">
-                <a:solidFill>
-                  <a:srgbClr val="000000"/>
-                </a:solidFill>
-                <a:miter lim="800000"/>
-                <a:headEnd/>
-                <a:tailEnd/>
-              </a14:hiddenLine>
-            </a:ext>
-          </a:extLst>
-        </p:spPr>
-        <p:txBody>
-          <a:bodyPr wrap="square">
-            <a:spAutoFit/>
-          </a:bodyPr>
-          <a:lstStyle>
-            <a:lvl1pPr eaLnBrk="0" hangingPunct="0">
-              <a:defRPr sz="2400">
-                <a:solidFill>
-                  <a:schemeClr val="tx1"/>
-                </a:solidFill>
-                <a:latin typeface="Arial" charset="0"/>
-                <a:ea typeface="ＭＳ Ｐゴシック" charset="0"/>
-                <a:cs typeface="ＭＳ Ｐゴシック" charset="0"/>
-              </a:defRPr>
-            </a:lvl1pPr>
-            <a:lvl2pPr marL="742950" indent="-285750" eaLnBrk="0" hangingPunct="0">
-              <a:defRPr sz="2400">
-                <a:solidFill>
-                  <a:schemeClr val="tx1"/>
-                </a:solidFill>
-                <a:latin typeface="Arial" charset="0"/>
-                <a:ea typeface="ＭＳ Ｐゴシック" charset="0"/>
-              </a:defRPr>
-            </a:lvl2pPr>
-            <a:lvl3pPr marL="1143000" indent="-228600" eaLnBrk="0" hangingPunct="0">
-              <a:defRPr sz="2400">
-                <a:solidFill>
-                  <a:schemeClr val="tx1"/>
-                </a:solidFill>
-                <a:latin typeface="Arial" charset="0"/>
-                <a:ea typeface="ＭＳ Ｐゴシック" charset="0"/>
-              </a:defRPr>
-            </a:lvl3pPr>
-            <a:lvl4pPr marL="1600200" indent="-228600" eaLnBrk="0" hangingPunct="0">
-              <a:defRPr sz="2400">
-                <a:solidFill>
-                  <a:schemeClr val="tx1"/>
-                </a:solidFill>
-                <a:latin typeface="Arial" charset="0"/>
-                <a:ea typeface="ＭＳ Ｐゴシック" charset="0"/>
-              </a:defRPr>
-            </a:lvl4pPr>
-            <a:lvl5pPr marL="2057400" indent="-228600" eaLnBrk="0" hangingPunct="0">
-              <a:defRPr sz="2400">
-                <a:solidFill>
-                  <a:schemeClr val="tx1"/>
-                </a:solidFill>
-                <a:latin typeface="Arial" charset="0"/>
-                <a:ea typeface="ＭＳ Ｐゴシック" charset="0"/>
-              </a:defRPr>
-            </a:lvl5pPr>
-            <a:lvl6pPr marL="2514600" indent="-228600" eaLnBrk="0" fontAlgn="base" hangingPunct="0">
-              <a:spcBef>
-                <a:spcPct val="0"/>
-              </a:spcBef>
-              <a:spcAft>
-                <a:spcPct val="0"/>
-              </a:spcAft>
-              <a:defRPr sz="2400">
-                <a:solidFill>
-                  <a:schemeClr val="tx1"/>
-                </a:solidFill>
-                <a:latin typeface="Arial" charset="0"/>
-                <a:ea typeface="ＭＳ Ｐゴシック" charset="0"/>
-              </a:defRPr>
-            </a:lvl6pPr>
-            <a:lvl7pPr marL="2971800" indent="-228600" eaLnBrk="0" fontAlgn="base" hangingPunct="0">
-              <a:spcBef>
-                <a:spcPct val="0"/>
-              </a:spcBef>
-              <a:spcAft>
-                <a:spcPct val="0"/>
-              </a:spcAft>
-              <a:defRPr sz="2400">
-                <a:solidFill>
-                  <a:schemeClr val="tx1"/>
-                </a:solidFill>
-                <a:latin typeface="Arial" charset="0"/>
-                <a:ea typeface="ＭＳ Ｐゴシック" charset="0"/>
-              </a:defRPr>
-            </a:lvl7pPr>
-            <a:lvl8pPr marL="3429000" indent="-228600" eaLnBrk="0" fontAlgn="base" hangingPunct="0">
-              <a:spcBef>
-                <a:spcPct val="0"/>
-              </a:spcBef>
-              <a:spcAft>
-                <a:spcPct val="0"/>
-              </a:spcAft>
-              <a:defRPr sz="2400">
-                <a:solidFill>
-                  <a:schemeClr val="tx1"/>
-                </a:solidFill>
-                <a:latin typeface="Arial" charset="0"/>
-                <a:ea typeface="ＭＳ Ｐゴシック" charset="0"/>
-              </a:defRPr>
-            </a:lvl8pPr>
-            <a:lvl9pPr marL="3886200" indent="-228600" eaLnBrk="0" fontAlgn="base" hangingPunct="0">
-              <a:spcBef>
-                <a:spcPct val="0"/>
-              </a:spcBef>
-              <a:spcAft>
-                <a:spcPct val="0"/>
-              </a:spcAft>
-              <a:defRPr sz="2400">
-                <a:solidFill>
-                  <a:schemeClr val="tx1"/>
-                </a:solidFill>
-                <a:latin typeface="Arial" charset="0"/>
-                <a:ea typeface="ＭＳ Ｐゴシック" charset="0"/>
-              </a:defRPr>
-            </a:lvl9pPr>
-          </a:lstStyle>
-          <a:p>
-            <a:pPr marL="0" marR="0" lvl="0" indent="0" algn="l" defTabSz="914400" rtl="0" eaLnBrk="1" fontAlgn="auto" latinLnBrk="0" hangingPunct="1">
-              <a:lnSpc>
-                <a:spcPct val="100000"/>
-              </a:lnSpc>
-              <a:spcBef>
-                <a:spcPts val="0"/>
-              </a:spcBef>
-              <a:spcAft>
-                <a:spcPts val="0"/>
-              </a:spcAft>
-              <a:buClrTx/>
-              <a:buSzTx/>
-              <a:buFontTx/>
-              <a:buNone/>
-              <a:tabLst/>
-              <a:defRPr/>
-            </a:pPr>
-            <a:r>
-              <a:rPr kumimoji="0" lang="en-US" sz="1600" b="0" i="0" u="none" strike="noStrike" kern="1200" cap="none" spc="0" normalizeH="0" baseline="0" noProof="0" dirty="0">
-                <a:ln>
-                  <a:noFill/>
-                </a:ln>
-                <a:solidFill>
-                  <a:prstClr val="black"/>
-                </a:solidFill>
-                <a:effectLst/>
-                <a:uLnTx/>
-                <a:uFillTx/>
-                <a:latin typeface="Arial" charset="0"/>
-                <a:ea typeface="ＭＳ Ｐゴシック" charset="0"/>
-              </a:rPr>
-              <a:t>Kim et al. 2015. Nat Methods 12:357–360 </a:t>
-            </a:r>
-          </a:p>
-        </p:txBody>
-      </p:sp>
-    </p:spTree>
-    <p:extLst>
-      <p:ext uri="{BB962C8B-B14F-4D97-AF65-F5344CB8AC3E}">
-        <p14:creationId xmlns:p14="http://schemas.microsoft.com/office/powerpoint/2010/main" val="2192165038"/>
       </p:ext>
     </p:extLst>
   </p:cSld>
@@ -11034,7 +12629,7 @@
                 <a:latin typeface="Calibri" charset="0"/>
                 <a:ea typeface="ＭＳ Ｐゴシック" charset="0"/>
               </a:rPr>
-              <a:t>HISAT/HISAT2 algorithm</a:t>
+              <a:t>HISAT/HISAT2</a:t>
             </a:r>
           </a:p>
         </p:txBody>
@@ -11051,13 +12646,13 @@
         </p:nvSpPr>
         <p:spPr>
           <a:xfrm>
-            <a:off x="524656" y="1085088"/>
-            <a:ext cx="11155280" cy="4980750"/>
+            <a:off x="554636" y="1203960"/>
+            <a:ext cx="10814404" cy="4861878"/>
           </a:xfrm>
         </p:spPr>
         <p:txBody>
           <a:bodyPr>
-            <a:normAutofit lnSpcReduction="10000"/>
+            <a:normAutofit/>
           </a:bodyPr>
           <a:lstStyle/>
           <a:p>
@@ -11069,7 +12664,7 @@
                 <a:latin typeface="Calibri" charset="0"/>
                 <a:ea typeface="ＭＳ Ｐゴシック" charset="0"/>
               </a:rPr>
-              <a:t>Uses a hierarchical indexing algorithm + several adaptive strategies</a:t>
+              <a:t>HISAT is a ‘splice-aware’ RNA-seq read aligner</a:t>
             </a:r>
           </a:p>
           <a:p>
@@ -11081,7 +12676,101 @@
                 <a:latin typeface="Calibri" charset="0"/>
                 <a:ea typeface="ＭＳ Ｐゴシック" charset="0"/>
               </a:rPr>
-              <a:t>based on the position of a read with respect to splice sites</a:t>
+              <a:t>HISAT = </a:t>
+            </a:r>
+            <a:r>
+              <a:rPr lang="en-US" b="1" dirty="0">
+                <a:latin typeface="Calibri" charset="0"/>
+                <a:ea typeface="ＭＳ Ｐゴシック" charset="0"/>
+              </a:rPr>
+              <a:t>H</a:t>
+            </a:r>
+            <a:r>
+              <a:rPr lang="en-US" dirty="0">
+                <a:latin typeface="Calibri" charset="0"/>
+                <a:ea typeface="ＭＳ Ｐゴシック" charset="0"/>
+              </a:rPr>
+              <a:t>ierarchical </a:t>
+            </a:r>
+            <a:r>
+              <a:rPr lang="en-US" b="1" dirty="0">
+                <a:latin typeface="Calibri" charset="0"/>
+                <a:ea typeface="ＭＳ Ｐゴシック" charset="0"/>
+              </a:rPr>
+              <a:t>I</a:t>
+            </a:r>
+            <a:r>
+              <a:rPr lang="en-US" dirty="0">
+                <a:latin typeface="Calibri" charset="0"/>
+                <a:ea typeface="ＭＳ Ｐゴシック" charset="0"/>
+              </a:rPr>
+              <a:t>ndexing for </a:t>
+            </a:r>
+            <a:r>
+              <a:rPr lang="en-US" b="1" dirty="0">
+                <a:latin typeface="Calibri" charset="0"/>
+                <a:ea typeface="ＭＳ Ｐゴシック" charset="0"/>
+              </a:rPr>
+              <a:t>S</a:t>
+            </a:r>
+            <a:r>
+              <a:rPr lang="en-US" dirty="0">
+                <a:latin typeface="Calibri" charset="0"/>
+                <a:ea typeface="ＭＳ Ｐゴシック" charset="0"/>
+              </a:rPr>
+              <a:t>pliced </a:t>
+            </a:r>
+            <a:r>
+              <a:rPr lang="en-US" b="1" dirty="0">
+                <a:latin typeface="Calibri" charset="0"/>
+                <a:ea typeface="ＭＳ Ｐゴシック" charset="0"/>
+              </a:rPr>
+              <a:t>A</a:t>
+            </a:r>
+            <a:r>
+              <a:rPr lang="en-US" dirty="0">
+                <a:latin typeface="Calibri" charset="0"/>
+                <a:ea typeface="ＭＳ Ｐゴシック" charset="0"/>
+              </a:rPr>
+              <a:t>lignments of </a:t>
+            </a:r>
+            <a:r>
+              <a:rPr lang="en-US" b="1" dirty="0">
+                <a:latin typeface="Calibri" charset="0"/>
+                <a:ea typeface="ＭＳ Ｐゴシック" charset="0"/>
+              </a:rPr>
+              <a:t>T</a:t>
+            </a:r>
+            <a:r>
+              <a:rPr lang="en-US" dirty="0">
+                <a:latin typeface="Calibri" charset="0"/>
+                <a:ea typeface="ＭＳ Ｐゴシック" charset="0"/>
+              </a:rPr>
+              <a:t>ranscripts</a:t>
+            </a:r>
+          </a:p>
+          <a:p>
+            <a:pPr>
+              <a:defRPr/>
+            </a:pPr>
+            <a:r>
+              <a:rPr lang="en-US" dirty="0">
+                <a:latin typeface="Calibri" charset="0"/>
+                <a:ea typeface="ＭＳ Ｐゴシック" charset="0"/>
+              </a:rPr>
+              <a:t>Requires a reference genome</a:t>
+            </a:r>
+          </a:p>
+          <a:p>
+            <a:pPr>
+              <a:defRPr/>
+            </a:pPr>
+            <a:r>
+              <a:rPr lang="en-US" dirty="0">
+                <a:latin typeface="Calibri" charset="0"/>
+                <a:ea typeface="ＭＳ Ｐゴシック" charset="0"/>
+              </a:rPr>
+              <a:t>Very fast</a:t>
             </a:r>
             <a:br>
               <a:rPr lang="en-US" dirty="0">
@@ -11095,8 +12784,7 @@
             </a:endParaRPr>
           </a:p>
           <a:p>
-            <a:pPr marL="0" indent="0">
-              <a:buNone/>
+            <a:pPr>
               <a:defRPr/>
             </a:pPr>
             <a:r>
@@ -11104,7 +12792,33 @@
                 <a:latin typeface="Calibri" charset="0"/>
                 <a:ea typeface="ＭＳ Ｐゴシック" charset="0"/>
               </a:rPr>
-              <a:t>1) Find candidate locations across the whole genome first</a:t>
+              <a:t>Uses an indexing scheme based on the Burrows-Wheeler transform and the </a:t>
+            </a:r>
+            <a:r>
+              <a:rPr lang="en-US" dirty="0" err="1">
+                <a:latin typeface="Calibri" charset="0"/>
+                <a:ea typeface="ＭＳ Ｐゴシック" charset="0"/>
+              </a:rPr>
+              <a:t>Ferragina</a:t>
+            </a:r>
+            <a:r>
+              <a:rPr lang="en-US" dirty="0">
+                <a:latin typeface="Calibri" charset="0"/>
+                <a:ea typeface="ＭＳ Ｐゴシック" charset="0"/>
+              </a:rPr>
+              <a:t>-Manzini (FM) index</a:t>
+            </a:r>
+          </a:p>
+          <a:p>
+            <a:pPr>
+              <a:defRPr/>
+            </a:pPr>
+            <a:r>
+              <a:rPr lang="en-US" dirty="0">
+                <a:latin typeface="Calibri" charset="0"/>
+                <a:ea typeface="ＭＳ Ｐゴシック" charset="0"/>
+              </a:rPr>
+              <a:t>Multiple types of indexes for alignment</a:t>
             </a:r>
           </a:p>
           <a:p>
@@ -11116,7 +12830,7 @@
                 <a:latin typeface="Calibri" charset="0"/>
                 <a:ea typeface="ＭＳ Ｐゴシック" charset="0"/>
               </a:rPr>
-              <a:t>mapping part of each read using the global FM index</a:t>
+              <a:t>a whole-genome FM index to anchor each alignment </a:t>
             </a:r>
           </a:p>
           <a:p>
@@ -11128,20 +12842,7 @@
                 <a:latin typeface="Calibri" charset="0"/>
                 <a:ea typeface="ＭＳ Ｐゴシック" charset="0"/>
               </a:rPr>
-              <a:t>Generally identifies one or a small number of candidates. </a:t>
-            </a:r>
-          </a:p>
-          <a:p>
-            <a:pPr marL="0" indent="0">
-              <a:buNone/>
-              <a:defRPr/>
-            </a:pPr>
-            <a:r>
-              <a:rPr lang="en-US" dirty="0">
-                <a:latin typeface="Calibri" charset="0"/>
-                <a:ea typeface="ＭＳ Ｐゴシック" charset="0"/>
-              </a:rPr>
-              <a:t>2) Do local alignment</a:t>
+              <a:t>numerous local FM indexes for very rapid extensions of these alignments. </a:t>
             </a:r>
           </a:p>
           <a:p>
@@ -11153,53 +12854,196 @@
                 <a:latin typeface="Calibri" charset="0"/>
                 <a:ea typeface="ＭＳ Ｐゴシック" charset="0"/>
               </a:rPr>
-              <a:t>selects one of ~48,000 local indexes for each candidate </a:t>
-            </a:r>
-          </a:p>
-          <a:p>
-            <a:pPr lvl="1">
+              <a:t>Whole-genome indices with SNPs and known transcript structures accounted for</a:t>
+            </a:r>
+          </a:p>
+        </p:txBody>
+      </p:sp>
+      <p:sp>
+        <p:nvSpPr>
+          <p:cNvPr id="20484" name="TextBox 4"/>
+          <p:cNvSpPr txBox="1">
+            <a:spLocks noChangeArrowheads="1"/>
+          </p:cNvSpPr>
+          <p:nvPr/>
+        </p:nvSpPr>
+        <p:spPr bwMode="auto">
+          <a:xfrm>
+            <a:off x="8305448" y="6065838"/>
+            <a:ext cx="4176464" cy="338554"/>
+          </a:xfrm>
+          <a:prstGeom prst="rect">
+            <a:avLst/>
+          </a:prstGeom>
+          <a:noFill/>
+          <a:ln>
+            <a:noFill/>
+          </a:ln>
+          <a:extLst>
+            <a:ext uri="{909E8E84-426E-40dd-AFC4-6F175D3DCCD1}">
+              <a14:hiddenFill xmlns="" xmlns:a14="http://schemas.microsoft.com/office/drawing/2010/main">
+                <a:solidFill>
+                  <a:srgbClr val="FFFFFF"/>
+                </a:solidFill>
+              </a14:hiddenFill>
+            </a:ext>
+            <a:ext uri="{91240B29-F687-4f45-9708-019B960494DF}">
+              <a14:hiddenLine xmlns="" xmlns:a14="http://schemas.microsoft.com/office/drawing/2010/main" w="9525">
+                <a:solidFill>
+                  <a:srgbClr val="000000"/>
+                </a:solidFill>
+                <a:miter lim="800000"/>
+                <a:headEnd/>
+                <a:tailEnd/>
+              </a14:hiddenLine>
+            </a:ext>
+          </a:extLst>
+        </p:spPr>
+        <p:txBody>
+          <a:bodyPr wrap="square">
+            <a:spAutoFit/>
+          </a:bodyPr>
+          <a:lstStyle>
+            <a:lvl1pPr eaLnBrk="0" hangingPunct="0">
+              <a:defRPr sz="2400">
+                <a:solidFill>
+                  <a:schemeClr val="tx1"/>
+                </a:solidFill>
+                <a:latin typeface="Arial" charset="0"/>
+                <a:ea typeface="ＭＳ Ｐゴシック" charset="0"/>
+                <a:cs typeface="ＭＳ Ｐゴシック" charset="0"/>
+              </a:defRPr>
+            </a:lvl1pPr>
+            <a:lvl2pPr marL="742950" indent="-285750" eaLnBrk="0" hangingPunct="0">
+              <a:defRPr sz="2400">
+                <a:solidFill>
+                  <a:schemeClr val="tx1"/>
+                </a:solidFill>
+                <a:latin typeface="Arial" charset="0"/>
+                <a:ea typeface="ＭＳ Ｐゴシック" charset="0"/>
+              </a:defRPr>
+            </a:lvl2pPr>
+            <a:lvl3pPr marL="1143000" indent="-228600" eaLnBrk="0" hangingPunct="0">
+              <a:defRPr sz="2400">
+                <a:solidFill>
+                  <a:schemeClr val="tx1"/>
+                </a:solidFill>
+                <a:latin typeface="Arial" charset="0"/>
+                <a:ea typeface="ＭＳ Ｐゴシック" charset="0"/>
+              </a:defRPr>
+            </a:lvl3pPr>
+            <a:lvl4pPr marL="1600200" indent="-228600" eaLnBrk="0" hangingPunct="0">
+              <a:defRPr sz="2400">
+                <a:solidFill>
+                  <a:schemeClr val="tx1"/>
+                </a:solidFill>
+                <a:latin typeface="Arial" charset="0"/>
+                <a:ea typeface="ＭＳ Ｐゴシック" charset="0"/>
+              </a:defRPr>
+            </a:lvl4pPr>
+            <a:lvl5pPr marL="2057400" indent="-228600" eaLnBrk="0" hangingPunct="0">
+              <a:defRPr sz="2400">
+                <a:solidFill>
+                  <a:schemeClr val="tx1"/>
+                </a:solidFill>
+                <a:latin typeface="Arial" charset="0"/>
+                <a:ea typeface="ＭＳ Ｐゴシック" charset="0"/>
+              </a:defRPr>
+            </a:lvl5pPr>
+            <a:lvl6pPr marL="2514600" indent="-228600" eaLnBrk="0" fontAlgn="base" hangingPunct="0">
+              <a:spcBef>
+                <a:spcPct val="0"/>
+              </a:spcBef>
+              <a:spcAft>
+                <a:spcPct val="0"/>
+              </a:spcAft>
+              <a:defRPr sz="2400">
+                <a:solidFill>
+                  <a:schemeClr val="tx1"/>
+                </a:solidFill>
+                <a:latin typeface="Arial" charset="0"/>
+                <a:ea typeface="ＭＳ Ｐゴシック" charset="0"/>
+              </a:defRPr>
+            </a:lvl6pPr>
+            <a:lvl7pPr marL="2971800" indent="-228600" eaLnBrk="0" fontAlgn="base" hangingPunct="0">
+              <a:spcBef>
+                <a:spcPct val="0"/>
+              </a:spcBef>
+              <a:spcAft>
+                <a:spcPct val="0"/>
+              </a:spcAft>
+              <a:defRPr sz="2400">
+                <a:solidFill>
+                  <a:schemeClr val="tx1"/>
+                </a:solidFill>
+                <a:latin typeface="Arial" charset="0"/>
+                <a:ea typeface="ＭＳ Ｐゴシック" charset="0"/>
+              </a:defRPr>
+            </a:lvl7pPr>
+            <a:lvl8pPr marL="3429000" indent="-228600" eaLnBrk="0" fontAlgn="base" hangingPunct="0">
+              <a:spcBef>
+                <a:spcPct val="0"/>
+              </a:spcBef>
+              <a:spcAft>
+                <a:spcPct val="0"/>
+              </a:spcAft>
+              <a:defRPr sz="2400">
+                <a:solidFill>
+                  <a:schemeClr val="tx1"/>
+                </a:solidFill>
+                <a:latin typeface="Arial" charset="0"/>
+                <a:ea typeface="ＭＳ Ｐゴシック" charset="0"/>
+              </a:defRPr>
+            </a:lvl8pPr>
+            <a:lvl9pPr marL="3886200" indent="-228600" eaLnBrk="0" fontAlgn="base" hangingPunct="0">
+              <a:spcBef>
+                <a:spcPct val="0"/>
+              </a:spcBef>
+              <a:spcAft>
+                <a:spcPct val="0"/>
+              </a:spcAft>
+              <a:defRPr sz="2400">
+                <a:solidFill>
+                  <a:schemeClr val="tx1"/>
+                </a:solidFill>
+                <a:latin typeface="Arial" charset="0"/>
+                <a:ea typeface="ＭＳ Ｐゴシック" charset="0"/>
+              </a:defRPr>
+            </a:lvl9pPr>
+          </a:lstStyle>
+          <a:p>
+            <a:pPr marL="0" marR="0" lvl="0" indent="0" algn="l" defTabSz="914400" rtl="0" eaLnBrk="1" fontAlgn="auto" latinLnBrk="0" hangingPunct="1">
+              <a:lnSpc>
+                <a:spcPct val="100000"/>
+              </a:lnSpc>
+              <a:spcBef>
+                <a:spcPts val="0"/>
+              </a:spcBef>
+              <a:spcAft>
+                <a:spcPts val="0"/>
+              </a:spcAft>
+              <a:buClrTx/>
+              <a:buSzTx/>
+              <a:buFontTx/>
+              <a:buNone/>
+              <a:tabLst/>
               <a:defRPr/>
             </a:pPr>
             <a:r>
-              <a:rPr lang="en-US" dirty="0">
-                <a:latin typeface="Calibri" charset="0"/>
-                <a:ea typeface="ＭＳ Ｐゴシック" charset="0"/>
-              </a:rPr>
-              <a:t>uses it to align the remainder of the read.</a:t>
-            </a:r>
-            <a:br>
-              <a:rPr lang="en-US" dirty="0">
-                <a:latin typeface="Calibri" charset="0"/>
-                <a:ea typeface="ＭＳ Ｐゴシック" charset="0"/>
-              </a:rPr>
-            </a:br>
-            <a:endParaRPr lang="en-US" dirty="0">
-              <a:latin typeface="Calibri" charset="0"/>
-              <a:ea typeface="ＭＳ Ｐゴシック" charset="0"/>
-            </a:endParaRPr>
-          </a:p>
-          <a:p>
-            <a:pPr>
-              <a:defRPr/>
-            </a:pPr>
-            <a:r>
-              <a:rPr lang="en-US" dirty="0">
-                <a:latin typeface="Calibri" charset="0"/>
-                <a:ea typeface="ＭＳ Ｐゴシック" charset="0"/>
-              </a:rPr>
-              <a:t>For paired reads, each mate is separately aligned</a:t>
-            </a:r>
-          </a:p>
-          <a:p>
-            <a:pPr lvl="1">
-              <a:defRPr/>
-            </a:pPr>
-            <a:r>
-              <a:rPr lang="en-US" dirty="0">
-                <a:latin typeface="Calibri" charset="0"/>
-                <a:ea typeface="ＭＳ Ｐゴシック" charset="0"/>
-              </a:rPr>
-              <a:t>If a read fails to align, then the alignments of its mate are used as anchors to map the unaligned mate</a:t>
+              <a:rPr kumimoji="0" lang="en-US" sz="1600" b="0" i="0" u="none" strike="noStrike" kern="1200" cap="none" spc="0" normalizeH="0" baseline="0" noProof="0" dirty="0">
+                <a:ln>
+                  <a:noFill/>
+                </a:ln>
+                <a:solidFill>
+                  <a:prstClr val="black"/>
+                </a:solidFill>
+                <a:effectLst/>
+                <a:uLnTx/>
+                <a:uFillTx/>
+                <a:latin typeface="Arial" charset="0"/>
+                <a:ea typeface="ＭＳ Ｐゴシック" charset="0"/>
+              </a:rPr>
+              <a:t>Kim et al. 2015. Nat Methods 12:357–360 </a:t>
             </a:r>
           </a:p>
         </p:txBody>
@@ -11207,7 +13051,7 @@
     </p:spTree>
     <p:extLst>
       <p:ext uri="{BB962C8B-B14F-4D97-AF65-F5344CB8AC3E}">
-        <p14:creationId xmlns:p14="http://schemas.microsoft.com/office/powerpoint/2010/main" val="817765434"/>
+        <p14:creationId xmlns:p14="http://schemas.microsoft.com/office/powerpoint/2010/main" val="2192165038"/>
       </p:ext>
     </p:extLst>
   </p:cSld>
